--- a/src/resources/Hybride systeme_Jörn_seine_Teile.pptx
+++ b/src/resources/Hybride systeme_Jörn_seine_Teile.pptx
@@ -1529,6 +1529,60 @@
               <a:t>: Alex</a:t>
             </a:r>
           </a:p>
+          <a:p>
+            <a:r>
+              <a:rPr lang="de-DE" dirty="0"/>
+              <a:t>Vierfarbenproblem, Sudoku, </a:t>
+            </a:r>
+            <a:r>
+              <a:rPr lang="de-DE" dirty="0" err="1"/>
+              <a:t>Kakuro</a:t>
+            </a:r>
+            <a:r>
+              <a:rPr lang="de-DE" dirty="0"/>
+              <a:t>, Aussagenlogik</a:t>
+            </a:r>
+          </a:p>
+          <a:p>
+            <a:endParaRPr lang="de-DE" dirty="0"/>
+          </a:p>
+          <a:p>
+            <a:r>
+              <a:rPr lang="de-DE" dirty="0"/>
+              <a:t>Zu KI:</a:t>
+            </a:r>
+          </a:p>
+          <a:p>
+            <a:pPr marL="171450" indent="-171450">
+              <a:buFontTx/>
+              <a:buChar char="-"/>
+            </a:pPr>
+            <a:r>
+              <a:rPr lang="de-DE" dirty="0"/>
+              <a:t>Es ist eine Aufgabenstellung</a:t>
+            </a:r>
+          </a:p>
+          <a:p>
+            <a:pPr marL="171450" indent="-171450">
+              <a:buFontTx/>
+              <a:buChar char="-"/>
+            </a:pPr>
+            <a:r>
+              <a:rPr lang="de-DE" dirty="0"/>
+              <a:t>Dient </a:t>
+            </a:r>
+            <a:r>
+              <a:rPr lang="de-DE"/>
+              <a:t>als Benchmark</a:t>
+            </a:r>
+          </a:p>
+          <a:p>
+            <a:pPr marL="171450" indent="-171450">
+              <a:buFontTx/>
+              <a:buChar char="-"/>
+            </a:pPr>
+            <a:endParaRPr lang="de-DE" dirty="0"/>
+          </a:p>
         </p:txBody>
       </p:sp>
       <p:sp>
@@ -3509,7 +3563,7 @@
           <a:noFill/>
           <a:extLst>
             <a:ext uri="{909E8E84-426E-40dd-AFC4-6F175D3DCCD1}">
-              <a14:hiddenFill xmlns:a14="http://schemas.microsoft.com/office/drawing/2010/main" xmlns="">
+              <a14:hiddenFill xmlns="" xmlns:a14="http://schemas.microsoft.com/office/drawing/2010/main">
                 <a:solidFill>
                   <a:srgbClr val="FFFFFF"/>
                 </a:solidFill>
@@ -3568,7 +3622,7 @@
             </a:ln>
             <a:extLst>
               <a:ext uri="{91240B29-F687-4f45-9708-019B960494DF}">
-                <a14:hiddenLine xmlns:a14="http://schemas.microsoft.com/office/drawing/2010/main" xmlns="" w="9525">
+                <a14:hiddenLine xmlns="" xmlns:a14="http://schemas.microsoft.com/office/drawing/2010/main" w="9525">
                   <a:solidFill>
                     <a:srgbClr val="000000"/>
                   </a:solidFill>
@@ -3658,7 +3712,7 @@
             </a:ln>
             <a:extLst>
               <a:ext uri="{91240B29-F687-4f45-9708-019B960494DF}">
-                <a14:hiddenLine xmlns:a14="http://schemas.microsoft.com/office/drawing/2010/main" xmlns="" w="9525">
+                <a14:hiddenLine xmlns="" xmlns:a14="http://schemas.microsoft.com/office/drawing/2010/main" w="9525">
                   <a:solidFill>
                     <a:srgbClr val="000000"/>
                   </a:solidFill>
@@ -3748,7 +3802,7 @@
             </a:ln>
             <a:extLst>
               <a:ext uri="{91240B29-F687-4f45-9708-019B960494DF}">
-                <a14:hiddenLine xmlns:a14="http://schemas.microsoft.com/office/drawing/2010/main" xmlns="" w="9525">
+                <a14:hiddenLine xmlns="" xmlns:a14="http://schemas.microsoft.com/office/drawing/2010/main" w="9525">
                   <a:solidFill>
                     <a:srgbClr val="000000"/>
                   </a:solidFill>
@@ -3782,7 +3836,7 @@
             </a:ln>
             <a:extLst>
               <a:ext uri="{91240B29-F687-4f45-9708-019B960494DF}">
-                <a14:hiddenLine xmlns:a14="http://schemas.microsoft.com/office/drawing/2010/main" xmlns="" w="9525">
+                <a14:hiddenLine xmlns="" xmlns:a14="http://schemas.microsoft.com/office/drawing/2010/main" w="9525">
                   <a:solidFill>
                     <a:srgbClr val="000000"/>
                   </a:solidFill>
@@ -3872,7 +3926,7 @@
             </a:ln>
             <a:extLst>
               <a:ext uri="{91240B29-F687-4f45-9708-019B960494DF}">
-                <a14:hiddenLine xmlns:a14="http://schemas.microsoft.com/office/drawing/2010/main" xmlns="" w="9525">
+                <a14:hiddenLine xmlns="" xmlns:a14="http://schemas.microsoft.com/office/drawing/2010/main" w="9525">
                   <a:solidFill>
                     <a:srgbClr val="000000"/>
                   </a:solidFill>
@@ -3934,7 +3988,7 @@
             </a:ln>
             <a:extLst>
               <a:ext uri="{91240B29-F687-4f45-9708-019B960494DF}">
-                <a14:hiddenLine xmlns:a14="http://schemas.microsoft.com/office/drawing/2010/main" xmlns="" w="9525">
+                <a14:hiddenLine xmlns="" xmlns:a14="http://schemas.microsoft.com/office/drawing/2010/main" w="9525">
                   <a:solidFill>
                     <a:srgbClr val="000000"/>
                   </a:solidFill>
@@ -3996,7 +4050,7 @@
             </a:ln>
             <a:extLst>
               <a:ext uri="{91240B29-F687-4f45-9708-019B960494DF}">
-                <a14:hiddenLine xmlns:a14="http://schemas.microsoft.com/office/drawing/2010/main" xmlns="" w="9525">
+                <a14:hiddenLine xmlns="" xmlns:a14="http://schemas.microsoft.com/office/drawing/2010/main" w="9525">
                   <a:solidFill>
                     <a:srgbClr val="000000"/>
                   </a:solidFill>
@@ -4086,7 +4140,7 @@
             </a:ln>
             <a:extLst>
               <a:ext uri="{91240B29-F687-4f45-9708-019B960494DF}">
-                <a14:hiddenLine xmlns:a14="http://schemas.microsoft.com/office/drawing/2010/main" xmlns="" w="9525">
+                <a14:hiddenLine xmlns="" xmlns:a14="http://schemas.microsoft.com/office/drawing/2010/main" w="9525">
                   <a:solidFill>
                     <a:srgbClr val="000000"/>
                   </a:solidFill>
@@ -4148,7 +4202,7 @@
             </a:ln>
             <a:extLst>
               <a:ext uri="{91240B29-F687-4f45-9708-019B960494DF}">
-                <a14:hiddenLine xmlns:a14="http://schemas.microsoft.com/office/drawing/2010/main" xmlns="" w="9525">
+                <a14:hiddenLine xmlns="" xmlns:a14="http://schemas.microsoft.com/office/drawing/2010/main" w="9525">
                   <a:solidFill>
                     <a:srgbClr val="000000"/>
                   </a:solidFill>
@@ -4210,7 +4264,7 @@
             </a:ln>
             <a:extLst>
               <a:ext uri="{91240B29-F687-4f45-9708-019B960494DF}">
-                <a14:hiddenLine xmlns:a14="http://schemas.microsoft.com/office/drawing/2010/main" xmlns="" w="9525">
+                <a14:hiddenLine xmlns="" xmlns:a14="http://schemas.microsoft.com/office/drawing/2010/main" w="9525">
                   <a:solidFill>
                     <a:srgbClr val="000000"/>
                   </a:solidFill>
@@ -4300,7 +4354,7 @@
             </a:ln>
             <a:extLst>
               <a:ext uri="{91240B29-F687-4f45-9708-019B960494DF}">
-                <a14:hiddenLine xmlns:a14="http://schemas.microsoft.com/office/drawing/2010/main" xmlns="" w="9525">
+                <a14:hiddenLine xmlns="" xmlns:a14="http://schemas.microsoft.com/office/drawing/2010/main" w="9525">
                   <a:solidFill>
                     <a:srgbClr val="000000"/>
                   </a:solidFill>
@@ -4390,7 +4444,7 @@
             </a:ln>
             <a:extLst>
               <a:ext uri="{91240B29-F687-4f45-9708-019B960494DF}">
-                <a14:hiddenLine xmlns:a14="http://schemas.microsoft.com/office/drawing/2010/main" xmlns="" w="9525">
+                <a14:hiddenLine xmlns="" xmlns:a14="http://schemas.microsoft.com/office/drawing/2010/main" w="9525">
                   <a:solidFill>
                     <a:srgbClr val="000000"/>
                   </a:solidFill>
@@ -4452,7 +4506,7 @@
             </a:ln>
             <a:extLst>
               <a:ext uri="{91240B29-F687-4f45-9708-019B960494DF}">
-                <a14:hiddenLine xmlns:a14="http://schemas.microsoft.com/office/drawing/2010/main" xmlns="" w="9525">
+                <a14:hiddenLine xmlns="" xmlns:a14="http://schemas.microsoft.com/office/drawing/2010/main" w="9525">
                   <a:solidFill>
                     <a:srgbClr val="000000"/>
                   </a:solidFill>
@@ -4562,7 +4616,7 @@
             </a:ln>
             <a:extLst>
               <a:ext uri="{91240B29-F687-4f45-9708-019B960494DF}">
-                <a14:hiddenLine xmlns:a14="http://schemas.microsoft.com/office/drawing/2010/main" xmlns="" w="9525">
+                <a14:hiddenLine xmlns="" xmlns:a14="http://schemas.microsoft.com/office/drawing/2010/main" w="9525">
                   <a:solidFill>
                     <a:srgbClr val="000000"/>
                   </a:solidFill>
@@ -4624,7 +4678,7 @@
             </a:ln>
             <a:extLst>
               <a:ext uri="{91240B29-F687-4f45-9708-019B960494DF}">
-                <a14:hiddenLine xmlns:a14="http://schemas.microsoft.com/office/drawing/2010/main" xmlns="" w="9525">
+                <a14:hiddenLine xmlns="" xmlns:a14="http://schemas.microsoft.com/office/drawing/2010/main" w="9525">
                   <a:solidFill>
                     <a:srgbClr val="000000"/>
                   </a:solidFill>
@@ -4714,7 +4768,7 @@
             </a:ln>
             <a:extLst>
               <a:ext uri="{91240B29-F687-4f45-9708-019B960494DF}">
-                <a14:hiddenLine xmlns:a14="http://schemas.microsoft.com/office/drawing/2010/main" xmlns="" w="9525">
+                <a14:hiddenLine xmlns="" xmlns:a14="http://schemas.microsoft.com/office/drawing/2010/main" w="9525">
                   <a:solidFill>
                     <a:srgbClr val="000000"/>
                   </a:solidFill>
@@ -4804,7 +4858,7 @@
             </a:ln>
             <a:extLst>
               <a:ext uri="{91240B29-F687-4f45-9708-019B960494DF}">
-                <a14:hiddenLine xmlns:a14="http://schemas.microsoft.com/office/drawing/2010/main" xmlns="" w="9525">
+                <a14:hiddenLine xmlns="" xmlns:a14="http://schemas.microsoft.com/office/drawing/2010/main" w="9525">
                   <a:solidFill>
                     <a:srgbClr val="000000"/>
                   </a:solidFill>
@@ -4866,7 +4920,7 @@
             </a:ln>
             <a:extLst>
               <a:ext uri="{91240B29-F687-4f45-9708-019B960494DF}">
-                <a14:hiddenLine xmlns:a14="http://schemas.microsoft.com/office/drawing/2010/main" xmlns="" w="9525">
+                <a14:hiddenLine xmlns="" xmlns:a14="http://schemas.microsoft.com/office/drawing/2010/main" w="9525">
                   <a:solidFill>
                     <a:srgbClr val="000000"/>
                   </a:solidFill>
@@ -4956,7 +5010,7 @@
             </a:ln>
             <a:extLst>
               <a:ext uri="{91240B29-F687-4f45-9708-019B960494DF}">
-                <a14:hiddenLine xmlns:a14="http://schemas.microsoft.com/office/drawing/2010/main" xmlns="" w="9525">
+                <a14:hiddenLine xmlns="" xmlns:a14="http://schemas.microsoft.com/office/drawing/2010/main" w="9525">
                   <a:solidFill>
                     <a:srgbClr val="000000"/>
                   </a:solidFill>
@@ -5046,7 +5100,7 @@
             </a:ln>
             <a:extLst>
               <a:ext uri="{91240B29-F687-4f45-9708-019B960494DF}">
-                <a14:hiddenLine xmlns:a14="http://schemas.microsoft.com/office/drawing/2010/main" xmlns="" w="9525">
+                <a14:hiddenLine xmlns="" xmlns:a14="http://schemas.microsoft.com/office/drawing/2010/main" w="9525">
                   <a:solidFill>
                     <a:srgbClr val="000000"/>
                   </a:solidFill>
@@ -5102,7 +5156,7 @@
             </a:ln>
             <a:extLst>
               <a:ext uri="{91240B29-F687-4f45-9708-019B960494DF}">
-                <a14:hiddenLine xmlns:a14="http://schemas.microsoft.com/office/drawing/2010/main" xmlns="" w="9525">
+                <a14:hiddenLine xmlns="" xmlns:a14="http://schemas.microsoft.com/office/drawing/2010/main" w="9525">
                   <a:solidFill>
                     <a:srgbClr val="000000"/>
                   </a:solidFill>
@@ -5192,7 +5246,7 @@
             </a:ln>
             <a:extLst>
               <a:ext uri="{91240B29-F687-4f45-9708-019B960494DF}">
-                <a14:hiddenLine xmlns:a14="http://schemas.microsoft.com/office/drawing/2010/main" xmlns="" w="9525">
+                <a14:hiddenLine xmlns="" xmlns:a14="http://schemas.microsoft.com/office/drawing/2010/main" w="9525">
                   <a:solidFill>
                     <a:srgbClr val="000000"/>
                   </a:solidFill>
@@ -5248,7 +5302,7 @@
             </a:ln>
             <a:extLst>
               <a:ext uri="{91240B29-F687-4f45-9708-019B960494DF}">
-                <a14:hiddenLine xmlns:a14="http://schemas.microsoft.com/office/drawing/2010/main" xmlns="" w="9525">
+                <a14:hiddenLine xmlns="" xmlns:a14="http://schemas.microsoft.com/office/drawing/2010/main" w="9525">
                   <a:solidFill>
                     <a:srgbClr val="000000"/>
                   </a:solidFill>
@@ -5338,7 +5392,7 @@
             </a:ln>
             <a:extLst>
               <a:ext uri="{91240B29-F687-4f45-9708-019B960494DF}">
-                <a14:hiddenLine xmlns:a14="http://schemas.microsoft.com/office/drawing/2010/main" xmlns="" w="9525">
+                <a14:hiddenLine xmlns="" xmlns:a14="http://schemas.microsoft.com/office/drawing/2010/main" w="9525">
                   <a:solidFill>
                     <a:srgbClr val="000000"/>
                   </a:solidFill>
@@ -5406,7 +5460,7 @@
             </a:ln>
             <a:extLst>
               <a:ext uri="{91240B29-F687-4f45-9708-019B960494DF}">
-                <a14:hiddenLine xmlns:a14="http://schemas.microsoft.com/office/drawing/2010/main" xmlns="" w="9525">
+                <a14:hiddenLine xmlns="" xmlns:a14="http://schemas.microsoft.com/office/drawing/2010/main" w="9525">
                   <a:solidFill>
                     <a:srgbClr val="000000"/>
                   </a:solidFill>
@@ -5496,7 +5550,7 @@
             </a:ln>
             <a:extLst>
               <a:ext uri="{91240B29-F687-4f45-9708-019B960494DF}">
-                <a14:hiddenLine xmlns:a14="http://schemas.microsoft.com/office/drawing/2010/main" xmlns="" w="9525">
+                <a14:hiddenLine xmlns="" xmlns:a14="http://schemas.microsoft.com/office/drawing/2010/main" w="9525">
                   <a:solidFill>
                     <a:srgbClr val="000000"/>
                   </a:solidFill>
@@ -5564,7 +5618,7 @@
             </a:ln>
             <a:extLst>
               <a:ext uri="{91240B29-F687-4f45-9708-019B960494DF}">
-                <a14:hiddenLine xmlns:a14="http://schemas.microsoft.com/office/drawing/2010/main" xmlns="" w="9525">
+                <a14:hiddenLine xmlns="" xmlns:a14="http://schemas.microsoft.com/office/drawing/2010/main" w="9525">
                   <a:solidFill>
                     <a:srgbClr val="000000"/>
                   </a:solidFill>
@@ -5654,7 +5708,7 @@
             </a:ln>
             <a:extLst>
               <a:ext uri="{91240B29-F687-4f45-9708-019B960494DF}">
-                <a14:hiddenLine xmlns:a14="http://schemas.microsoft.com/office/drawing/2010/main" xmlns="" w="9525">
+                <a14:hiddenLine xmlns="" xmlns:a14="http://schemas.microsoft.com/office/drawing/2010/main" w="9525">
                   <a:solidFill>
                     <a:srgbClr val="000000"/>
                   </a:solidFill>
@@ -5688,7 +5742,7 @@
             </a:ln>
             <a:extLst>
               <a:ext uri="{91240B29-F687-4f45-9708-019B960494DF}">
-                <a14:hiddenLine xmlns:a14="http://schemas.microsoft.com/office/drawing/2010/main" xmlns="" w="9525">
+                <a14:hiddenLine xmlns="" xmlns:a14="http://schemas.microsoft.com/office/drawing/2010/main" w="9525">
                   <a:solidFill>
                     <a:srgbClr val="000000"/>
                   </a:solidFill>
@@ -5778,7 +5832,7 @@
             </a:ln>
             <a:extLst>
               <a:ext uri="{91240B29-F687-4f45-9708-019B960494DF}">
-                <a14:hiddenLine xmlns:a14="http://schemas.microsoft.com/office/drawing/2010/main" xmlns="" w="9525">
+                <a14:hiddenLine xmlns="" xmlns:a14="http://schemas.microsoft.com/office/drawing/2010/main" w="9525">
                   <a:solidFill>
                     <a:srgbClr val="000000"/>
                   </a:solidFill>
@@ -5840,7 +5894,7 @@
             </a:ln>
             <a:extLst>
               <a:ext uri="{91240B29-F687-4f45-9708-019B960494DF}">
-                <a14:hiddenLine xmlns:a14="http://schemas.microsoft.com/office/drawing/2010/main" xmlns="" w="9525">
+                <a14:hiddenLine xmlns="" xmlns:a14="http://schemas.microsoft.com/office/drawing/2010/main" w="9525">
                   <a:solidFill>
                     <a:srgbClr val="000000"/>
                   </a:solidFill>
@@ -5902,7 +5956,7 @@
             </a:ln>
             <a:extLst>
               <a:ext uri="{91240B29-F687-4f45-9708-019B960494DF}">
-                <a14:hiddenLine xmlns:a14="http://schemas.microsoft.com/office/drawing/2010/main" xmlns="" w="9525">
+                <a14:hiddenLine xmlns="" xmlns:a14="http://schemas.microsoft.com/office/drawing/2010/main" w="9525">
                   <a:solidFill>
                     <a:srgbClr val="000000"/>
                   </a:solidFill>
@@ -5992,7 +6046,7 @@
             </a:ln>
             <a:extLst>
               <a:ext uri="{91240B29-F687-4f45-9708-019B960494DF}">
-                <a14:hiddenLine xmlns:a14="http://schemas.microsoft.com/office/drawing/2010/main" xmlns="" w="9525">
+                <a14:hiddenLine xmlns="" xmlns:a14="http://schemas.microsoft.com/office/drawing/2010/main" w="9525">
                   <a:solidFill>
                     <a:srgbClr val="000000"/>
                   </a:solidFill>
@@ -6060,7 +6114,7 @@
             </a:ln>
             <a:extLst>
               <a:ext uri="{91240B29-F687-4f45-9708-019B960494DF}">
-                <a14:hiddenLine xmlns:a14="http://schemas.microsoft.com/office/drawing/2010/main" xmlns="" w="9525">
+                <a14:hiddenLine xmlns="" xmlns:a14="http://schemas.microsoft.com/office/drawing/2010/main" w="9525">
                   <a:solidFill>
                     <a:srgbClr val="000000"/>
                   </a:solidFill>
@@ -6122,7 +6176,7 @@
             </a:ln>
             <a:extLst>
               <a:ext uri="{91240B29-F687-4f45-9708-019B960494DF}">
-                <a14:hiddenLine xmlns:a14="http://schemas.microsoft.com/office/drawing/2010/main" xmlns="" w="9525">
+                <a14:hiddenLine xmlns="" xmlns:a14="http://schemas.microsoft.com/office/drawing/2010/main" w="9525">
                   <a:solidFill>
                     <a:srgbClr val="000000"/>
                   </a:solidFill>
@@ -6212,7 +6266,7 @@
             </a:ln>
             <a:extLst>
               <a:ext uri="{91240B29-F687-4f45-9708-019B960494DF}">
-                <a14:hiddenLine xmlns:a14="http://schemas.microsoft.com/office/drawing/2010/main" xmlns="" w="9525">
+                <a14:hiddenLine xmlns="" xmlns:a14="http://schemas.microsoft.com/office/drawing/2010/main" w="9525">
                   <a:solidFill>
                     <a:srgbClr val="000000"/>
                   </a:solidFill>
@@ -6274,7 +6328,7 @@
             </a:ln>
             <a:extLst>
               <a:ext uri="{91240B29-F687-4f45-9708-019B960494DF}">
-                <a14:hiddenLine xmlns:a14="http://schemas.microsoft.com/office/drawing/2010/main" xmlns="" w="9525">
+                <a14:hiddenLine xmlns="" xmlns:a14="http://schemas.microsoft.com/office/drawing/2010/main" w="9525">
                   <a:solidFill>
                     <a:srgbClr val="000000"/>
                   </a:solidFill>
@@ -6364,7 +6418,7 @@
             </a:ln>
             <a:extLst>
               <a:ext uri="{91240B29-F687-4f45-9708-019B960494DF}">
-                <a14:hiddenLine xmlns:a14="http://schemas.microsoft.com/office/drawing/2010/main" xmlns="" w="9525">
+                <a14:hiddenLine xmlns="" xmlns:a14="http://schemas.microsoft.com/office/drawing/2010/main" w="9525">
                   <a:solidFill>
                     <a:srgbClr val="000000"/>
                   </a:solidFill>
@@ -6426,7 +6480,7 @@
             </a:ln>
             <a:extLst>
               <a:ext uri="{91240B29-F687-4f45-9708-019B960494DF}">
-                <a14:hiddenLine xmlns:a14="http://schemas.microsoft.com/office/drawing/2010/main" xmlns="" w="9525">
+                <a14:hiddenLine xmlns="" xmlns:a14="http://schemas.microsoft.com/office/drawing/2010/main" w="9525">
                   <a:solidFill>
                     <a:srgbClr val="000000"/>
                   </a:solidFill>
@@ -6516,7 +6570,7 @@
             </a:ln>
             <a:extLst>
               <a:ext uri="{91240B29-F687-4f45-9708-019B960494DF}">
-                <a14:hiddenLine xmlns:a14="http://schemas.microsoft.com/office/drawing/2010/main" xmlns="" w="9525">
+                <a14:hiddenLine xmlns="" xmlns:a14="http://schemas.microsoft.com/office/drawing/2010/main" w="9525">
                   <a:solidFill>
                     <a:srgbClr val="000000"/>
                   </a:solidFill>
@@ -6550,7 +6604,7 @@
             </a:ln>
             <a:extLst>
               <a:ext uri="{91240B29-F687-4f45-9708-019B960494DF}">
-                <a14:hiddenLine xmlns:a14="http://schemas.microsoft.com/office/drawing/2010/main" xmlns="" w="9525">
+                <a14:hiddenLine xmlns="" xmlns:a14="http://schemas.microsoft.com/office/drawing/2010/main" w="9525">
                   <a:solidFill>
                     <a:srgbClr val="000000"/>
                   </a:solidFill>
@@ -6615,7 +6669,7 @@
             </a:ln>
             <a:extLst>
               <a:ext uri="{91240B29-F687-4f45-9708-019B960494DF}">
-                <a14:hiddenLine xmlns:a14="http://schemas.microsoft.com/office/drawing/2010/main" xmlns="" w="9525">
+                <a14:hiddenLine xmlns="" xmlns:a14="http://schemas.microsoft.com/office/drawing/2010/main" w="9525">
                   <a:solidFill>
                     <a:srgbClr val="000000"/>
                   </a:solidFill>
@@ -6705,7 +6759,7 @@
             </a:ln>
             <a:extLst>
               <a:ext uri="{91240B29-F687-4f45-9708-019B960494DF}">
-                <a14:hiddenLine xmlns:a14="http://schemas.microsoft.com/office/drawing/2010/main" xmlns="" w="9525">
+                <a14:hiddenLine xmlns="" xmlns:a14="http://schemas.microsoft.com/office/drawing/2010/main" w="9525">
                   <a:solidFill>
                     <a:srgbClr val="000000"/>
                   </a:solidFill>
@@ -6767,7 +6821,7 @@
             </a:ln>
             <a:extLst>
               <a:ext uri="{91240B29-F687-4f45-9708-019B960494DF}">
-                <a14:hiddenLine xmlns:a14="http://schemas.microsoft.com/office/drawing/2010/main" xmlns="" w="9525">
+                <a14:hiddenLine xmlns="" xmlns:a14="http://schemas.microsoft.com/office/drawing/2010/main" w="9525">
                   <a:solidFill>
                     <a:srgbClr val="000000"/>
                   </a:solidFill>
@@ -6857,7 +6911,7 @@
             </a:ln>
             <a:extLst>
               <a:ext uri="{91240B29-F687-4f45-9708-019B960494DF}">
-                <a14:hiddenLine xmlns:a14="http://schemas.microsoft.com/office/drawing/2010/main" xmlns="" w="9525">
+                <a14:hiddenLine xmlns="" xmlns:a14="http://schemas.microsoft.com/office/drawing/2010/main" w="9525">
                   <a:solidFill>
                     <a:srgbClr val="000000"/>
                   </a:solidFill>
@@ -6947,7 +7001,7 @@
             </a:ln>
             <a:extLst>
               <a:ext uri="{91240B29-F687-4f45-9708-019B960494DF}">
-                <a14:hiddenLine xmlns:a14="http://schemas.microsoft.com/office/drawing/2010/main" xmlns="" w="9525">
+                <a14:hiddenLine xmlns="" xmlns:a14="http://schemas.microsoft.com/office/drawing/2010/main" w="9525">
                   <a:solidFill>
                     <a:srgbClr val="000000"/>
                   </a:solidFill>
@@ -7012,7 +7066,7 @@
             </a:ln>
             <a:extLst>
               <a:ext uri="{91240B29-F687-4f45-9708-019B960494DF}">
-                <a14:hiddenLine xmlns:a14="http://schemas.microsoft.com/office/drawing/2010/main" xmlns="" w="9525">
+                <a14:hiddenLine xmlns="" xmlns:a14="http://schemas.microsoft.com/office/drawing/2010/main" w="9525">
                   <a:solidFill>
                     <a:srgbClr val="000000"/>
                   </a:solidFill>
@@ -7074,7 +7128,7 @@
             </a:ln>
             <a:extLst>
               <a:ext uri="{91240B29-F687-4f45-9708-019B960494DF}">
-                <a14:hiddenLine xmlns:a14="http://schemas.microsoft.com/office/drawing/2010/main" xmlns="" w="9525">
+                <a14:hiddenLine xmlns="" xmlns:a14="http://schemas.microsoft.com/office/drawing/2010/main" w="9525">
                   <a:solidFill>
                     <a:srgbClr val="000000"/>
                   </a:solidFill>
@@ -7164,7 +7218,7 @@
             </a:ln>
             <a:extLst>
               <a:ext uri="{91240B29-F687-4f45-9708-019B960494DF}">
-                <a14:hiddenLine xmlns:a14="http://schemas.microsoft.com/office/drawing/2010/main" xmlns="" w="9525">
+                <a14:hiddenLine xmlns="" xmlns:a14="http://schemas.microsoft.com/office/drawing/2010/main" w="9525">
                   <a:solidFill>
                     <a:srgbClr val="000000"/>
                   </a:solidFill>
@@ -7254,7 +7308,7 @@
             </a:ln>
             <a:extLst>
               <a:ext uri="{91240B29-F687-4f45-9708-019B960494DF}">
-                <a14:hiddenLine xmlns:a14="http://schemas.microsoft.com/office/drawing/2010/main" xmlns="" w="9525">
+                <a14:hiddenLine xmlns="" xmlns:a14="http://schemas.microsoft.com/office/drawing/2010/main" w="9525">
                   <a:solidFill>
                     <a:srgbClr val="000000"/>
                   </a:solidFill>
@@ -7316,7 +7370,7 @@
             </a:ln>
             <a:extLst>
               <a:ext uri="{91240B29-F687-4f45-9708-019B960494DF}">
-                <a14:hiddenLine xmlns:a14="http://schemas.microsoft.com/office/drawing/2010/main" xmlns="" w="9525">
+                <a14:hiddenLine xmlns="" xmlns:a14="http://schemas.microsoft.com/office/drawing/2010/main" w="9525">
                   <a:solidFill>
                     <a:srgbClr val="000000"/>
                   </a:solidFill>
@@ -7436,7 +7490,7 @@
             </a:ln>
             <a:extLst>
               <a:ext uri="{91240B29-F687-4f45-9708-019B960494DF}">
-                <a14:hiddenLine xmlns:a14="http://schemas.microsoft.com/office/drawing/2010/main" xmlns="" w="9525">
+                <a14:hiddenLine xmlns="" xmlns:a14="http://schemas.microsoft.com/office/drawing/2010/main" w="9525">
                   <a:solidFill>
                     <a:srgbClr val="000000"/>
                   </a:solidFill>
@@ -7504,7 +7558,7 @@
             </a:ln>
             <a:extLst>
               <a:ext uri="{91240B29-F687-4f45-9708-019B960494DF}">
-                <a14:hiddenLine xmlns:a14="http://schemas.microsoft.com/office/drawing/2010/main" xmlns="" w="9525">
+                <a14:hiddenLine xmlns="" xmlns:a14="http://schemas.microsoft.com/office/drawing/2010/main" w="9525">
                   <a:solidFill>
                     <a:srgbClr val="000000"/>
                   </a:solidFill>
@@ -7594,7 +7648,7 @@
             </a:ln>
             <a:extLst>
               <a:ext uri="{91240B29-F687-4f45-9708-019B960494DF}">
-                <a14:hiddenLine xmlns:a14="http://schemas.microsoft.com/office/drawing/2010/main" xmlns="" w="9525">
+                <a14:hiddenLine xmlns="" xmlns:a14="http://schemas.microsoft.com/office/drawing/2010/main" w="9525">
                   <a:solidFill>
                     <a:srgbClr val="000000"/>
                   </a:solidFill>
@@ -12408,7 +12462,7 @@
           <a:noFill/>
           <a:extLst>
             <a:ext uri="{909E8E84-426E-40dd-AFC4-6F175D3DCCD1}">
-              <a14:hiddenFill xmlns:a14="http://schemas.microsoft.com/office/drawing/2010/main" xmlns="">
+              <a14:hiddenFill xmlns="" xmlns:a14="http://schemas.microsoft.com/office/drawing/2010/main">
                 <a:solidFill>
                   <a:srgbClr val="FFFFFF"/>
                 </a:solidFill>
@@ -12482,7 +12536,7 @@
               </a:ln>
               <a:extLst>
                 <a:ext uri="{91240B29-F687-4f45-9708-019B960494DF}">
-                  <a14:hiddenLine xmlns:a14="http://schemas.microsoft.com/office/drawing/2010/main" xmlns="" w="9525">
+                  <a14:hiddenLine xmlns="" xmlns:a14="http://schemas.microsoft.com/office/drawing/2010/main" w="9525">
                     <a:solidFill>
                       <a:srgbClr val="000000"/>
                     </a:solidFill>
@@ -12572,7 +12626,7 @@
               </a:ln>
               <a:extLst>
                 <a:ext uri="{91240B29-F687-4f45-9708-019B960494DF}">
-                  <a14:hiddenLine xmlns:a14="http://schemas.microsoft.com/office/drawing/2010/main" xmlns="" w="9525">
+                  <a14:hiddenLine xmlns="" xmlns:a14="http://schemas.microsoft.com/office/drawing/2010/main" w="9525">
                     <a:solidFill>
                       <a:srgbClr val="000000"/>
                     </a:solidFill>
@@ -12662,7 +12716,7 @@
               </a:ln>
               <a:extLst>
                 <a:ext uri="{91240B29-F687-4f45-9708-019B960494DF}">
-                  <a14:hiddenLine xmlns:a14="http://schemas.microsoft.com/office/drawing/2010/main" xmlns="" w="9525">
+                  <a14:hiddenLine xmlns="" xmlns:a14="http://schemas.microsoft.com/office/drawing/2010/main" w="9525">
                     <a:solidFill>
                       <a:srgbClr val="000000"/>
                     </a:solidFill>
@@ -12724,7 +12778,7 @@
               </a:ln>
               <a:extLst>
                 <a:ext uri="{91240B29-F687-4f45-9708-019B960494DF}">
-                  <a14:hiddenLine xmlns:a14="http://schemas.microsoft.com/office/drawing/2010/main" xmlns="" w="9525">
+                  <a14:hiddenLine xmlns="" xmlns:a14="http://schemas.microsoft.com/office/drawing/2010/main" w="9525">
                     <a:solidFill>
                       <a:srgbClr val="000000"/>
                     </a:solidFill>
@@ -12814,7 +12868,7 @@
               </a:ln>
               <a:extLst>
                 <a:ext uri="{91240B29-F687-4f45-9708-019B960494DF}">
-                  <a14:hiddenLine xmlns:a14="http://schemas.microsoft.com/office/drawing/2010/main" xmlns="" w="9525">
+                  <a14:hiddenLine xmlns="" xmlns:a14="http://schemas.microsoft.com/office/drawing/2010/main" w="9525">
                     <a:solidFill>
                       <a:srgbClr val="000000"/>
                     </a:solidFill>
@@ -12876,7 +12930,7 @@
               </a:ln>
               <a:extLst>
                 <a:ext uri="{91240B29-F687-4f45-9708-019B960494DF}">
-                  <a14:hiddenLine xmlns:a14="http://schemas.microsoft.com/office/drawing/2010/main" xmlns="" w="9525">
+                  <a14:hiddenLine xmlns="" xmlns:a14="http://schemas.microsoft.com/office/drawing/2010/main" w="9525">
                     <a:solidFill>
                       <a:srgbClr val="000000"/>
                     </a:solidFill>
@@ -12938,7 +12992,7 @@
               </a:ln>
               <a:extLst>
                 <a:ext uri="{91240B29-F687-4f45-9708-019B960494DF}">
-                  <a14:hiddenLine xmlns:a14="http://schemas.microsoft.com/office/drawing/2010/main" xmlns="" w="9525">
+                  <a14:hiddenLine xmlns="" xmlns:a14="http://schemas.microsoft.com/office/drawing/2010/main" w="9525">
                     <a:solidFill>
                       <a:srgbClr val="000000"/>
                     </a:solidFill>
@@ -13028,7 +13082,7 @@
               </a:ln>
               <a:extLst>
                 <a:ext uri="{91240B29-F687-4f45-9708-019B960494DF}">
-                  <a14:hiddenLine xmlns:a14="http://schemas.microsoft.com/office/drawing/2010/main" xmlns="" w="9525">
+                  <a14:hiddenLine xmlns="" xmlns:a14="http://schemas.microsoft.com/office/drawing/2010/main" w="9525">
                     <a:solidFill>
                       <a:srgbClr val="000000"/>
                     </a:solidFill>
@@ -13118,7 +13172,7 @@
               </a:ln>
               <a:extLst>
                 <a:ext uri="{91240B29-F687-4f45-9708-019B960494DF}">
-                  <a14:hiddenLine xmlns:a14="http://schemas.microsoft.com/office/drawing/2010/main" xmlns="" w="9525">
+                  <a14:hiddenLine xmlns="" xmlns:a14="http://schemas.microsoft.com/office/drawing/2010/main" w="9525">
                     <a:solidFill>
                       <a:srgbClr val="000000"/>
                     </a:solidFill>
@@ -13180,7 +13234,7 @@
               </a:ln>
               <a:extLst>
                 <a:ext uri="{91240B29-F687-4f45-9708-019B960494DF}">
-                  <a14:hiddenLine xmlns:a14="http://schemas.microsoft.com/office/drawing/2010/main" xmlns="" w="9525">
+                  <a14:hiddenLine xmlns="" xmlns:a14="http://schemas.microsoft.com/office/drawing/2010/main" w="9525">
                     <a:solidFill>
                       <a:srgbClr val="000000"/>
                     </a:solidFill>
@@ -13290,7 +13344,7 @@
               </a:ln>
               <a:extLst>
                 <a:ext uri="{91240B29-F687-4f45-9708-019B960494DF}">
-                  <a14:hiddenLine xmlns:a14="http://schemas.microsoft.com/office/drawing/2010/main" xmlns="" w="9525">
+                  <a14:hiddenLine xmlns="" xmlns:a14="http://schemas.microsoft.com/office/drawing/2010/main" w="9525">
                     <a:solidFill>
                       <a:srgbClr val="000000"/>
                     </a:solidFill>
@@ -13374,7 +13428,7 @@
               </a:ln>
               <a:extLst>
                 <a:ext uri="{91240B29-F687-4f45-9708-019B960494DF}">
-                  <a14:hiddenLine xmlns:a14="http://schemas.microsoft.com/office/drawing/2010/main" xmlns="" w="9525">
+                  <a14:hiddenLine xmlns="" xmlns:a14="http://schemas.microsoft.com/office/drawing/2010/main" w="9525">
                     <a:solidFill>
                       <a:srgbClr val="000000"/>
                     </a:solidFill>
@@ -13436,7 +13490,7 @@
               </a:ln>
               <a:extLst>
                 <a:ext uri="{91240B29-F687-4f45-9708-019B960494DF}">
-                  <a14:hiddenLine xmlns:a14="http://schemas.microsoft.com/office/drawing/2010/main" xmlns="" w="9525">
+                  <a14:hiddenLine xmlns="" xmlns:a14="http://schemas.microsoft.com/office/drawing/2010/main" w="9525">
                     <a:solidFill>
                       <a:srgbClr val="000000"/>
                     </a:solidFill>
@@ -13498,7 +13552,7 @@
               </a:ln>
               <a:extLst>
                 <a:ext uri="{91240B29-F687-4f45-9708-019B960494DF}">
-                  <a14:hiddenLine xmlns:a14="http://schemas.microsoft.com/office/drawing/2010/main" xmlns="" w="9525">
+                  <a14:hiddenLine xmlns="" xmlns:a14="http://schemas.microsoft.com/office/drawing/2010/main" w="9525">
                     <a:solidFill>
                       <a:srgbClr val="000000"/>
                     </a:solidFill>
@@ -13588,7 +13642,7 @@
               </a:ln>
               <a:extLst>
                 <a:ext uri="{91240B29-F687-4f45-9708-019B960494DF}">
-                  <a14:hiddenLine xmlns:a14="http://schemas.microsoft.com/office/drawing/2010/main" xmlns="" w="9525">
+                  <a14:hiddenLine xmlns="" xmlns:a14="http://schemas.microsoft.com/office/drawing/2010/main" w="9525">
                     <a:solidFill>
                       <a:srgbClr val="000000"/>
                     </a:solidFill>
@@ -13622,7 +13676,7 @@
               </a:ln>
               <a:extLst>
                 <a:ext uri="{91240B29-F687-4f45-9708-019B960494DF}">
-                  <a14:hiddenLine xmlns:a14="http://schemas.microsoft.com/office/drawing/2010/main" xmlns="" w="9525">
+                  <a14:hiddenLine xmlns="" xmlns:a14="http://schemas.microsoft.com/office/drawing/2010/main" w="9525">
                     <a:solidFill>
                       <a:srgbClr val="000000"/>
                     </a:solidFill>
@@ -13687,7 +13741,7 @@
               </a:ln>
               <a:extLst>
                 <a:ext uri="{91240B29-F687-4f45-9708-019B960494DF}">
-                  <a14:hiddenLine xmlns:a14="http://schemas.microsoft.com/office/drawing/2010/main" xmlns="" w="9525">
+                  <a14:hiddenLine xmlns="" xmlns:a14="http://schemas.microsoft.com/office/drawing/2010/main" w="9525">
                     <a:solidFill>
                       <a:srgbClr val="000000"/>
                     </a:solidFill>
@@ -13777,7 +13831,7 @@
               </a:ln>
               <a:extLst>
                 <a:ext uri="{91240B29-F687-4f45-9708-019B960494DF}">
-                  <a14:hiddenLine xmlns:a14="http://schemas.microsoft.com/office/drawing/2010/main" xmlns="" w="9525">
+                  <a14:hiddenLine xmlns="" xmlns:a14="http://schemas.microsoft.com/office/drawing/2010/main" w="9525">
                     <a:solidFill>
                       <a:srgbClr val="000000"/>
                     </a:solidFill>
@@ -13839,7 +13893,7 @@
               </a:ln>
               <a:extLst>
                 <a:ext uri="{91240B29-F687-4f45-9708-019B960494DF}">
-                  <a14:hiddenLine xmlns:a14="http://schemas.microsoft.com/office/drawing/2010/main" xmlns="" w="9525">
+                  <a14:hiddenLine xmlns="" xmlns:a14="http://schemas.microsoft.com/office/drawing/2010/main" w="9525">
                     <a:solidFill>
                       <a:srgbClr val="000000"/>
                     </a:solidFill>
@@ -13929,7 +13983,7 @@
               </a:ln>
               <a:extLst>
                 <a:ext uri="{91240B29-F687-4f45-9708-019B960494DF}">
-                  <a14:hiddenLine xmlns:a14="http://schemas.microsoft.com/office/drawing/2010/main" xmlns="" w="9525">
+                  <a14:hiddenLine xmlns="" xmlns:a14="http://schemas.microsoft.com/office/drawing/2010/main" w="9525">
                     <a:solidFill>
                       <a:srgbClr val="000000"/>
                     </a:solidFill>
@@ -13994,7 +14048,7 @@
               </a:ln>
               <a:extLst>
                 <a:ext uri="{91240B29-F687-4f45-9708-019B960494DF}">
-                  <a14:hiddenLine xmlns:a14="http://schemas.microsoft.com/office/drawing/2010/main" xmlns="" w="9525">
+                  <a14:hiddenLine xmlns="" xmlns:a14="http://schemas.microsoft.com/office/drawing/2010/main" w="9525">
                     <a:solidFill>
                       <a:srgbClr val="000000"/>
                     </a:solidFill>
@@ -14056,7 +14110,7 @@
               </a:ln>
               <a:extLst>
                 <a:ext uri="{91240B29-F687-4f45-9708-019B960494DF}">
-                  <a14:hiddenLine xmlns:a14="http://schemas.microsoft.com/office/drawing/2010/main" xmlns="" w="9525">
+                  <a14:hiddenLine xmlns="" xmlns:a14="http://schemas.microsoft.com/office/drawing/2010/main" w="9525">
                     <a:solidFill>
                       <a:srgbClr val="000000"/>
                     </a:solidFill>
@@ -14146,7 +14200,7 @@
               </a:ln>
               <a:extLst>
                 <a:ext uri="{91240B29-F687-4f45-9708-019B960494DF}">
-                  <a14:hiddenLine xmlns:a14="http://schemas.microsoft.com/office/drawing/2010/main" xmlns="" w="9525">
+                  <a14:hiddenLine xmlns="" xmlns:a14="http://schemas.microsoft.com/office/drawing/2010/main" w="9525">
                     <a:solidFill>
                       <a:srgbClr val="000000"/>
                     </a:solidFill>
@@ -14236,7 +14290,7 @@
               </a:ln>
               <a:extLst>
                 <a:ext uri="{91240B29-F687-4f45-9708-019B960494DF}">
-                  <a14:hiddenLine xmlns:a14="http://schemas.microsoft.com/office/drawing/2010/main" xmlns="" w="9525">
+                  <a14:hiddenLine xmlns="" xmlns:a14="http://schemas.microsoft.com/office/drawing/2010/main" w="9525">
                     <a:solidFill>
                       <a:srgbClr val="000000"/>
                     </a:solidFill>
@@ -14301,7 +14355,7 @@
               </a:ln>
               <a:extLst>
                 <a:ext uri="{91240B29-F687-4f45-9708-019B960494DF}">
-                  <a14:hiddenLine xmlns:a14="http://schemas.microsoft.com/office/drawing/2010/main" xmlns="" w="9525">
+                  <a14:hiddenLine xmlns="" xmlns:a14="http://schemas.microsoft.com/office/drawing/2010/main" w="9525">
                     <a:solidFill>
                       <a:srgbClr val="000000"/>
                     </a:solidFill>
@@ -14421,7 +14475,7 @@
               </a:ln>
               <a:extLst>
                 <a:ext uri="{91240B29-F687-4f45-9708-019B960494DF}">
-                  <a14:hiddenLine xmlns:a14="http://schemas.microsoft.com/office/drawing/2010/main" xmlns="" w="9525">
+                  <a14:hiddenLine xmlns="" xmlns:a14="http://schemas.microsoft.com/office/drawing/2010/main" w="9525">
                     <a:solidFill>
                       <a:srgbClr val="000000"/>
                     </a:solidFill>
@@ -14502,7 +14556,7 @@
               </a:ln>
               <a:extLst>
                 <a:ext uri="{91240B29-F687-4f45-9708-019B960494DF}">
-                  <a14:hiddenLine xmlns:a14="http://schemas.microsoft.com/office/drawing/2010/main" xmlns="" w="9525">
+                  <a14:hiddenLine xmlns="" xmlns:a14="http://schemas.microsoft.com/office/drawing/2010/main" w="9525">
                     <a:solidFill>
                       <a:srgbClr val="000000"/>
                     </a:solidFill>
@@ -14617,7 +14671,7 @@
               </a:ln>
               <a:extLst>
                 <a:ext uri="{91240B29-F687-4f45-9708-019B960494DF}">
-                  <a14:hiddenLine xmlns:a14="http://schemas.microsoft.com/office/drawing/2010/main" xmlns="" w="9525">
+                  <a14:hiddenLine xmlns="" xmlns:a14="http://schemas.microsoft.com/office/drawing/2010/main" w="9525">
                     <a:solidFill>
                       <a:srgbClr val="000000"/>
                     </a:solidFill>
@@ -14707,7 +14761,7 @@
               </a:ln>
               <a:extLst>
                 <a:ext uri="{91240B29-F687-4f45-9708-019B960494DF}">
-                  <a14:hiddenLine xmlns:a14="http://schemas.microsoft.com/office/drawing/2010/main" xmlns="" w="9525">
+                  <a14:hiddenLine xmlns="" xmlns:a14="http://schemas.microsoft.com/office/drawing/2010/main" w="9525">
                     <a:solidFill>
                       <a:srgbClr val="000000"/>
                     </a:solidFill>
@@ -14772,7 +14826,7 @@
               </a:ln>
               <a:extLst>
                 <a:ext uri="{91240B29-F687-4f45-9708-019B960494DF}">
-                  <a14:hiddenLine xmlns:a14="http://schemas.microsoft.com/office/drawing/2010/main" xmlns="" w="9525">
+                  <a14:hiddenLine xmlns="" xmlns:a14="http://schemas.microsoft.com/office/drawing/2010/main" w="9525">
                     <a:solidFill>
                       <a:srgbClr val="000000"/>
                     </a:solidFill>
@@ -14862,7 +14916,7 @@
               </a:ln>
               <a:extLst>
                 <a:ext uri="{91240B29-F687-4f45-9708-019B960494DF}">
-                  <a14:hiddenLine xmlns:a14="http://schemas.microsoft.com/office/drawing/2010/main" xmlns="" w="9525">
+                  <a14:hiddenLine xmlns="" xmlns:a14="http://schemas.microsoft.com/office/drawing/2010/main" w="9525">
                     <a:solidFill>
                       <a:srgbClr val="000000"/>
                     </a:solidFill>
@@ -14930,7 +14984,7 @@
               </a:ln>
               <a:extLst>
                 <a:ext uri="{91240B29-F687-4f45-9708-019B960494DF}">
-                  <a14:hiddenLine xmlns:a14="http://schemas.microsoft.com/office/drawing/2010/main" xmlns="" w="9525">
+                  <a14:hiddenLine xmlns="" xmlns:a14="http://schemas.microsoft.com/office/drawing/2010/main" w="9525">
                     <a:solidFill>
                       <a:srgbClr val="000000"/>
                     </a:solidFill>
@@ -15020,7 +15074,7 @@
               </a:ln>
               <a:extLst>
                 <a:ext uri="{91240B29-F687-4f45-9708-019B960494DF}">
-                  <a14:hiddenLine xmlns:a14="http://schemas.microsoft.com/office/drawing/2010/main" xmlns="" w="9525">
+                  <a14:hiddenLine xmlns="" xmlns:a14="http://schemas.microsoft.com/office/drawing/2010/main" w="9525">
                     <a:solidFill>
                       <a:srgbClr val="000000"/>
                     </a:solidFill>
@@ -15088,7 +15142,7 @@
               </a:ln>
               <a:extLst>
                 <a:ext uri="{91240B29-F687-4f45-9708-019B960494DF}">
-                  <a14:hiddenLine xmlns:a14="http://schemas.microsoft.com/office/drawing/2010/main" xmlns="" w="9525">
+                  <a14:hiddenLine xmlns="" xmlns:a14="http://schemas.microsoft.com/office/drawing/2010/main" w="9525">
                     <a:solidFill>
                       <a:srgbClr val="000000"/>
                     </a:solidFill>
@@ -15178,7 +15232,7 @@
               </a:ln>
               <a:extLst>
                 <a:ext uri="{91240B29-F687-4f45-9708-019B960494DF}">
-                  <a14:hiddenLine xmlns:a14="http://schemas.microsoft.com/office/drawing/2010/main" xmlns="" w="9525">
+                  <a14:hiddenLine xmlns="" xmlns:a14="http://schemas.microsoft.com/office/drawing/2010/main" w="9525">
                     <a:solidFill>
                       <a:srgbClr val="000000"/>
                     </a:solidFill>
@@ -15212,7 +15266,7 @@
               </a:ln>
               <a:extLst>
                 <a:ext uri="{91240B29-F687-4f45-9708-019B960494DF}">
-                  <a14:hiddenLine xmlns:a14="http://schemas.microsoft.com/office/drawing/2010/main" xmlns="" w="9525">
+                  <a14:hiddenLine xmlns="" xmlns:a14="http://schemas.microsoft.com/office/drawing/2010/main" w="9525">
                     <a:solidFill>
                       <a:srgbClr val="000000"/>
                     </a:solidFill>
@@ -17710,7 +17764,43 @@
           <a:bodyPr/>
           <a:lstStyle/>
           <a:p>
+            <a:r>
+              <a:rPr lang="de-DE" dirty="0"/>
+              <a:t>Lineares Gleichungssystem beliebiger Komplexität</a:t>
+            </a:r>
+          </a:p>
+          <a:p>
+            <a:pPr lvl="1"/>
+            <a:r>
+              <a:rPr lang="de-DE" dirty="0"/>
+              <a:t>Variablenbelegung muss alle Bedingungen erfüllen</a:t>
+            </a:r>
+          </a:p>
+          <a:p>
+            <a:pPr lvl="1"/>
             <a:endParaRPr lang="de-DE" dirty="0"/>
+          </a:p>
+          <a:p>
+            <a:r>
+              <a:rPr lang="de-DE" dirty="0"/>
+              <a:t>Hohe Anwendbarkeit in Mathematik</a:t>
+            </a:r>
+          </a:p>
+          <a:p>
+            <a:pPr lvl="1"/>
+            <a:r>
+              <a:rPr lang="de-DE" dirty="0"/>
+              <a:t>Vier-Farben-Problem oder Sudoku</a:t>
+            </a:r>
+          </a:p>
+          <a:p>
+            <a:endParaRPr lang="de-DE" dirty="0"/>
+          </a:p>
+          <a:p>
+            <a:r>
+              <a:rPr lang="de-DE" dirty="0"/>
+              <a:t>Anwendbarkeit in der künstlichen Intelligenz</a:t>
+            </a:r>
           </a:p>
         </p:txBody>
       </p:sp>

--- a/src/resources/Hybride systeme_Jörn_seine_Teile.pptx
+++ b/src/resources/Hybride systeme_Jörn_seine_Teile.pptx
@@ -5,7 +5,7 @@
     <p:sldMasterId id="2147483678" r:id="rId1"/>
   </p:sldMasterIdLst>
   <p:notesMasterIdLst>
-    <p:notesMasterId r:id="rId24"/>
+    <p:notesMasterId r:id="rId25"/>
   </p:notesMasterIdLst>
   <p:sldIdLst>
     <p:sldId id="256" r:id="rId2"/>
@@ -30,6 +30,7 @@
     <p:sldId id="273" r:id="rId21"/>
     <p:sldId id="274" r:id="rId22"/>
     <p:sldId id="275" r:id="rId23"/>
+    <p:sldId id="279" r:id="rId24"/>
   </p:sldIdLst>
   <p:sldSz cx="12192000" cy="6858000"/>
   <p:notesSz cx="6858000" cy="9144000"/>
@@ -1209,7 +1210,7 @@
           <a:p>
             <a:fld id="{13F20173-1CEE-4054-BB7C-9C1FDABACEBE}" type="datetimeFigureOut">
               <a:rPr lang="de-DE" smtClean="0"/>
-              <a:t>02.09.2019</a:t>
+              <a:t>04.09.2019</a:t>
             </a:fld>
             <a:endParaRPr lang="de-DE"/>
           </a:p>
@@ -2385,6 +2386,428 @@
 </p:notes>
 </file>
 
+<file path=ppt/notesSlides/notesSlide17.xml><?xml version="1.0" encoding="utf-8"?>
+<p:notes xmlns:a="http://schemas.openxmlformats.org/drawingml/2006/main" xmlns:r="http://schemas.openxmlformats.org/officeDocument/2006/relationships" xmlns:p="http://schemas.openxmlformats.org/presentationml/2006/main">
+  <p:cSld>
+    <p:spTree>
+      <p:nvGrpSpPr>
+        <p:cNvPr id="1" name=""/>
+        <p:cNvGrpSpPr/>
+        <p:nvPr/>
+      </p:nvGrpSpPr>
+      <p:grpSpPr>
+        <a:xfrm>
+          <a:off x="0" y="0"/>
+          <a:ext cx="0" cy="0"/>
+          <a:chOff x="0" y="0"/>
+          <a:chExt cx="0" cy="0"/>
+        </a:xfrm>
+      </p:grpSpPr>
+      <p:sp>
+        <p:nvSpPr>
+          <p:cNvPr id="2" name="Folienbildplatzhalter 1"/>
+          <p:cNvSpPr>
+            <a:spLocks noGrp="1" noRot="1" noChangeAspect="1"/>
+          </p:cNvSpPr>
+          <p:nvPr>
+            <p:ph type="sldImg"/>
+          </p:nvPr>
+        </p:nvSpPr>
+        <p:spPr/>
+      </p:sp>
+      <p:sp>
+        <p:nvSpPr>
+          <p:cNvPr id="3" name="Notizenplatzhalter 2"/>
+          <p:cNvSpPr>
+            <a:spLocks noGrp="1"/>
+          </p:cNvSpPr>
+          <p:nvPr>
+            <p:ph type="body" idx="1"/>
+          </p:nvPr>
+        </p:nvSpPr>
+        <p:spPr/>
+        <p:txBody>
+          <a:bodyPr/>
+          <a:lstStyle/>
+          <a:p>
+            <a:r>
+              <a:rPr lang="de-DE" sz="1200" kern="1200" dirty="0">
+                <a:solidFill>
+                  <a:schemeClr val="tx1"/>
+                </a:solidFill>
+                <a:effectLst/>
+                <a:latin typeface="+mn-lt"/>
+                <a:ea typeface="+mn-ea"/>
+                <a:cs typeface="+mn-cs"/>
+              </a:rPr>
+              <a:t>1. In der Beschreibung des </a:t>
+            </a:r>
+            <a:r>
+              <a:rPr lang="de-DE" sz="1200" kern="1200" dirty="0" err="1">
+                <a:solidFill>
+                  <a:schemeClr val="tx1"/>
+                </a:solidFill>
+                <a:effectLst/>
+                <a:latin typeface="+mn-lt"/>
+                <a:ea typeface="+mn-ea"/>
+                <a:cs typeface="+mn-cs"/>
+              </a:rPr>
+              <a:t>Algorithus</a:t>
+            </a:r>
+            <a:r>
+              <a:rPr lang="de-DE" sz="1200" kern="1200" dirty="0">
+                <a:solidFill>
+                  <a:schemeClr val="tx1"/>
+                </a:solidFill>
+                <a:effectLst/>
+                <a:latin typeface="+mn-lt"/>
+                <a:ea typeface="+mn-ea"/>
+                <a:cs typeface="+mn-cs"/>
+              </a:rPr>
+              <a:t> A stand “wähle eine Variable x”. Die Wahl der Variable war nicht weiter beschrieben, weshalb die Implementation unklar war.</a:t>
+            </a:r>
+          </a:p>
+          <a:p>
+            <a:r>
+              <a:rPr lang="de-DE" sz="1200" kern="1200" dirty="0">
+                <a:solidFill>
+                  <a:schemeClr val="tx1"/>
+                </a:solidFill>
+                <a:effectLst/>
+                <a:latin typeface="+mn-lt"/>
+                <a:ea typeface="+mn-ea"/>
+                <a:cs typeface="+mn-cs"/>
+              </a:rPr>
+              <a:t>Lösung: Es wurde keine Heuristik für die Variablenauswahl genutzt. Es wurde vielmehr eine zufällige Variable ausgewählt (nach der Reihenfolge in der Variablendeklaration).</a:t>
+            </a:r>
+          </a:p>
+          <a:p>
+            <a:r>
+              <a:rPr lang="de-DE" sz="1200" kern="1200" dirty="0">
+                <a:solidFill>
+                  <a:schemeClr val="tx1"/>
+                </a:solidFill>
+                <a:effectLst/>
+                <a:latin typeface="+mn-lt"/>
+                <a:ea typeface="+mn-ea"/>
+                <a:cs typeface="+mn-cs"/>
+              </a:rPr>
+              <a:t> </a:t>
+            </a:r>
+          </a:p>
+          <a:p>
+            <a:r>
+              <a:rPr lang="de-DE" sz="1200" kern="1200" dirty="0">
+                <a:solidFill>
+                  <a:schemeClr val="tx1"/>
+                </a:solidFill>
+                <a:effectLst/>
+                <a:latin typeface="+mn-lt"/>
+                <a:ea typeface="+mn-ea"/>
+                <a:cs typeface="+mn-cs"/>
+              </a:rPr>
+              <a:t>2. Die Implementierung der </a:t>
+            </a:r>
+            <a:r>
+              <a:rPr lang="de-DE" sz="1200" kern="1200" dirty="0" err="1">
+                <a:solidFill>
+                  <a:schemeClr val="tx1"/>
+                </a:solidFill>
+                <a:effectLst/>
+                <a:latin typeface="+mn-lt"/>
+                <a:ea typeface="+mn-ea"/>
+                <a:cs typeface="+mn-cs"/>
+              </a:rPr>
+              <a:t>Lazy</a:t>
+            </a:r>
+            <a:r>
+              <a:rPr lang="de-DE" sz="1200" kern="1200" dirty="0">
+                <a:solidFill>
+                  <a:schemeClr val="tx1"/>
+                </a:solidFill>
+                <a:effectLst/>
+                <a:latin typeface="+mn-lt"/>
+                <a:ea typeface="+mn-ea"/>
+                <a:cs typeface="+mn-cs"/>
+              </a:rPr>
+              <a:t> </a:t>
+            </a:r>
+            <a:r>
+              <a:rPr lang="de-DE" sz="1200" kern="1200" dirty="0" err="1">
+                <a:solidFill>
+                  <a:schemeClr val="tx1"/>
+                </a:solidFill>
+                <a:effectLst/>
+                <a:latin typeface="+mn-lt"/>
+                <a:ea typeface="+mn-ea"/>
+                <a:cs typeface="+mn-cs"/>
+              </a:rPr>
+              <a:t>Clause</a:t>
+            </a:r>
+            <a:r>
+              <a:rPr lang="de-DE" sz="1200" kern="1200" dirty="0">
+                <a:solidFill>
+                  <a:schemeClr val="tx1"/>
+                </a:solidFill>
+                <a:effectLst/>
+                <a:latin typeface="+mn-lt"/>
+                <a:ea typeface="+mn-ea"/>
+                <a:cs typeface="+mn-cs"/>
+              </a:rPr>
+              <a:t> Evaluation passte nicht mit der vorhandenen Datenstruktur zusammen. Es konnten mit den derzeitigen Hilfsvariablen nicht die nötigen Entscheidungen getroffen werden.</a:t>
+            </a:r>
+          </a:p>
+          <a:p>
+            <a:r>
+              <a:rPr lang="de-DE" sz="1200" kern="1200" dirty="0">
+                <a:solidFill>
+                  <a:schemeClr val="tx1"/>
+                </a:solidFill>
+                <a:effectLst/>
+                <a:latin typeface="+mn-lt"/>
+                <a:ea typeface="+mn-ea"/>
+                <a:cs typeface="+mn-cs"/>
+              </a:rPr>
+              <a:t>Lösung: Es wurden neue Hilfsstruktur eingeführt. Die Evaluation der einzelnen Simple </a:t>
+            </a:r>
+            <a:r>
+              <a:rPr lang="de-DE" sz="1200" kern="1200" dirty="0" err="1">
+                <a:solidFill>
+                  <a:schemeClr val="tx1"/>
+                </a:solidFill>
+                <a:effectLst/>
+                <a:latin typeface="+mn-lt"/>
+                <a:ea typeface="+mn-ea"/>
+                <a:cs typeface="+mn-cs"/>
+              </a:rPr>
+              <a:t>Constraints</a:t>
+            </a:r>
+            <a:r>
+              <a:rPr lang="de-DE" sz="1200" kern="1200" dirty="0">
+                <a:solidFill>
+                  <a:schemeClr val="tx1"/>
+                </a:solidFill>
+                <a:effectLst/>
+                <a:latin typeface="+mn-lt"/>
+                <a:ea typeface="+mn-ea"/>
+                <a:cs typeface="+mn-cs"/>
+              </a:rPr>
+              <a:t> wurde in einer Liste gespeichert, um die Entscheidungen treffen zu können. Demnach wurde für jeden Simple </a:t>
+            </a:r>
+            <a:r>
+              <a:rPr lang="de-DE" sz="1200" kern="1200" dirty="0" err="1">
+                <a:solidFill>
+                  <a:schemeClr val="tx1"/>
+                </a:solidFill>
+                <a:effectLst/>
+                <a:latin typeface="+mn-lt"/>
+                <a:ea typeface="+mn-ea"/>
+                <a:cs typeface="+mn-cs"/>
+              </a:rPr>
+              <a:t>Constraint</a:t>
+            </a:r>
+            <a:r>
+              <a:rPr lang="de-DE" sz="1200" kern="1200" dirty="0">
+                <a:solidFill>
+                  <a:schemeClr val="tx1"/>
+                </a:solidFill>
+                <a:effectLst/>
+                <a:latin typeface="+mn-lt"/>
+                <a:ea typeface="+mn-ea"/>
+                <a:cs typeface="+mn-cs"/>
+              </a:rPr>
+              <a:t> gespeichert, ob der </a:t>
+            </a:r>
+            <a:r>
+              <a:rPr lang="de-DE" sz="1200" kern="1200" dirty="0" err="1">
+                <a:solidFill>
+                  <a:schemeClr val="tx1"/>
+                </a:solidFill>
+                <a:effectLst/>
+                <a:latin typeface="+mn-lt"/>
+                <a:ea typeface="+mn-ea"/>
+                <a:cs typeface="+mn-cs"/>
+              </a:rPr>
+              <a:t>Constraint</a:t>
+            </a:r>
+            <a:r>
+              <a:rPr lang="de-DE" sz="1200" kern="1200" dirty="0">
+                <a:solidFill>
+                  <a:schemeClr val="tx1"/>
+                </a:solidFill>
+                <a:effectLst/>
+                <a:latin typeface="+mn-lt"/>
+                <a:ea typeface="+mn-ea"/>
+                <a:cs typeface="+mn-cs"/>
+              </a:rPr>
+              <a:t> </a:t>
+            </a:r>
+            <a:r>
+              <a:rPr lang="de-DE" sz="1200" kern="1200" dirty="0" err="1">
+                <a:solidFill>
+                  <a:schemeClr val="tx1"/>
+                </a:solidFill>
+                <a:effectLst/>
+                <a:latin typeface="+mn-lt"/>
+                <a:ea typeface="+mn-ea"/>
+                <a:cs typeface="+mn-cs"/>
+              </a:rPr>
+              <a:t>true</a:t>
+            </a:r>
+            <a:r>
+              <a:rPr lang="de-DE" sz="1200" kern="1200" dirty="0">
+                <a:solidFill>
+                  <a:schemeClr val="tx1"/>
+                </a:solidFill>
+                <a:effectLst/>
+                <a:latin typeface="+mn-lt"/>
+                <a:ea typeface="+mn-ea"/>
+                <a:cs typeface="+mn-cs"/>
+              </a:rPr>
+              <a:t>, </a:t>
+            </a:r>
+            <a:r>
+              <a:rPr lang="de-DE" sz="1200" kern="1200" dirty="0" err="1">
+                <a:solidFill>
+                  <a:schemeClr val="tx1"/>
+                </a:solidFill>
+                <a:effectLst/>
+                <a:latin typeface="+mn-lt"/>
+                <a:ea typeface="+mn-ea"/>
+                <a:cs typeface="+mn-cs"/>
+              </a:rPr>
+              <a:t>false</a:t>
+            </a:r>
+            <a:r>
+              <a:rPr lang="de-DE" sz="1200" kern="1200" dirty="0">
+                <a:solidFill>
+                  <a:schemeClr val="tx1"/>
+                </a:solidFill>
+                <a:effectLst/>
+                <a:latin typeface="+mn-lt"/>
+                <a:ea typeface="+mn-ea"/>
+                <a:cs typeface="+mn-cs"/>
+              </a:rPr>
+              <a:t>, </a:t>
+            </a:r>
+            <a:r>
+              <a:rPr lang="de-DE" sz="1200" kern="1200" dirty="0" err="1">
+                <a:solidFill>
+                  <a:schemeClr val="tx1"/>
+                </a:solidFill>
+                <a:effectLst/>
+                <a:latin typeface="+mn-lt"/>
+                <a:ea typeface="+mn-ea"/>
+                <a:cs typeface="+mn-cs"/>
+              </a:rPr>
+              <a:t>Inconclusive</a:t>
+            </a:r>
+            <a:r>
+              <a:rPr lang="de-DE" sz="1200" kern="1200" dirty="0">
+                <a:solidFill>
+                  <a:schemeClr val="tx1"/>
+                </a:solidFill>
+                <a:effectLst/>
+                <a:latin typeface="+mn-lt"/>
+                <a:ea typeface="+mn-ea"/>
+                <a:cs typeface="+mn-cs"/>
+              </a:rPr>
+              <a:t> oder noch nicht ausgewertet ist.</a:t>
+            </a:r>
+          </a:p>
+          <a:p>
+            <a:r>
+              <a:rPr lang="de-DE" sz="1200" kern="1200" dirty="0">
+                <a:solidFill>
+                  <a:schemeClr val="tx1"/>
+                </a:solidFill>
+                <a:effectLst/>
+                <a:latin typeface="+mn-lt"/>
+                <a:ea typeface="+mn-ea"/>
+                <a:cs typeface="+mn-cs"/>
+              </a:rPr>
+              <a:t> </a:t>
+            </a:r>
+          </a:p>
+          <a:p>
+            <a:r>
+              <a:rPr lang="de-DE" sz="1200" kern="1200" dirty="0">
+                <a:solidFill>
+                  <a:schemeClr val="tx1"/>
+                </a:solidFill>
+                <a:effectLst/>
+                <a:latin typeface="+mn-lt"/>
+                <a:ea typeface="+mn-ea"/>
+                <a:cs typeface="+mn-cs"/>
+              </a:rPr>
+              <a:t>3. NP-Vollständig und NP-Schwer bedurften einer Auffrischung dieser </a:t>
+            </a:r>
+            <a:r>
+              <a:rPr lang="de-DE" sz="1200" kern="1200" dirty="0" err="1">
+                <a:solidFill>
+                  <a:schemeClr val="tx1"/>
+                </a:solidFill>
+                <a:effectLst/>
+                <a:latin typeface="+mn-lt"/>
+                <a:ea typeface="+mn-ea"/>
+                <a:cs typeface="+mn-cs"/>
+              </a:rPr>
+              <a:t>Thematik.Lösung</a:t>
+            </a:r>
+            <a:r>
+              <a:rPr lang="de-DE" sz="1200" kern="1200" dirty="0">
+                <a:solidFill>
+                  <a:schemeClr val="tx1"/>
+                </a:solidFill>
+                <a:effectLst/>
+                <a:latin typeface="+mn-lt"/>
+                <a:ea typeface="+mn-ea"/>
+                <a:cs typeface="+mn-cs"/>
+              </a:rPr>
+              <a:t>: Es war notwendig die bis dato in Vergessenheit geratenen Grundkenntnisse bezüglich der Thematik “Aufwandsklassen und Abschätzung” neu zu behandeln.</a:t>
+            </a:r>
+          </a:p>
+          <a:p>
+            <a:endParaRPr lang="de-DE" dirty="0"/>
+          </a:p>
+        </p:txBody>
+      </p:sp>
+      <p:sp>
+        <p:nvSpPr>
+          <p:cNvPr id="4" name="Foliennummernplatzhalter 3"/>
+          <p:cNvSpPr>
+            <a:spLocks noGrp="1"/>
+          </p:cNvSpPr>
+          <p:nvPr>
+            <p:ph type="sldNum" sz="quarter" idx="5"/>
+          </p:nvPr>
+        </p:nvSpPr>
+        <p:spPr/>
+        <p:txBody>
+          <a:bodyPr/>
+          <a:lstStyle/>
+          <a:p>
+            <a:fld id="{A5F6295B-F36C-480A-867B-5287C881934E}" type="slidenum">
+              <a:rPr lang="de-DE" smtClean="0"/>
+              <a:t>23</a:t>
+            </a:fld>
+            <a:endParaRPr lang="de-DE"/>
+          </a:p>
+        </p:txBody>
+      </p:sp>
+    </p:spTree>
+    <p:extLst>
+      <p:ext uri="{BB962C8B-B14F-4D97-AF65-F5344CB8AC3E}">
+        <p14:creationId xmlns:p14="http://schemas.microsoft.com/office/powerpoint/2010/main" val="4053259409"/>
+      </p:ext>
+    </p:extLst>
+  </p:cSld>
+  <p:clrMapOvr>
+    <a:masterClrMapping/>
+  </p:clrMapOvr>
+</p:notes>
+</file>
+
 <file path=ppt/notesSlides/notesSlide2.xml><?xml version="1.0" encoding="utf-8"?>
 <p:notes xmlns:a="http://schemas.openxmlformats.org/drawingml/2006/main" xmlns:r="http://schemas.openxmlformats.org/officeDocument/2006/relationships" xmlns:p="http://schemas.openxmlformats.org/presentationml/2006/main">
   <p:cSld>
@@ -3460,12 +3883,280 @@
           <a:lstStyle/>
           <a:p>
             <a:r>
-              <a:rPr lang="de-DE" dirty="0" err="1"/>
-              <a:t>Todo</a:t>
-            </a:r>
-            <a:r>
-              <a:rPr lang="de-DE" dirty="0"/>
-              <a:t>: Alex</a:t>
+              <a:rPr lang="de-DE" sz="1200" kern="1200" dirty="0">
+                <a:solidFill>
+                  <a:schemeClr val="tx1"/>
+                </a:solidFill>
+                <a:effectLst/>
+                <a:latin typeface="+mn-lt"/>
+                <a:ea typeface="+mn-ea"/>
+                <a:cs typeface="+mn-cs"/>
+              </a:rPr>
+              <a:t>Eine Möglichkeit wäre es, zunächst in Schritt 1 alle </a:t>
+            </a:r>
+            <a:r>
+              <a:rPr lang="de-DE" sz="1200" kern="1200" dirty="0" err="1">
+                <a:solidFill>
+                  <a:schemeClr val="tx1"/>
+                </a:solidFill>
+                <a:effectLst/>
+                <a:latin typeface="+mn-lt"/>
+                <a:ea typeface="+mn-ea"/>
+                <a:cs typeface="+mn-cs"/>
+              </a:rPr>
+              <a:t>Constraints</a:t>
+            </a:r>
+            <a:r>
+              <a:rPr lang="de-DE" sz="1200" kern="1200" dirty="0">
+                <a:solidFill>
+                  <a:schemeClr val="tx1"/>
+                </a:solidFill>
+                <a:effectLst/>
+                <a:latin typeface="+mn-lt"/>
+                <a:ea typeface="+mn-ea"/>
+                <a:cs typeface="+mn-cs"/>
+              </a:rPr>
+              <a:t> für eine </a:t>
+            </a:r>
+            <a:r>
+              <a:rPr lang="de-DE" sz="1200" kern="1200" dirty="0" err="1">
+                <a:solidFill>
+                  <a:schemeClr val="tx1"/>
+                </a:solidFill>
+                <a:effectLst/>
+                <a:latin typeface="+mn-lt"/>
+                <a:ea typeface="+mn-ea"/>
+                <a:cs typeface="+mn-cs"/>
+              </a:rPr>
+              <a:t>Intervallabaschätzung</a:t>
+            </a:r>
+            <a:r>
+              <a:rPr lang="de-DE" sz="1200" kern="1200" dirty="0">
+                <a:solidFill>
+                  <a:schemeClr val="tx1"/>
+                </a:solidFill>
+                <a:effectLst/>
+                <a:latin typeface="+mn-lt"/>
+                <a:ea typeface="+mn-ea"/>
+                <a:cs typeface="+mn-cs"/>
+              </a:rPr>
+              <a:t> zu prüfen. Für alle </a:t>
+            </a:r>
+            <a:r>
+              <a:rPr lang="de-DE" sz="1200" kern="1200" dirty="0" err="1">
+                <a:solidFill>
+                  <a:schemeClr val="tx1"/>
+                </a:solidFill>
+                <a:effectLst/>
+                <a:latin typeface="+mn-lt"/>
+                <a:ea typeface="+mn-ea"/>
+                <a:cs typeface="+mn-cs"/>
+              </a:rPr>
+              <a:t>Constraints</a:t>
+            </a:r>
+            <a:r>
+              <a:rPr lang="de-DE" sz="1200" kern="1200" dirty="0">
+                <a:solidFill>
+                  <a:schemeClr val="tx1"/>
+                </a:solidFill>
+                <a:effectLst/>
+                <a:latin typeface="+mn-lt"/>
+                <a:ea typeface="+mn-ea"/>
+                <a:cs typeface="+mn-cs"/>
+              </a:rPr>
+              <a:t>, die </a:t>
+            </a:r>
+            <a:r>
+              <a:rPr lang="de-DE" sz="1200" kern="1200" dirty="0" err="1">
+                <a:solidFill>
+                  <a:schemeClr val="tx1"/>
+                </a:solidFill>
+                <a:effectLst/>
+                <a:latin typeface="+mn-lt"/>
+                <a:ea typeface="+mn-ea"/>
+                <a:cs typeface="+mn-cs"/>
+              </a:rPr>
+              <a:t>inconclusive</a:t>
+            </a:r>
+            <a:r>
+              <a:rPr lang="de-DE" sz="1200" kern="1200" dirty="0">
+                <a:solidFill>
+                  <a:schemeClr val="tx1"/>
+                </a:solidFill>
+                <a:effectLst/>
+                <a:latin typeface="+mn-lt"/>
+                <a:ea typeface="+mn-ea"/>
+                <a:cs typeface="+mn-cs"/>
+              </a:rPr>
+              <a:t> oder </a:t>
+            </a:r>
+            <a:r>
+              <a:rPr lang="de-DE" sz="1200" kern="1200" dirty="0" err="1">
+                <a:solidFill>
+                  <a:schemeClr val="tx1"/>
+                </a:solidFill>
+                <a:effectLst/>
+                <a:latin typeface="+mn-lt"/>
+                <a:ea typeface="+mn-ea"/>
+                <a:cs typeface="+mn-cs"/>
+              </a:rPr>
+              <a:t>false</a:t>
+            </a:r>
+            <a:r>
+              <a:rPr lang="de-DE" sz="1200" kern="1200" dirty="0">
+                <a:solidFill>
+                  <a:schemeClr val="tx1"/>
+                </a:solidFill>
+                <a:effectLst/>
+                <a:latin typeface="+mn-lt"/>
+                <a:ea typeface="+mn-ea"/>
+                <a:cs typeface="+mn-cs"/>
+              </a:rPr>
+              <a:t> sind, wird CDCL angewendet, indem nur die Variablen betrachtet werden, welche in den entsprechenden </a:t>
+            </a:r>
+            <a:r>
+              <a:rPr lang="de-DE" sz="1200" kern="1200" dirty="0" err="1">
+                <a:solidFill>
+                  <a:schemeClr val="tx1"/>
+                </a:solidFill>
+                <a:effectLst/>
+                <a:latin typeface="+mn-lt"/>
+                <a:ea typeface="+mn-ea"/>
+                <a:cs typeface="+mn-cs"/>
+              </a:rPr>
+              <a:t>Constraints</a:t>
+            </a:r>
+            <a:r>
+              <a:rPr lang="de-DE" sz="1200" kern="1200" dirty="0">
+                <a:solidFill>
+                  <a:schemeClr val="tx1"/>
+                </a:solidFill>
+                <a:effectLst/>
+                <a:latin typeface="+mn-lt"/>
+                <a:ea typeface="+mn-ea"/>
+                <a:cs typeface="+mn-cs"/>
+              </a:rPr>
+              <a:t> vorkommen. Sobald es hier zu einem Conflict kommt, wird die Ursache auf den vorherigen </a:t>
+            </a:r>
+            <a:r>
+              <a:rPr lang="de-DE" sz="1200" kern="1200" dirty="0" err="1">
+                <a:solidFill>
+                  <a:schemeClr val="tx1"/>
+                </a:solidFill>
+                <a:effectLst/>
+                <a:latin typeface="+mn-lt"/>
+                <a:ea typeface="+mn-ea"/>
+                <a:cs typeface="+mn-cs"/>
+              </a:rPr>
+              <a:t>Entscheidungsleveln</a:t>
+            </a:r>
+            <a:r>
+              <a:rPr lang="de-DE" sz="1200" kern="1200" dirty="0">
+                <a:solidFill>
+                  <a:schemeClr val="tx1"/>
+                </a:solidFill>
+                <a:effectLst/>
+                <a:latin typeface="+mn-lt"/>
+                <a:ea typeface="+mn-ea"/>
+                <a:cs typeface="+mn-cs"/>
+              </a:rPr>
+              <a:t> nach CDCL als zusätzliche Conflict </a:t>
+            </a:r>
+            <a:r>
+              <a:rPr lang="de-DE" sz="1200" kern="1200" dirty="0" err="1">
+                <a:solidFill>
+                  <a:schemeClr val="tx1"/>
+                </a:solidFill>
+                <a:effectLst/>
+                <a:latin typeface="+mn-lt"/>
+                <a:ea typeface="+mn-ea"/>
+                <a:cs typeface="+mn-cs"/>
+              </a:rPr>
+              <a:t>Clause</a:t>
+            </a:r>
+            <a:r>
+              <a:rPr lang="de-DE" sz="1200" kern="1200" dirty="0">
+                <a:solidFill>
+                  <a:schemeClr val="tx1"/>
+                </a:solidFill>
+                <a:effectLst/>
+                <a:latin typeface="+mn-lt"/>
+                <a:ea typeface="+mn-ea"/>
+                <a:cs typeface="+mn-cs"/>
+              </a:rPr>
+              <a:t> gespeichert. Je nachdem ob zuerst ein </a:t>
+            </a:r>
+            <a:r>
+              <a:rPr lang="de-DE" sz="1200" kern="1200" dirty="0" err="1">
+                <a:solidFill>
+                  <a:schemeClr val="tx1"/>
+                </a:solidFill>
+                <a:effectLst/>
+                <a:latin typeface="+mn-lt"/>
+                <a:ea typeface="+mn-ea"/>
+                <a:cs typeface="+mn-cs"/>
+              </a:rPr>
+              <a:t>falses</a:t>
+            </a:r>
+            <a:r>
+              <a:rPr lang="de-DE" sz="1200" kern="1200" dirty="0">
+                <a:solidFill>
+                  <a:schemeClr val="tx1"/>
+                </a:solidFill>
+                <a:effectLst/>
+                <a:latin typeface="+mn-lt"/>
+                <a:ea typeface="+mn-ea"/>
+                <a:cs typeface="+mn-cs"/>
+              </a:rPr>
+              <a:t> oder ein </a:t>
+            </a:r>
+            <a:r>
+              <a:rPr lang="de-DE" sz="1200" kern="1200" dirty="0" err="1">
+                <a:solidFill>
+                  <a:schemeClr val="tx1"/>
+                </a:solidFill>
+                <a:effectLst/>
+                <a:latin typeface="+mn-lt"/>
+                <a:ea typeface="+mn-ea"/>
+                <a:cs typeface="+mn-cs"/>
+              </a:rPr>
+              <a:t>inconclusive</a:t>
+            </a:r>
+            <a:r>
+              <a:rPr lang="de-DE" sz="1200" kern="1200" dirty="0">
+                <a:solidFill>
+                  <a:schemeClr val="tx1"/>
+                </a:solidFill>
+                <a:effectLst/>
+                <a:latin typeface="+mn-lt"/>
+                <a:ea typeface="+mn-ea"/>
+                <a:cs typeface="+mn-cs"/>
+              </a:rPr>
+              <a:t> </a:t>
+            </a:r>
+            <a:r>
+              <a:rPr lang="de-DE" sz="1200" kern="1200" dirty="0" err="1">
+                <a:solidFill>
+                  <a:schemeClr val="tx1"/>
+                </a:solidFill>
+                <a:effectLst/>
+                <a:latin typeface="+mn-lt"/>
+                <a:ea typeface="+mn-ea"/>
+                <a:cs typeface="+mn-cs"/>
+              </a:rPr>
+              <a:t>Constraint</a:t>
+            </a:r>
+            <a:r>
+              <a:rPr lang="de-DE" sz="1200" kern="1200">
+                <a:solidFill>
+                  <a:schemeClr val="tx1"/>
+                </a:solidFill>
+                <a:effectLst/>
+                <a:latin typeface="+mn-lt"/>
+                <a:ea typeface="+mn-ea"/>
+                <a:cs typeface="+mn-cs"/>
+              </a:rPr>
+              <a:t> gefunden wird, wird mit Schritt 2 oder 3 weiterverfahren.</a:t>
             </a:r>
           </a:p>
         </p:txBody>
@@ -7788,7 +8479,7 @@
           <a:p>
             <a:fld id="{E83C38DC-B71F-497C-BC4F-CE0A9287F608}" type="datetimeFigureOut">
               <a:rPr lang="de-DE" smtClean="0"/>
-              <a:t>02.09.2019</a:t>
+              <a:t>04.09.2019</a:t>
             </a:fld>
             <a:endParaRPr lang="de-DE"/>
           </a:p>
@@ -8055,7 +8746,7 @@
           <a:p>
             <a:fld id="{E83C38DC-B71F-497C-BC4F-CE0A9287F608}" type="datetimeFigureOut">
               <a:rPr lang="de-DE" smtClean="0"/>
-              <a:t>02.09.2019</a:t>
+              <a:t>04.09.2019</a:t>
             </a:fld>
             <a:endParaRPr lang="de-DE"/>
           </a:p>
@@ -8251,7 +8942,7 @@
           <a:p>
             <a:fld id="{E83C38DC-B71F-497C-BC4F-CE0A9287F608}" type="datetimeFigureOut">
               <a:rPr lang="de-DE" smtClean="0"/>
-              <a:t>02.09.2019</a:t>
+              <a:t>04.09.2019</a:t>
             </a:fld>
             <a:endParaRPr lang="de-DE"/>
           </a:p>
@@ -8514,7 +9205,7 @@
           <a:p>
             <a:fld id="{E83C38DC-B71F-497C-BC4F-CE0A9287F608}" type="datetimeFigureOut">
               <a:rPr lang="de-DE" smtClean="0"/>
-              <a:t>02.09.2019</a:t>
+              <a:t>04.09.2019</a:t>
             </a:fld>
             <a:endParaRPr lang="de-DE"/>
           </a:p>
@@ -8948,7 +9639,7 @@
           <a:p>
             <a:fld id="{E83C38DC-B71F-497C-BC4F-CE0A9287F608}" type="datetimeFigureOut">
               <a:rPr lang="de-DE" smtClean="0"/>
-              <a:t>02.09.2019</a:t>
+              <a:t>04.09.2019</a:t>
             </a:fld>
             <a:endParaRPr lang="de-DE"/>
           </a:p>
@@ -9494,7 +10185,7 @@
           <a:p>
             <a:fld id="{E83C38DC-B71F-497C-BC4F-CE0A9287F608}" type="datetimeFigureOut">
               <a:rPr lang="de-DE" smtClean="0"/>
-              <a:t>02.09.2019</a:t>
+              <a:t>04.09.2019</a:t>
             </a:fld>
             <a:endParaRPr lang="de-DE"/>
           </a:p>
@@ -10214,7 +10905,7 @@
           <a:p>
             <a:fld id="{E83C38DC-B71F-497C-BC4F-CE0A9287F608}" type="datetimeFigureOut">
               <a:rPr lang="de-DE" smtClean="0"/>
-              <a:t>02.09.2019</a:t>
+              <a:t>04.09.2019</a:t>
             </a:fld>
             <a:endParaRPr lang="de-DE"/>
           </a:p>
@@ -10384,7 +11075,7 @@
           <a:p>
             <a:fld id="{E83C38DC-B71F-497C-BC4F-CE0A9287F608}" type="datetimeFigureOut">
               <a:rPr lang="de-DE" smtClean="0"/>
-              <a:t>02.09.2019</a:t>
+              <a:t>04.09.2019</a:t>
             </a:fld>
             <a:endParaRPr lang="de-DE"/>
           </a:p>
@@ -10564,7 +11255,7 @@
           <a:p>
             <a:fld id="{E83C38DC-B71F-497C-BC4F-CE0A9287F608}" type="datetimeFigureOut">
               <a:rPr lang="de-DE" smtClean="0"/>
-              <a:t>02.09.2019</a:t>
+              <a:t>04.09.2019</a:t>
             </a:fld>
             <a:endParaRPr lang="de-DE"/>
           </a:p>
@@ -10734,7 +11425,7 @@
           <a:p>
             <a:fld id="{E83C38DC-B71F-497C-BC4F-CE0A9287F608}" type="datetimeFigureOut">
               <a:rPr lang="de-DE" smtClean="0"/>
-              <a:t>02.09.2019</a:t>
+              <a:t>04.09.2019</a:t>
             </a:fld>
             <a:endParaRPr lang="de-DE"/>
           </a:p>
@@ -10984,7 +11675,7 @@
           <a:p>
             <a:fld id="{E83C38DC-B71F-497C-BC4F-CE0A9287F608}" type="datetimeFigureOut">
               <a:rPr lang="de-DE" smtClean="0"/>
-              <a:t>02.09.2019</a:t>
+              <a:t>04.09.2019</a:t>
             </a:fld>
             <a:endParaRPr lang="de-DE"/>
           </a:p>
@@ -11216,7 +11907,7 @@
           <a:p>
             <a:fld id="{E83C38DC-B71F-497C-BC4F-CE0A9287F608}" type="datetimeFigureOut">
               <a:rPr lang="de-DE" smtClean="0"/>
-              <a:t>02.09.2019</a:t>
+              <a:t>04.09.2019</a:t>
             </a:fld>
             <a:endParaRPr lang="de-DE"/>
           </a:p>
@@ -11597,7 +12288,7 @@
           <a:p>
             <a:fld id="{E83C38DC-B71F-497C-BC4F-CE0A9287F608}" type="datetimeFigureOut">
               <a:rPr lang="de-DE" smtClean="0"/>
-              <a:t>02.09.2019</a:t>
+              <a:t>04.09.2019</a:t>
             </a:fld>
             <a:endParaRPr lang="de-DE"/>
           </a:p>
@@ -11715,7 +12406,7 @@
           <a:p>
             <a:fld id="{E83C38DC-B71F-497C-BC4F-CE0A9287F608}" type="datetimeFigureOut">
               <a:rPr lang="de-DE" smtClean="0"/>
-              <a:t>02.09.2019</a:t>
+              <a:t>04.09.2019</a:t>
             </a:fld>
             <a:endParaRPr lang="de-DE"/>
           </a:p>
@@ -11810,7 +12501,7 @@
           <a:p>
             <a:fld id="{E83C38DC-B71F-497C-BC4F-CE0A9287F608}" type="datetimeFigureOut">
               <a:rPr lang="de-DE" smtClean="0"/>
-              <a:t>02.09.2019</a:t>
+              <a:t>04.09.2019</a:t>
             </a:fld>
             <a:endParaRPr lang="de-DE"/>
           </a:p>
@@ -12059,7 +12750,7 @@
           <a:p>
             <a:fld id="{E83C38DC-B71F-497C-BC4F-CE0A9287F608}" type="datetimeFigureOut">
               <a:rPr lang="de-DE" smtClean="0"/>
-              <a:t>02.09.2019</a:t>
+              <a:t>04.09.2019</a:t>
             </a:fld>
             <a:endParaRPr lang="de-DE"/>
           </a:p>
@@ -12339,7 +13030,7 @@
           <a:p>
             <a:fld id="{E83C38DC-B71F-497C-BC4F-CE0A9287F608}" type="datetimeFigureOut">
               <a:rPr lang="de-DE" smtClean="0"/>
-              <a:t>02.09.2019</a:t>
+              <a:t>04.09.2019</a:t>
             </a:fld>
             <a:endParaRPr lang="de-DE"/>
           </a:p>
@@ -15406,7 +16097,7 @@
           <a:p>
             <a:fld id="{E83C38DC-B71F-497C-BC4F-CE0A9287F608}" type="datetimeFigureOut">
               <a:rPr lang="de-DE" smtClean="0"/>
-              <a:t>02.09.2019</a:t>
+              <a:t>04.09.2019</a:t>
             </a:fld>
             <a:endParaRPr lang="de-DE"/>
           </a:p>
@@ -16008,10 +16699,52 @@
         </p:nvSpPr>
         <p:spPr/>
         <p:txBody>
-          <a:bodyPr/>
+          <a:bodyPr>
+            <a:normAutofit lnSpcReduction="10000"/>
+          </a:bodyPr>
           <a:lstStyle/>
           <a:p>
-            <a:endParaRPr lang="de-DE"/>
+            <a:r>
+              <a:rPr lang="de-DE" b="1" dirty="0"/>
+              <a:t>Funktioniert Algorithmus A korrekt auf dem neu definierten P, bzw. ist das Ergebnis korrekt?</a:t>
+            </a:r>
+          </a:p>
+          <a:p>
+            <a:r>
+              <a:rPr lang="de-DE" dirty="0"/>
+              <a:t>Algorithmus A funktioniert korrekt </a:t>
+            </a:r>
+          </a:p>
+          <a:p>
+            <a:r>
+              <a:rPr lang="de-DE" dirty="0"/>
+              <a:t>Algorithmus kann immer ein Ergebnis finden, auch wenn er unendlich lange läuft</a:t>
+            </a:r>
+          </a:p>
+          <a:p>
+            <a:r>
+              <a:rPr lang="de-DE" dirty="0"/>
+              <a:t>Gefundenes Ergebnis korrekt</a:t>
+            </a:r>
+          </a:p>
+          <a:p>
+            <a:pPr marL="457200" lvl="1" indent="0">
+              <a:buNone/>
+            </a:pPr>
+            <a:r>
+              <a:rPr lang="de-DE" dirty="0"/>
+              <a:t>	</a:t>
+            </a:r>
+            <a:r>
+              <a:rPr lang="de-DE" dirty="0">
+                <a:sym typeface="Wingdings" panose="05000000000000000000" pitchFamily="2" charset="2"/>
+              </a:rPr>
+              <a:t> </a:t>
+            </a:r>
+            <a:r>
+              <a:rPr lang="de-DE" sz="2400" dirty="0"/>
+              <a:t>nur Intervallgrenzen werden geprüft</a:t>
+            </a:r>
           </a:p>
         </p:txBody>
       </p:sp>
@@ -16094,7 +16827,30 @@
           <a:bodyPr/>
           <a:lstStyle/>
           <a:p>
-            <a:endParaRPr lang="de-DE"/>
+            <a:r>
+              <a:rPr lang="de-DE" b="1" dirty="0"/>
+              <a:t>Terminiert der Algorithmus A auf P?</a:t>
+            </a:r>
+            <a:endParaRPr lang="de-DE" dirty="0"/>
+          </a:p>
+          <a:p>
+            <a:r>
+              <a:rPr lang="de-DE" dirty="0"/>
+              <a:t>Einzelne Werte können nicht geprüft werden</a:t>
+            </a:r>
+          </a:p>
+          <a:p>
+            <a:r>
+              <a:rPr lang="de-DE" dirty="0"/>
+              <a:t>Konvergiert gegen Intervallgrenze</a:t>
+            </a:r>
+          </a:p>
+          <a:p>
+            <a:pPr lvl="1"/>
+            <a:r>
+              <a:rPr lang="de-DE" dirty="0"/>
+              <a:t>Terminiert nicht in Sonderfällen</a:t>
+            </a:r>
           </a:p>
         </p:txBody>
       </p:sp>
@@ -16177,7 +16933,58 @@
           <a:bodyPr/>
           <a:lstStyle/>
           <a:p>
-            <a:endParaRPr lang="de-DE"/>
+            <a:r>
+              <a:rPr lang="de-DE" b="1" dirty="0"/>
+              <a:t>Wie lässt sich Algorithmus A anpassen?</a:t>
+            </a:r>
+          </a:p>
+          <a:p>
+            <a:r>
+              <a:rPr lang="de-DE" dirty="0"/>
+              <a:t>Algorithmus terminieren </a:t>
+            </a:r>
+          </a:p>
+          <a:p>
+            <a:pPr marL="457200" lvl="1" indent="0">
+              <a:buNone/>
+            </a:pPr>
+            <a:r>
+              <a:rPr lang="de-DE" dirty="0">
+                <a:sym typeface="Wingdings" panose="05000000000000000000" pitchFamily="2" charset="2"/>
+              </a:rPr>
+              <a:t>	 </a:t>
+            </a:r>
+            <a:r>
+              <a:rPr lang="de-DE" sz="2400" dirty="0"/>
+              <a:t>Durchläufe begrenzen</a:t>
+            </a:r>
+          </a:p>
+          <a:p>
+            <a:r>
+              <a:rPr lang="de-DE" dirty="0"/>
+              <a:t>Punktprüfung</a:t>
+            </a:r>
+          </a:p>
+          <a:p>
+            <a:r>
+              <a:rPr lang="de-DE" dirty="0"/>
+              <a:t>Eine Lösung wird gefunden</a:t>
+            </a:r>
+          </a:p>
+          <a:p>
+            <a:pPr marL="457200" lvl="1" indent="0">
+              <a:buNone/>
+            </a:pPr>
+            <a:endParaRPr lang="de-DE" dirty="0"/>
+          </a:p>
+          <a:p>
+            <a:endParaRPr lang="de-DE" dirty="0"/>
+          </a:p>
+          <a:p>
+            <a:endParaRPr lang="de-DE" dirty="0"/>
+          </a:p>
+          <a:p>
+            <a:endParaRPr lang="de-DE" dirty="0"/>
           </a:p>
         </p:txBody>
       </p:sp>
@@ -16255,9 +17062,16 @@
             <p:ph idx="1"/>
           </p:nvPr>
         </p:nvSpPr>
-        <p:spPr/>
+        <p:spPr>
+          <a:xfrm>
+            <a:off x="1141412" y="2249487"/>
+            <a:ext cx="9905999" cy="4359860"/>
+          </a:xfrm>
+        </p:spPr>
         <p:txBody>
-          <a:bodyPr/>
+          <a:bodyPr>
+            <a:normAutofit/>
+          </a:bodyPr>
           <a:lstStyle/>
           <a:p>
             <a:r>
@@ -16339,7 +17153,16 @@
               <a:rPr lang="de-DE" dirty="0">
                 <a:sym typeface="Wingdings" panose="05000000000000000000" pitchFamily="2" charset="2"/>
               </a:rPr>
-              <a:t>Vor der Entscheidung beide Intervalle prüfen</a:t>
+              <a:t>Vor der rekursiven Teilung eines Intervalls, werden beide Intervalle einzeln geprüft</a:t>
+            </a:r>
+          </a:p>
+          <a:p>
+            <a:pPr lvl="1"/>
+            <a:r>
+              <a:rPr lang="de-DE" dirty="0">
+                <a:sym typeface="Wingdings" panose="05000000000000000000" pitchFamily="2" charset="2"/>
+              </a:rPr>
+              <a:t>Dadurch kann ein wahres Intervall direkt identifiziert werden</a:t>
             </a:r>
           </a:p>
           <a:p>
@@ -16479,7 +17302,7 @@
             </a:r>
             <a:r>
               <a:rPr lang="de-DE" dirty="0"/>
-              <a:t> ist, wird CDCL angewendet</a:t>
+              <a:t> ist, wird CDCL auf die Variablen angewendet</a:t>
             </a:r>
           </a:p>
           <a:p>
@@ -17016,7 +17839,49 @@
           <a:bodyPr/>
           <a:lstStyle/>
           <a:p>
-            <a:endParaRPr lang="de-DE"/>
+            <a:r>
+              <a:rPr lang="de-DE" b="1" dirty="0"/>
+              <a:t>Implementierung Algorithmus A</a:t>
+            </a:r>
+          </a:p>
+          <a:p>
+            <a:r>
+              <a:rPr lang="de-DE" dirty="0"/>
+              <a:t>Alle </a:t>
+            </a:r>
+            <a:r>
+              <a:rPr lang="de-DE" dirty="0" err="1"/>
+              <a:t>SimpleBounds</a:t>
+            </a:r>
+            <a:r>
+              <a:rPr lang="de-DE" dirty="0"/>
+              <a:t> werden geprüft</a:t>
+            </a:r>
+          </a:p>
+          <a:p>
+            <a:r>
+              <a:rPr lang="de-DE" dirty="0" err="1"/>
+              <a:t>Booleans</a:t>
+            </a:r>
+            <a:r>
+              <a:rPr lang="de-DE" dirty="0"/>
+              <a:t> entscheiden nächsten Schritte</a:t>
+            </a:r>
+          </a:p>
+          <a:p>
+            <a:r>
+              <a:rPr lang="de-DE" dirty="0"/>
+              <a:t>Zweiter Schritt prüft Stack und tauscht</a:t>
+            </a:r>
+          </a:p>
+          <a:p>
+            <a:r>
+              <a:rPr lang="de-DE" dirty="0"/>
+              <a:t>Dritter Schritt teilt Intervall</a:t>
+            </a:r>
+          </a:p>
+          <a:p>
+            <a:endParaRPr lang="de-DE" dirty="0"/>
           </a:p>
         </p:txBody>
       </p:sp>
@@ -17188,19 +18053,7 @@
               <a:rPr lang="de-DE" dirty="0">
                 <a:sym typeface="Wingdings" panose="05000000000000000000" pitchFamily="2" charset="2"/>
               </a:rPr>
-              <a:t>Bei neuen Grenzen, prüfe </a:t>
-            </a:r>
-            <a:r>
-              <a:rPr lang="de-DE" dirty="0" err="1">
-                <a:sym typeface="Wingdings" panose="05000000000000000000" pitchFamily="2" charset="2"/>
-              </a:rPr>
-              <a:t>Constraints</a:t>
-            </a:r>
-            <a:r>
-              <a:rPr lang="de-DE" dirty="0">
-                <a:sym typeface="Wingdings" panose="05000000000000000000" pitchFamily="2" charset="2"/>
-              </a:rPr>
-              <a:t> erneut, sonst Intervallaufteilung</a:t>
+              <a:t>Bei neuen Grenzen, führe Schritt 1 erneut auf, sonst Intervallaufteilung</a:t>
             </a:r>
             <a:endParaRPr lang="de-DE" dirty="0"/>
           </a:p>
@@ -17302,12 +18155,6 @@
             <a:r>
               <a:rPr lang="de-DE" dirty="0"/>
               <a:t>Lösung: Praktischer Teil</a:t>
-            </a:r>
-          </a:p>
-          <a:p>
-            <a:r>
-              <a:rPr lang="de-DE" dirty="0"/>
-              <a:t>Probleme</a:t>
             </a:r>
           </a:p>
           <a:p>
@@ -17681,7 +18528,46 @@
           <a:bodyPr/>
           <a:lstStyle/>
           <a:p>
-            <a:endParaRPr lang="de-DE"/>
+            <a:r>
+              <a:rPr lang="de-DE" dirty="0" err="1"/>
+              <a:t>Constraint</a:t>
+            </a:r>
+            <a:r>
+              <a:rPr lang="de-DE" dirty="0"/>
+              <a:t> </a:t>
+            </a:r>
+            <a:r>
+              <a:rPr lang="de-DE" dirty="0" err="1"/>
+              <a:t>Satisfaction</a:t>
+            </a:r>
+            <a:r>
+              <a:rPr lang="de-DE" dirty="0"/>
+              <a:t> Problems (CSP) wichtige Herausforderung</a:t>
+            </a:r>
+          </a:p>
+          <a:p>
+            <a:r>
+              <a:rPr lang="de-DE" dirty="0"/>
+              <a:t>vielfältigen Anwendungsbereiche </a:t>
+            </a:r>
+          </a:p>
+          <a:p>
+            <a:r>
+              <a:rPr lang="de-DE" dirty="0"/>
+              <a:t>Fähigkeiten im logischen Denken und Lösen von Problemen verbessert</a:t>
+            </a:r>
+          </a:p>
+          <a:p>
+            <a:r>
+              <a:rPr lang="de-DE" dirty="0"/>
+              <a:t>theoretisches Verständnis verstärkt</a:t>
+            </a:r>
+          </a:p>
+          <a:p>
+            <a:endParaRPr lang="de-DE" dirty="0"/>
+          </a:p>
+          <a:p>
+            <a:endParaRPr lang="de-DE" dirty="0"/>
           </a:p>
         </p:txBody>
       </p:sp>
@@ -17689,6 +18575,175 @@
     <p:extLst>
       <p:ext uri="{BB962C8B-B14F-4D97-AF65-F5344CB8AC3E}">
         <p14:creationId xmlns:p14="http://schemas.microsoft.com/office/powerpoint/2010/main" val="2329927509"/>
+      </p:ext>
+    </p:extLst>
+  </p:cSld>
+  <p:clrMapOvr>
+    <a:masterClrMapping/>
+  </p:clrMapOvr>
+</p:sld>
+</file>
+
+<file path=ppt/slides/slide23.xml><?xml version="1.0" encoding="utf-8"?>
+<p:sld xmlns:a="http://schemas.openxmlformats.org/drawingml/2006/main" xmlns:r="http://schemas.openxmlformats.org/officeDocument/2006/relationships" xmlns:p="http://schemas.openxmlformats.org/presentationml/2006/main">
+  <p:cSld>
+    <p:spTree>
+      <p:nvGrpSpPr>
+        <p:cNvPr id="1" name=""/>
+        <p:cNvGrpSpPr/>
+        <p:nvPr/>
+      </p:nvGrpSpPr>
+      <p:grpSpPr>
+        <a:xfrm>
+          <a:off x="0" y="0"/>
+          <a:ext cx="0" cy="0"/>
+          <a:chOff x="0" y="0"/>
+          <a:chExt cx="0" cy="0"/>
+        </a:xfrm>
+      </p:grpSpPr>
+      <p:sp>
+        <p:nvSpPr>
+          <p:cNvPr id="2" name="Titel 1">
+            <a:extLst>
+              <a:ext uri="{FF2B5EF4-FFF2-40B4-BE49-F238E27FC236}">
+                <a16:creationId xmlns:a16="http://schemas.microsoft.com/office/drawing/2014/main" id="{042DF2C7-7DAF-46C6-A7AA-F750E0413D44}"/>
+              </a:ext>
+            </a:extLst>
+          </p:cNvPr>
+          <p:cNvSpPr>
+            <a:spLocks noGrp="1"/>
+          </p:cNvSpPr>
+          <p:nvPr>
+            <p:ph type="title"/>
+          </p:nvPr>
+        </p:nvSpPr>
+        <p:spPr/>
+        <p:txBody>
+          <a:bodyPr/>
+          <a:lstStyle/>
+          <a:p>
+            <a:r>
+              <a:rPr lang="de-DE" dirty="0"/>
+              <a:t>Aufgetretene Probleme</a:t>
+            </a:r>
+          </a:p>
+        </p:txBody>
+      </p:sp>
+      <p:sp>
+        <p:nvSpPr>
+          <p:cNvPr id="3" name="Inhaltsplatzhalter 2">
+            <a:extLst>
+              <a:ext uri="{FF2B5EF4-FFF2-40B4-BE49-F238E27FC236}">
+                <a16:creationId xmlns:a16="http://schemas.microsoft.com/office/drawing/2014/main" id="{3F403753-B0B0-40AB-BD85-5759A53620B3}"/>
+              </a:ext>
+            </a:extLst>
+          </p:cNvPr>
+          <p:cNvSpPr>
+            <a:spLocks noGrp="1"/>
+          </p:cNvSpPr>
+          <p:nvPr>
+            <p:ph idx="1"/>
+          </p:nvPr>
+        </p:nvSpPr>
+        <p:spPr>
+          <a:xfrm>
+            <a:off x="1141412" y="2249486"/>
+            <a:ext cx="9905999" cy="4311735"/>
+          </a:xfrm>
+        </p:spPr>
+        <p:txBody>
+          <a:bodyPr>
+            <a:normAutofit fontScale="92500"/>
+          </a:bodyPr>
+          <a:lstStyle/>
+          <a:p>
+            <a:r>
+              <a:rPr lang="de-DE" dirty="0"/>
+              <a:t>In Algorithmus A steht „wähle eine Variable x“. Welche genau bleibt dabei undefiniert</a:t>
+            </a:r>
+          </a:p>
+          <a:p>
+            <a:pPr marL="0" indent="0">
+              <a:buNone/>
+            </a:pPr>
+            <a:r>
+              <a:rPr lang="de-DE" dirty="0">
+                <a:sym typeface="Wingdings" panose="05000000000000000000" pitchFamily="2" charset="2"/>
+              </a:rPr>
+              <a:t>	 Auswahl erfolgt nach Variablenreihenfolge</a:t>
+            </a:r>
+          </a:p>
+          <a:p>
+            <a:pPr lvl="1"/>
+            <a:endParaRPr lang="de-DE" dirty="0">
+              <a:sym typeface="Wingdings" panose="05000000000000000000" pitchFamily="2" charset="2"/>
+            </a:endParaRPr>
+          </a:p>
+          <a:p>
+            <a:r>
+              <a:rPr lang="de-DE" dirty="0">
+                <a:sym typeface="Wingdings" panose="05000000000000000000" pitchFamily="2" charset="2"/>
+              </a:rPr>
+              <a:t>Implementation der </a:t>
+            </a:r>
+            <a:r>
+              <a:rPr lang="de-DE" dirty="0" err="1">
+                <a:sym typeface="Wingdings" panose="05000000000000000000" pitchFamily="2" charset="2"/>
+              </a:rPr>
+              <a:t>Lazy</a:t>
+            </a:r>
+            <a:r>
+              <a:rPr lang="de-DE" dirty="0">
+                <a:sym typeface="Wingdings" panose="05000000000000000000" pitchFamily="2" charset="2"/>
+              </a:rPr>
+              <a:t> </a:t>
+            </a:r>
+            <a:r>
+              <a:rPr lang="de-DE" dirty="0" err="1">
+                <a:sym typeface="Wingdings" panose="05000000000000000000" pitchFamily="2" charset="2"/>
+              </a:rPr>
+              <a:t>Clause</a:t>
+            </a:r>
+            <a:r>
+              <a:rPr lang="de-DE" dirty="0">
+                <a:sym typeface="Wingdings" panose="05000000000000000000" pitchFamily="2" charset="2"/>
+              </a:rPr>
+              <a:t> Evaluation, passt nicht mit Datenstruktur zusammen</a:t>
+            </a:r>
+          </a:p>
+          <a:p>
+            <a:pPr marL="0" indent="0">
+              <a:buNone/>
+            </a:pPr>
+            <a:r>
+              <a:rPr lang="de-DE" dirty="0">
+                <a:sym typeface="Wingdings" panose="05000000000000000000" pitchFamily="2" charset="2"/>
+              </a:rPr>
+              <a:t>	 Eine Hilfsstruktur mit Hilfsvariablen wurde eingeführt</a:t>
+            </a:r>
+          </a:p>
+          <a:p>
+            <a:pPr marL="0" indent="0">
+              <a:buNone/>
+            </a:pPr>
+            <a:endParaRPr lang="de-DE" dirty="0">
+              <a:sym typeface="Wingdings" panose="05000000000000000000" pitchFamily="2" charset="2"/>
+            </a:endParaRPr>
+          </a:p>
+          <a:p>
+            <a:r>
+              <a:rPr lang="de-DE" dirty="0">
+                <a:sym typeface="Wingdings" panose="05000000000000000000" pitchFamily="2" charset="2"/>
+              </a:rPr>
+              <a:t>Fachwissen über Aufwandsklassen musste neu angeeignet werden</a:t>
+            </a:r>
+          </a:p>
+        </p:txBody>
+      </p:sp>
+    </p:spTree>
+    <p:extLst>
+      <p:ext uri="{BB962C8B-B14F-4D97-AF65-F5344CB8AC3E}">
+        <p14:creationId xmlns:p14="http://schemas.microsoft.com/office/powerpoint/2010/main" val="2232946408"/>
       </p:ext>
     </p:extLst>
   </p:cSld>
@@ -18201,8 +19256,10 @@
               <a:buNone/>
             </a:pPr>
             <a:r>
-              <a:rPr lang="en-US" dirty="0"/>
-              <a:t>	</a:t>
+              <a:rPr lang="en-US" dirty="0">
+                <a:sym typeface="Wingdings" panose="05000000000000000000" pitchFamily="2" charset="2"/>
+              </a:rPr>
+              <a:t>	 </a:t>
             </a:r>
             <a:r>
               <a:rPr lang="en-US" dirty="0" err="1"/>
@@ -18290,52 +19347,6 @@
               <a:t> von P</a:t>
             </a:r>
             <a:endParaRPr lang="de-DE" dirty="0"/>
-          </a:p>
-        </p:txBody>
-      </p:sp>
-      <p:sp>
-        <p:nvSpPr>
-          <p:cNvPr id="4" name="Pfeil: nach rechts 3">
-            <a:extLst>
-              <a:ext uri="{FF2B5EF4-FFF2-40B4-BE49-F238E27FC236}">
-                <a16:creationId xmlns:a16="http://schemas.microsoft.com/office/drawing/2014/main" id="{C0BAB90F-D96E-4CCC-9F9F-72C3A72BED48}"/>
-              </a:ext>
-            </a:extLst>
-          </p:cNvPr>
-          <p:cNvSpPr/>
-          <p:nvPr/>
-        </p:nvSpPr>
-        <p:spPr>
-          <a:xfrm>
-            <a:off x="1534885" y="4147457"/>
-            <a:ext cx="359229" cy="212272"/>
-          </a:xfrm>
-          <a:prstGeom prst="rightArrow">
-            <a:avLst/>
-          </a:prstGeom>
-        </p:spPr>
-        <p:style>
-          <a:lnRef idx="2">
-            <a:schemeClr val="accent1">
-              <a:shade val="50000"/>
-            </a:schemeClr>
-          </a:lnRef>
-          <a:fillRef idx="1">
-            <a:schemeClr val="accent1"/>
-          </a:fillRef>
-          <a:effectRef idx="0">
-            <a:schemeClr val="accent1"/>
-          </a:effectRef>
-          <a:fontRef idx="minor">
-            <a:schemeClr val="lt1"/>
-          </a:fontRef>
-        </p:style>
-        <p:txBody>
-          <a:bodyPr rtlCol="0" anchor="ctr"/>
-          <a:lstStyle/>
-          <a:p>
-            <a:pPr algn="ctr"/>
-            <a:endParaRPr lang="de-DE"/>
           </a:p>
         </p:txBody>
       </p:sp>
@@ -18911,7 +19922,7 @@
         </p:spPr>
         <p:txBody>
           <a:bodyPr>
-            <a:normAutofit/>
+            <a:normAutofit fontScale="92500"/>
           </a:bodyPr>
           <a:lstStyle/>
           <a:p>
@@ -18930,7 +19941,7 @@
             <a:pPr lvl="1"/>
             <a:r>
               <a:rPr lang="de-DE" dirty="0"/>
-              <a:t>1 </a:t>
+              <a:t>Einzelnes </a:t>
             </a:r>
             <a:r>
               <a:rPr lang="de-DE" dirty="0" err="1"/>
@@ -18965,21 +19976,13 @@
             </a:r>
             <a:r>
               <a:rPr lang="de-DE" dirty="0"/>
-              <a:t> Case muss weiterhin jeder Wert in p geprüft werden, daher O(</a:t>
-            </a:r>
-            <a:r>
-              <a:rPr lang="de-DE" dirty="0" err="1"/>
-              <a:t>nlog</a:t>
-            </a:r>
+              <a:t> Case muss weiterhin jeder Wert in p geprüft werden, daher O(n*log(n))</a:t>
+            </a:r>
+          </a:p>
+          <a:p>
             <a:r>
               <a:rPr lang="de-DE" dirty="0"/>
-              <a:t>(n))</a:t>
-            </a:r>
-          </a:p>
-          <a:p>
-            <a:r>
-              <a:rPr lang="de-DE" dirty="0"/>
-              <a:t>Durchführung von jedem Simple Bound führt zu O(n²(log(n))</a:t>
+              <a:t>Durchführung von jedem Simple Bound führt zu O(n²(log(n)))</a:t>
             </a:r>
           </a:p>
         </p:txBody>

--- a/src/resources/Hybride systeme_Jörn_seine_Teile.pptx
+++ b/src/resources/Hybride systeme_Jörn_seine_Teile.pptx
@@ -3254,6 +3254,112 @@
           <a:p>
             <a:endParaRPr lang="de-DE" dirty="0"/>
           </a:p>
+          <a:p>
+            <a:pPr marL="0" marR="0" lvl="0" indent="0" algn="l" defTabSz="914400" rtl="0" eaLnBrk="1" fontAlgn="auto" latinLnBrk="0" hangingPunct="1">
+              <a:lnSpc>
+                <a:spcPct val="100000"/>
+              </a:lnSpc>
+              <a:spcBef>
+                <a:spcPts val="0"/>
+              </a:spcBef>
+              <a:spcAft>
+                <a:spcPts val="0"/>
+              </a:spcAft>
+              <a:buClrTx/>
+              <a:buSzTx/>
+              <a:buFontTx/>
+              <a:buNone/>
+              <a:tabLst/>
+              <a:defRPr/>
+            </a:pPr>
+            <a:r>
+              <a:rPr lang="de-DE" sz="1200" kern="1200" dirty="0">
+                <a:solidFill>
+                  <a:schemeClr val="tx1"/>
+                </a:solidFill>
+                <a:effectLst/>
+                <a:latin typeface="+mn-lt"/>
+                <a:ea typeface="+mn-ea"/>
+                <a:cs typeface="+mn-cs"/>
+              </a:rPr>
+              <a:t>Da jedes Simple </a:t>
+            </a:r>
+            <a:r>
+              <a:rPr lang="de-DE" sz="1200" kern="1200" dirty="0" err="1">
+                <a:solidFill>
+                  <a:schemeClr val="tx1"/>
+                </a:solidFill>
+                <a:effectLst/>
+                <a:latin typeface="+mn-lt"/>
+                <a:ea typeface="+mn-ea"/>
+                <a:cs typeface="+mn-cs"/>
+              </a:rPr>
+              <a:t>Constraint</a:t>
+            </a:r>
+            <a:r>
+              <a:rPr lang="de-DE" sz="1200" kern="1200" dirty="0">
+                <a:solidFill>
+                  <a:schemeClr val="tx1"/>
+                </a:solidFill>
+                <a:effectLst/>
+                <a:latin typeface="+mn-lt"/>
+                <a:ea typeface="+mn-ea"/>
+                <a:cs typeface="+mn-cs"/>
+              </a:rPr>
+              <a:t> mindestens einen Simple Bound enthält, der unter p </a:t>
+            </a:r>
+            <a:r>
+              <a:rPr lang="de-DE" sz="1200" kern="1200" dirty="0" err="1">
+                <a:solidFill>
+                  <a:schemeClr val="tx1"/>
+                </a:solidFill>
+                <a:effectLst/>
+                <a:latin typeface="+mn-lt"/>
+                <a:ea typeface="+mn-ea"/>
+                <a:cs typeface="+mn-cs"/>
+              </a:rPr>
+              <a:t>true</a:t>
+            </a:r>
+            <a:r>
+              <a:rPr lang="de-DE" sz="1200" kern="1200" dirty="0">
+                <a:solidFill>
+                  <a:schemeClr val="tx1"/>
+                </a:solidFill>
+                <a:effectLst/>
+                <a:latin typeface="+mn-lt"/>
+                <a:ea typeface="+mn-ea"/>
+                <a:cs typeface="+mn-cs"/>
+              </a:rPr>
+              <a:t> ist, muss eine Wertebelegung aus dem Intervall p(xi) für jedes xi aus X existieren, für welche die einzelnen Simple Bounds </a:t>
+            </a:r>
+            <a:r>
+              <a:rPr lang="de-DE" sz="1200" kern="1200" dirty="0" err="1">
+                <a:solidFill>
+                  <a:schemeClr val="tx1"/>
+                </a:solidFill>
+                <a:effectLst/>
+                <a:latin typeface="+mn-lt"/>
+                <a:ea typeface="+mn-ea"/>
+                <a:cs typeface="+mn-cs"/>
+              </a:rPr>
+              <a:t>true</a:t>
+            </a:r>
+            <a:r>
+              <a:rPr lang="de-DE" sz="1200" kern="1200" dirty="0">
+                <a:solidFill>
+                  <a:schemeClr val="tx1"/>
+                </a:solidFill>
+                <a:effectLst/>
+                <a:latin typeface="+mn-lt"/>
+                <a:ea typeface="+mn-ea"/>
+                <a:cs typeface="+mn-cs"/>
+              </a:rPr>
+              <a:t> sind.</a:t>
+            </a:r>
+          </a:p>
+          <a:p>
+            <a:endParaRPr lang="de-DE" dirty="0"/>
+          </a:p>
         </p:txBody>
       </p:sp>
       <p:sp>
@@ -4254,7 +4360,7 @@
           <a:noFill/>
           <a:extLst>
             <a:ext uri="{909E8E84-426E-40dd-AFC4-6F175D3DCCD1}">
-              <a14:hiddenFill xmlns="" xmlns:a14="http://schemas.microsoft.com/office/drawing/2010/main">
+              <a14:hiddenFill xmlns:a14="http://schemas.microsoft.com/office/drawing/2010/main" xmlns="">
                 <a:solidFill>
                   <a:srgbClr val="FFFFFF"/>
                 </a:solidFill>
@@ -4313,7 +4419,7 @@
             </a:ln>
             <a:extLst>
               <a:ext uri="{91240B29-F687-4f45-9708-019B960494DF}">
-                <a14:hiddenLine xmlns="" xmlns:a14="http://schemas.microsoft.com/office/drawing/2010/main" w="9525">
+                <a14:hiddenLine xmlns:a14="http://schemas.microsoft.com/office/drawing/2010/main" xmlns="" w="9525">
                   <a:solidFill>
                     <a:srgbClr val="000000"/>
                   </a:solidFill>
@@ -4403,7 +4509,7 @@
             </a:ln>
             <a:extLst>
               <a:ext uri="{91240B29-F687-4f45-9708-019B960494DF}">
-                <a14:hiddenLine xmlns="" xmlns:a14="http://schemas.microsoft.com/office/drawing/2010/main" w="9525">
+                <a14:hiddenLine xmlns:a14="http://schemas.microsoft.com/office/drawing/2010/main" xmlns="" w="9525">
                   <a:solidFill>
                     <a:srgbClr val="000000"/>
                   </a:solidFill>
@@ -4493,7 +4599,7 @@
             </a:ln>
             <a:extLst>
               <a:ext uri="{91240B29-F687-4f45-9708-019B960494DF}">
-                <a14:hiddenLine xmlns="" xmlns:a14="http://schemas.microsoft.com/office/drawing/2010/main" w="9525">
+                <a14:hiddenLine xmlns:a14="http://schemas.microsoft.com/office/drawing/2010/main" xmlns="" w="9525">
                   <a:solidFill>
                     <a:srgbClr val="000000"/>
                   </a:solidFill>
@@ -4527,7 +4633,7 @@
             </a:ln>
             <a:extLst>
               <a:ext uri="{91240B29-F687-4f45-9708-019B960494DF}">
-                <a14:hiddenLine xmlns="" xmlns:a14="http://schemas.microsoft.com/office/drawing/2010/main" w="9525">
+                <a14:hiddenLine xmlns:a14="http://schemas.microsoft.com/office/drawing/2010/main" xmlns="" w="9525">
                   <a:solidFill>
                     <a:srgbClr val="000000"/>
                   </a:solidFill>
@@ -4617,7 +4723,7 @@
             </a:ln>
             <a:extLst>
               <a:ext uri="{91240B29-F687-4f45-9708-019B960494DF}">
-                <a14:hiddenLine xmlns="" xmlns:a14="http://schemas.microsoft.com/office/drawing/2010/main" w="9525">
+                <a14:hiddenLine xmlns:a14="http://schemas.microsoft.com/office/drawing/2010/main" xmlns="" w="9525">
                   <a:solidFill>
                     <a:srgbClr val="000000"/>
                   </a:solidFill>
@@ -4679,7 +4785,7 @@
             </a:ln>
             <a:extLst>
               <a:ext uri="{91240B29-F687-4f45-9708-019B960494DF}">
-                <a14:hiddenLine xmlns="" xmlns:a14="http://schemas.microsoft.com/office/drawing/2010/main" w="9525">
+                <a14:hiddenLine xmlns:a14="http://schemas.microsoft.com/office/drawing/2010/main" xmlns="" w="9525">
                   <a:solidFill>
                     <a:srgbClr val="000000"/>
                   </a:solidFill>
@@ -4741,7 +4847,7 @@
             </a:ln>
             <a:extLst>
               <a:ext uri="{91240B29-F687-4f45-9708-019B960494DF}">
-                <a14:hiddenLine xmlns="" xmlns:a14="http://schemas.microsoft.com/office/drawing/2010/main" w="9525">
+                <a14:hiddenLine xmlns:a14="http://schemas.microsoft.com/office/drawing/2010/main" xmlns="" w="9525">
                   <a:solidFill>
                     <a:srgbClr val="000000"/>
                   </a:solidFill>
@@ -4831,7 +4937,7 @@
             </a:ln>
             <a:extLst>
               <a:ext uri="{91240B29-F687-4f45-9708-019B960494DF}">
-                <a14:hiddenLine xmlns="" xmlns:a14="http://schemas.microsoft.com/office/drawing/2010/main" w="9525">
+                <a14:hiddenLine xmlns:a14="http://schemas.microsoft.com/office/drawing/2010/main" xmlns="" w="9525">
                   <a:solidFill>
                     <a:srgbClr val="000000"/>
                   </a:solidFill>
@@ -4893,7 +4999,7 @@
             </a:ln>
             <a:extLst>
               <a:ext uri="{91240B29-F687-4f45-9708-019B960494DF}">
-                <a14:hiddenLine xmlns="" xmlns:a14="http://schemas.microsoft.com/office/drawing/2010/main" w="9525">
+                <a14:hiddenLine xmlns:a14="http://schemas.microsoft.com/office/drawing/2010/main" xmlns="" w="9525">
                   <a:solidFill>
                     <a:srgbClr val="000000"/>
                   </a:solidFill>
@@ -4955,7 +5061,7 @@
             </a:ln>
             <a:extLst>
               <a:ext uri="{91240B29-F687-4f45-9708-019B960494DF}">
-                <a14:hiddenLine xmlns="" xmlns:a14="http://schemas.microsoft.com/office/drawing/2010/main" w="9525">
+                <a14:hiddenLine xmlns:a14="http://schemas.microsoft.com/office/drawing/2010/main" xmlns="" w="9525">
                   <a:solidFill>
                     <a:srgbClr val="000000"/>
                   </a:solidFill>
@@ -5045,7 +5151,7 @@
             </a:ln>
             <a:extLst>
               <a:ext uri="{91240B29-F687-4f45-9708-019B960494DF}">
-                <a14:hiddenLine xmlns="" xmlns:a14="http://schemas.microsoft.com/office/drawing/2010/main" w="9525">
+                <a14:hiddenLine xmlns:a14="http://schemas.microsoft.com/office/drawing/2010/main" xmlns="" w="9525">
                   <a:solidFill>
                     <a:srgbClr val="000000"/>
                   </a:solidFill>
@@ -5135,7 +5241,7 @@
             </a:ln>
             <a:extLst>
               <a:ext uri="{91240B29-F687-4f45-9708-019B960494DF}">
-                <a14:hiddenLine xmlns="" xmlns:a14="http://schemas.microsoft.com/office/drawing/2010/main" w="9525">
+                <a14:hiddenLine xmlns:a14="http://schemas.microsoft.com/office/drawing/2010/main" xmlns="" w="9525">
                   <a:solidFill>
                     <a:srgbClr val="000000"/>
                   </a:solidFill>
@@ -5197,7 +5303,7 @@
             </a:ln>
             <a:extLst>
               <a:ext uri="{91240B29-F687-4f45-9708-019B960494DF}">
-                <a14:hiddenLine xmlns="" xmlns:a14="http://schemas.microsoft.com/office/drawing/2010/main" w="9525">
+                <a14:hiddenLine xmlns:a14="http://schemas.microsoft.com/office/drawing/2010/main" xmlns="" w="9525">
                   <a:solidFill>
                     <a:srgbClr val="000000"/>
                   </a:solidFill>
@@ -5307,7 +5413,7 @@
             </a:ln>
             <a:extLst>
               <a:ext uri="{91240B29-F687-4f45-9708-019B960494DF}">
-                <a14:hiddenLine xmlns="" xmlns:a14="http://schemas.microsoft.com/office/drawing/2010/main" w="9525">
+                <a14:hiddenLine xmlns:a14="http://schemas.microsoft.com/office/drawing/2010/main" xmlns="" w="9525">
                   <a:solidFill>
                     <a:srgbClr val="000000"/>
                   </a:solidFill>
@@ -5369,7 +5475,7 @@
             </a:ln>
             <a:extLst>
               <a:ext uri="{91240B29-F687-4f45-9708-019B960494DF}">
-                <a14:hiddenLine xmlns="" xmlns:a14="http://schemas.microsoft.com/office/drawing/2010/main" w="9525">
+                <a14:hiddenLine xmlns:a14="http://schemas.microsoft.com/office/drawing/2010/main" xmlns="" w="9525">
                   <a:solidFill>
                     <a:srgbClr val="000000"/>
                   </a:solidFill>
@@ -5459,7 +5565,7 @@
             </a:ln>
             <a:extLst>
               <a:ext uri="{91240B29-F687-4f45-9708-019B960494DF}">
-                <a14:hiddenLine xmlns="" xmlns:a14="http://schemas.microsoft.com/office/drawing/2010/main" w="9525">
+                <a14:hiddenLine xmlns:a14="http://schemas.microsoft.com/office/drawing/2010/main" xmlns="" w="9525">
                   <a:solidFill>
                     <a:srgbClr val="000000"/>
                   </a:solidFill>
@@ -5549,7 +5655,7 @@
             </a:ln>
             <a:extLst>
               <a:ext uri="{91240B29-F687-4f45-9708-019B960494DF}">
-                <a14:hiddenLine xmlns="" xmlns:a14="http://schemas.microsoft.com/office/drawing/2010/main" w="9525">
+                <a14:hiddenLine xmlns:a14="http://schemas.microsoft.com/office/drawing/2010/main" xmlns="" w="9525">
                   <a:solidFill>
                     <a:srgbClr val="000000"/>
                   </a:solidFill>
@@ -5611,7 +5717,7 @@
             </a:ln>
             <a:extLst>
               <a:ext uri="{91240B29-F687-4f45-9708-019B960494DF}">
-                <a14:hiddenLine xmlns="" xmlns:a14="http://schemas.microsoft.com/office/drawing/2010/main" w="9525">
+                <a14:hiddenLine xmlns:a14="http://schemas.microsoft.com/office/drawing/2010/main" xmlns="" w="9525">
                   <a:solidFill>
                     <a:srgbClr val="000000"/>
                   </a:solidFill>
@@ -5701,7 +5807,7 @@
             </a:ln>
             <a:extLst>
               <a:ext uri="{91240B29-F687-4f45-9708-019B960494DF}">
-                <a14:hiddenLine xmlns="" xmlns:a14="http://schemas.microsoft.com/office/drawing/2010/main" w="9525">
+                <a14:hiddenLine xmlns:a14="http://schemas.microsoft.com/office/drawing/2010/main" xmlns="" w="9525">
                   <a:solidFill>
                     <a:srgbClr val="000000"/>
                   </a:solidFill>
@@ -5791,7 +5897,7 @@
             </a:ln>
             <a:extLst>
               <a:ext uri="{91240B29-F687-4f45-9708-019B960494DF}">
-                <a14:hiddenLine xmlns="" xmlns:a14="http://schemas.microsoft.com/office/drawing/2010/main" w="9525">
+                <a14:hiddenLine xmlns:a14="http://schemas.microsoft.com/office/drawing/2010/main" xmlns="" w="9525">
                   <a:solidFill>
                     <a:srgbClr val="000000"/>
                   </a:solidFill>
@@ -5847,7 +5953,7 @@
             </a:ln>
             <a:extLst>
               <a:ext uri="{91240B29-F687-4f45-9708-019B960494DF}">
-                <a14:hiddenLine xmlns="" xmlns:a14="http://schemas.microsoft.com/office/drawing/2010/main" w="9525">
+                <a14:hiddenLine xmlns:a14="http://schemas.microsoft.com/office/drawing/2010/main" xmlns="" w="9525">
                   <a:solidFill>
                     <a:srgbClr val="000000"/>
                   </a:solidFill>
@@ -5937,7 +6043,7 @@
             </a:ln>
             <a:extLst>
               <a:ext uri="{91240B29-F687-4f45-9708-019B960494DF}">
-                <a14:hiddenLine xmlns="" xmlns:a14="http://schemas.microsoft.com/office/drawing/2010/main" w="9525">
+                <a14:hiddenLine xmlns:a14="http://schemas.microsoft.com/office/drawing/2010/main" xmlns="" w="9525">
                   <a:solidFill>
                     <a:srgbClr val="000000"/>
                   </a:solidFill>
@@ -5993,7 +6099,7 @@
             </a:ln>
             <a:extLst>
               <a:ext uri="{91240B29-F687-4f45-9708-019B960494DF}">
-                <a14:hiddenLine xmlns="" xmlns:a14="http://schemas.microsoft.com/office/drawing/2010/main" w="9525">
+                <a14:hiddenLine xmlns:a14="http://schemas.microsoft.com/office/drawing/2010/main" xmlns="" w="9525">
                   <a:solidFill>
                     <a:srgbClr val="000000"/>
                   </a:solidFill>
@@ -6083,7 +6189,7 @@
             </a:ln>
             <a:extLst>
               <a:ext uri="{91240B29-F687-4f45-9708-019B960494DF}">
-                <a14:hiddenLine xmlns="" xmlns:a14="http://schemas.microsoft.com/office/drawing/2010/main" w="9525">
+                <a14:hiddenLine xmlns:a14="http://schemas.microsoft.com/office/drawing/2010/main" xmlns="" w="9525">
                   <a:solidFill>
                     <a:srgbClr val="000000"/>
                   </a:solidFill>
@@ -6151,7 +6257,7 @@
             </a:ln>
             <a:extLst>
               <a:ext uri="{91240B29-F687-4f45-9708-019B960494DF}">
-                <a14:hiddenLine xmlns="" xmlns:a14="http://schemas.microsoft.com/office/drawing/2010/main" w="9525">
+                <a14:hiddenLine xmlns:a14="http://schemas.microsoft.com/office/drawing/2010/main" xmlns="" w="9525">
                   <a:solidFill>
                     <a:srgbClr val="000000"/>
                   </a:solidFill>
@@ -6241,7 +6347,7 @@
             </a:ln>
             <a:extLst>
               <a:ext uri="{91240B29-F687-4f45-9708-019B960494DF}">
-                <a14:hiddenLine xmlns="" xmlns:a14="http://schemas.microsoft.com/office/drawing/2010/main" w="9525">
+                <a14:hiddenLine xmlns:a14="http://schemas.microsoft.com/office/drawing/2010/main" xmlns="" w="9525">
                   <a:solidFill>
                     <a:srgbClr val="000000"/>
                   </a:solidFill>
@@ -6309,7 +6415,7 @@
             </a:ln>
             <a:extLst>
               <a:ext uri="{91240B29-F687-4f45-9708-019B960494DF}">
-                <a14:hiddenLine xmlns="" xmlns:a14="http://schemas.microsoft.com/office/drawing/2010/main" w="9525">
+                <a14:hiddenLine xmlns:a14="http://schemas.microsoft.com/office/drawing/2010/main" xmlns="" w="9525">
                   <a:solidFill>
                     <a:srgbClr val="000000"/>
                   </a:solidFill>
@@ -6399,7 +6505,7 @@
             </a:ln>
             <a:extLst>
               <a:ext uri="{91240B29-F687-4f45-9708-019B960494DF}">
-                <a14:hiddenLine xmlns="" xmlns:a14="http://schemas.microsoft.com/office/drawing/2010/main" w="9525">
+                <a14:hiddenLine xmlns:a14="http://schemas.microsoft.com/office/drawing/2010/main" xmlns="" w="9525">
                   <a:solidFill>
                     <a:srgbClr val="000000"/>
                   </a:solidFill>
@@ -6433,7 +6539,7 @@
             </a:ln>
             <a:extLst>
               <a:ext uri="{91240B29-F687-4f45-9708-019B960494DF}">
-                <a14:hiddenLine xmlns="" xmlns:a14="http://schemas.microsoft.com/office/drawing/2010/main" w="9525">
+                <a14:hiddenLine xmlns:a14="http://schemas.microsoft.com/office/drawing/2010/main" xmlns="" w="9525">
                   <a:solidFill>
                     <a:srgbClr val="000000"/>
                   </a:solidFill>
@@ -6523,7 +6629,7 @@
             </a:ln>
             <a:extLst>
               <a:ext uri="{91240B29-F687-4f45-9708-019B960494DF}">
-                <a14:hiddenLine xmlns="" xmlns:a14="http://schemas.microsoft.com/office/drawing/2010/main" w="9525">
+                <a14:hiddenLine xmlns:a14="http://schemas.microsoft.com/office/drawing/2010/main" xmlns="" w="9525">
                   <a:solidFill>
                     <a:srgbClr val="000000"/>
                   </a:solidFill>
@@ -6585,7 +6691,7 @@
             </a:ln>
             <a:extLst>
               <a:ext uri="{91240B29-F687-4f45-9708-019B960494DF}">
-                <a14:hiddenLine xmlns="" xmlns:a14="http://schemas.microsoft.com/office/drawing/2010/main" w="9525">
+                <a14:hiddenLine xmlns:a14="http://schemas.microsoft.com/office/drawing/2010/main" xmlns="" w="9525">
                   <a:solidFill>
                     <a:srgbClr val="000000"/>
                   </a:solidFill>
@@ -6647,7 +6753,7 @@
             </a:ln>
             <a:extLst>
               <a:ext uri="{91240B29-F687-4f45-9708-019B960494DF}">
-                <a14:hiddenLine xmlns="" xmlns:a14="http://schemas.microsoft.com/office/drawing/2010/main" w="9525">
+                <a14:hiddenLine xmlns:a14="http://schemas.microsoft.com/office/drawing/2010/main" xmlns="" w="9525">
                   <a:solidFill>
                     <a:srgbClr val="000000"/>
                   </a:solidFill>
@@ -6737,7 +6843,7 @@
             </a:ln>
             <a:extLst>
               <a:ext uri="{91240B29-F687-4f45-9708-019B960494DF}">
-                <a14:hiddenLine xmlns="" xmlns:a14="http://schemas.microsoft.com/office/drawing/2010/main" w="9525">
+                <a14:hiddenLine xmlns:a14="http://schemas.microsoft.com/office/drawing/2010/main" xmlns="" w="9525">
                   <a:solidFill>
                     <a:srgbClr val="000000"/>
                   </a:solidFill>
@@ -6805,7 +6911,7 @@
             </a:ln>
             <a:extLst>
               <a:ext uri="{91240B29-F687-4f45-9708-019B960494DF}">
-                <a14:hiddenLine xmlns="" xmlns:a14="http://schemas.microsoft.com/office/drawing/2010/main" w="9525">
+                <a14:hiddenLine xmlns:a14="http://schemas.microsoft.com/office/drawing/2010/main" xmlns="" w="9525">
                   <a:solidFill>
                     <a:srgbClr val="000000"/>
                   </a:solidFill>
@@ -6867,7 +6973,7 @@
             </a:ln>
             <a:extLst>
               <a:ext uri="{91240B29-F687-4f45-9708-019B960494DF}">
-                <a14:hiddenLine xmlns="" xmlns:a14="http://schemas.microsoft.com/office/drawing/2010/main" w="9525">
+                <a14:hiddenLine xmlns:a14="http://schemas.microsoft.com/office/drawing/2010/main" xmlns="" w="9525">
                   <a:solidFill>
                     <a:srgbClr val="000000"/>
                   </a:solidFill>
@@ -6957,7 +7063,7 @@
             </a:ln>
             <a:extLst>
               <a:ext uri="{91240B29-F687-4f45-9708-019B960494DF}">
-                <a14:hiddenLine xmlns="" xmlns:a14="http://schemas.microsoft.com/office/drawing/2010/main" w="9525">
+                <a14:hiddenLine xmlns:a14="http://schemas.microsoft.com/office/drawing/2010/main" xmlns="" w="9525">
                   <a:solidFill>
                     <a:srgbClr val="000000"/>
                   </a:solidFill>
@@ -7019,7 +7125,7 @@
             </a:ln>
             <a:extLst>
               <a:ext uri="{91240B29-F687-4f45-9708-019B960494DF}">
-                <a14:hiddenLine xmlns="" xmlns:a14="http://schemas.microsoft.com/office/drawing/2010/main" w="9525">
+                <a14:hiddenLine xmlns:a14="http://schemas.microsoft.com/office/drawing/2010/main" xmlns="" w="9525">
                   <a:solidFill>
                     <a:srgbClr val="000000"/>
                   </a:solidFill>
@@ -7109,7 +7215,7 @@
             </a:ln>
             <a:extLst>
               <a:ext uri="{91240B29-F687-4f45-9708-019B960494DF}">
-                <a14:hiddenLine xmlns="" xmlns:a14="http://schemas.microsoft.com/office/drawing/2010/main" w="9525">
+                <a14:hiddenLine xmlns:a14="http://schemas.microsoft.com/office/drawing/2010/main" xmlns="" w="9525">
                   <a:solidFill>
                     <a:srgbClr val="000000"/>
                   </a:solidFill>
@@ -7171,7 +7277,7 @@
             </a:ln>
             <a:extLst>
               <a:ext uri="{91240B29-F687-4f45-9708-019B960494DF}">
-                <a14:hiddenLine xmlns="" xmlns:a14="http://schemas.microsoft.com/office/drawing/2010/main" w="9525">
+                <a14:hiddenLine xmlns:a14="http://schemas.microsoft.com/office/drawing/2010/main" xmlns="" w="9525">
                   <a:solidFill>
                     <a:srgbClr val="000000"/>
                   </a:solidFill>
@@ -7261,7 +7367,7 @@
             </a:ln>
             <a:extLst>
               <a:ext uri="{91240B29-F687-4f45-9708-019B960494DF}">
-                <a14:hiddenLine xmlns="" xmlns:a14="http://schemas.microsoft.com/office/drawing/2010/main" w="9525">
+                <a14:hiddenLine xmlns:a14="http://schemas.microsoft.com/office/drawing/2010/main" xmlns="" w="9525">
                   <a:solidFill>
                     <a:srgbClr val="000000"/>
                   </a:solidFill>
@@ -7295,7 +7401,7 @@
             </a:ln>
             <a:extLst>
               <a:ext uri="{91240B29-F687-4f45-9708-019B960494DF}">
-                <a14:hiddenLine xmlns="" xmlns:a14="http://schemas.microsoft.com/office/drawing/2010/main" w="9525">
+                <a14:hiddenLine xmlns:a14="http://schemas.microsoft.com/office/drawing/2010/main" xmlns="" w="9525">
                   <a:solidFill>
                     <a:srgbClr val="000000"/>
                   </a:solidFill>
@@ -7360,7 +7466,7 @@
             </a:ln>
             <a:extLst>
               <a:ext uri="{91240B29-F687-4f45-9708-019B960494DF}">
-                <a14:hiddenLine xmlns="" xmlns:a14="http://schemas.microsoft.com/office/drawing/2010/main" w="9525">
+                <a14:hiddenLine xmlns:a14="http://schemas.microsoft.com/office/drawing/2010/main" xmlns="" w="9525">
                   <a:solidFill>
                     <a:srgbClr val="000000"/>
                   </a:solidFill>
@@ -7450,7 +7556,7 @@
             </a:ln>
             <a:extLst>
               <a:ext uri="{91240B29-F687-4f45-9708-019B960494DF}">
-                <a14:hiddenLine xmlns="" xmlns:a14="http://schemas.microsoft.com/office/drawing/2010/main" w="9525">
+                <a14:hiddenLine xmlns:a14="http://schemas.microsoft.com/office/drawing/2010/main" xmlns="" w="9525">
                   <a:solidFill>
                     <a:srgbClr val="000000"/>
                   </a:solidFill>
@@ -7512,7 +7618,7 @@
             </a:ln>
             <a:extLst>
               <a:ext uri="{91240B29-F687-4f45-9708-019B960494DF}">
-                <a14:hiddenLine xmlns="" xmlns:a14="http://schemas.microsoft.com/office/drawing/2010/main" w="9525">
+                <a14:hiddenLine xmlns:a14="http://schemas.microsoft.com/office/drawing/2010/main" xmlns="" w="9525">
                   <a:solidFill>
                     <a:srgbClr val="000000"/>
                   </a:solidFill>
@@ -7602,7 +7708,7 @@
             </a:ln>
             <a:extLst>
               <a:ext uri="{91240B29-F687-4f45-9708-019B960494DF}">
-                <a14:hiddenLine xmlns="" xmlns:a14="http://schemas.microsoft.com/office/drawing/2010/main" w="9525">
+                <a14:hiddenLine xmlns:a14="http://schemas.microsoft.com/office/drawing/2010/main" xmlns="" w="9525">
                   <a:solidFill>
                     <a:srgbClr val="000000"/>
                   </a:solidFill>
@@ -7692,7 +7798,7 @@
             </a:ln>
             <a:extLst>
               <a:ext uri="{91240B29-F687-4f45-9708-019B960494DF}">
-                <a14:hiddenLine xmlns="" xmlns:a14="http://schemas.microsoft.com/office/drawing/2010/main" w="9525">
+                <a14:hiddenLine xmlns:a14="http://schemas.microsoft.com/office/drawing/2010/main" xmlns="" w="9525">
                   <a:solidFill>
                     <a:srgbClr val="000000"/>
                   </a:solidFill>
@@ -7757,7 +7863,7 @@
             </a:ln>
             <a:extLst>
               <a:ext uri="{91240B29-F687-4f45-9708-019B960494DF}">
-                <a14:hiddenLine xmlns="" xmlns:a14="http://schemas.microsoft.com/office/drawing/2010/main" w="9525">
+                <a14:hiddenLine xmlns:a14="http://schemas.microsoft.com/office/drawing/2010/main" xmlns="" w="9525">
                   <a:solidFill>
                     <a:srgbClr val="000000"/>
                   </a:solidFill>
@@ -7819,7 +7925,7 @@
             </a:ln>
             <a:extLst>
               <a:ext uri="{91240B29-F687-4f45-9708-019B960494DF}">
-                <a14:hiddenLine xmlns="" xmlns:a14="http://schemas.microsoft.com/office/drawing/2010/main" w="9525">
+                <a14:hiddenLine xmlns:a14="http://schemas.microsoft.com/office/drawing/2010/main" xmlns="" w="9525">
                   <a:solidFill>
                     <a:srgbClr val="000000"/>
                   </a:solidFill>
@@ -7909,7 +8015,7 @@
             </a:ln>
             <a:extLst>
               <a:ext uri="{91240B29-F687-4f45-9708-019B960494DF}">
-                <a14:hiddenLine xmlns="" xmlns:a14="http://schemas.microsoft.com/office/drawing/2010/main" w="9525">
+                <a14:hiddenLine xmlns:a14="http://schemas.microsoft.com/office/drawing/2010/main" xmlns="" w="9525">
                   <a:solidFill>
                     <a:srgbClr val="000000"/>
                   </a:solidFill>
@@ -7999,7 +8105,7 @@
             </a:ln>
             <a:extLst>
               <a:ext uri="{91240B29-F687-4f45-9708-019B960494DF}">
-                <a14:hiddenLine xmlns="" xmlns:a14="http://schemas.microsoft.com/office/drawing/2010/main" w="9525">
+                <a14:hiddenLine xmlns:a14="http://schemas.microsoft.com/office/drawing/2010/main" xmlns="" w="9525">
                   <a:solidFill>
                     <a:srgbClr val="000000"/>
                   </a:solidFill>
@@ -8061,7 +8167,7 @@
             </a:ln>
             <a:extLst>
               <a:ext uri="{91240B29-F687-4f45-9708-019B960494DF}">
-                <a14:hiddenLine xmlns="" xmlns:a14="http://schemas.microsoft.com/office/drawing/2010/main" w="9525">
+                <a14:hiddenLine xmlns:a14="http://schemas.microsoft.com/office/drawing/2010/main" xmlns="" w="9525">
                   <a:solidFill>
                     <a:srgbClr val="000000"/>
                   </a:solidFill>
@@ -8181,7 +8287,7 @@
             </a:ln>
             <a:extLst>
               <a:ext uri="{91240B29-F687-4f45-9708-019B960494DF}">
-                <a14:hiddenLine xmlns="" xmlns:a14="http://schemas.microsoft.com/office/drawing/2010/main" w="9525">
+                <a14:hiddenLine xmlns:a14="http://schemas.microsoft.com/office/drawing/2010/main" xmlns="" w="9525">
                   <a:solidFill>
                     <a:srgbClr val="000000"/>
                   </a:solidFill>
@@ -8249,7 +8355,7 @@
             </a:ln>
             <a:extLst>
               <a:ext uri="{91240B29-F687-4f45-9708-019B960494DF}">
-                <a14:hiddenLine xmlns="" xmlns:a14="http://schemas.microsoft.com/office/drawing/2010/main" w="9525">
+                <a14:hiddenLine xmlns:a14="http://schemas.microsoft.com/office/drawing/2010/main" xmlns="" w="9525">
                   <a:solidFill>
                     <a:srgbClr val="000000"/>
                   </a:solidFill>
@@ -8339,7 +8445,7 @@
             </a:ln>
             <a:extLst>
               <a:ext uri="{91240B29-F687-4f45-9708-019B960494DF}">
-                <a14:hiddenLine xmlns="" xmlns:a14="http://schemas.microsoft.com/office/drawing/2010/main" w="9525">
+                <a14:hiddenLine xmlns:a14="http://schemas.microsoft.com/office/drawing/2010/main" xmlns="" w="9525">
                   <a:solidFill>
                     <a:srgbClr val="000000"/>
                   </a:solidFill>
@@ -13153,7 +13259,7 @@
           <a:noFill/>
           <a:extLst>
             <a:ext uri="{909E8E84-426E-40dd-AFC4-6F175D3DCCD1}">
-              <a14:hiddenFill xmlns="" xmlns:a14="http://schemas.microsoft.com/office/drawing/2010/main">
+              <a14:hiddenFill xmlns:a14="http://schemas.microsoft.com/office/drawing/2010/main" xmlns="">
                 <a:solidFill>
                   <a:srgbClr val="FFFFFF"/>
                 </a:solidFill>
@@ -13227,7 +13333,7 @@
               </a:ln>
               <a:extLst>
                 <a:ext uri="{91240B29-F687-4f45-9708-019B960494DF}">
-                  <a14:hiddenLine xmlns="" xmlns:a14="http://schemas.microsoft.com/office/drawing/2010/main" w="9525">
+                  <a14:hiddenLine xmlns:a14="http://schemas.microsoft.com/office/drawing/2010/main" xmlns="" w="9525">
                     <a:solidFill>
                       <a:srgbClr val="000000"/>
                     </a:solidFill>
@@ -13317,7 +13423,7 @@
               </a:ln>
               <a:extLst>
                 <a:ext uri="{91240B29-F687-4f45-9708-019B960494DF}">
-                  <a14:hiddenLine xmlns="" xmlns:a14="http://schemas.microsoft.com/office/drawing/2010/main" w="9525">
+                  <a14:hiddenLine xmlns:a14="http://schemas.microsoft.com/office/drawing/2010/main" xmlns="" w="9525">
                     <a:solidFill>
                       <a:srgbClr val="000000"/>
                     </a:solidFill>
@@ -13407,7 +13513,7 @@
               </a:ln>
               <a:extLst>
                 <a:ext uri="{91240B29-F687-4f45-9708-019B960494DF}">
-                  <a14:hiddenLine xmlns="" xmlns:a14="http://schemas.microsoft.com/office/drawing/2010/main" w="9525">
+                  <a14:hiddenLine xmlns:a14="http://schemas.microsoft.com/office/drawing/2010/main" xmlns="" w="9525">
                     <a:solidFill>
                       <a:srgbClr val="000000"/>
                     </a:solidFill>
@@ -13469,7 +13575,7 @@
               </a:ln>
               <a:extLst>
                 <a:ext uri="{91240B29-F687-4f45-9708-019B960494DF}">
-                  <a14:hiddenLine xmlns="" xmlns:a14="http://schemas.microsoft.com/office/drawing/2010/main" w="9525">
+                  <a14:hiddenLine xmlns:a14="http://schemas.microsoft.com/office/drawing/2010/main" xmlns="" w="9525">
                     <a:solidFill>
                       <a:srgbClr val="000000"/>
                     </a:solidFill>
@@ -13559,7 +13665,7 @@
               </a:ln>
               <a:extLst>
                 <a:ext uri="{91240B29-F687-4f45-9708-019B960494DF}">
-                  <a14:hiddenLine xmlns="" xmlns:a14="http://schemas.microsoft.com/office/drawing/2010/main" w="9525">
+                  <a14:hiddenLine xmlns:a14="http://schemas.microsoft.com/office/drawing/2010/main" xmlns="" w="9525">
                     <a:solidFill>
                       <a:srgbClr val="000000"/>
                     </a:solidFill>
@@ -13621,7 +13727,7 @@
               </a:ln>
               <a:extLst>
                 <a:ext uri="{91240B29-F687-4f45-9708-019B960494DF}">
-                  <a14:hiddenLine xmlns="" xmlns:a14="http://schemas.microsoft.com/office/drawing/2010/main" w="9525">
+                  <a14:hiddenLine xmlns:a14="http://schemas.microsoft.com/office/drawing/2010/main" xmlns="" w="9525">
                     <a:solidFill>
                       <a:srgbClr val="000000"/>
                     </a:solidFill>
@@ -13683,7 +13789,7 @@
               </a:ln>
               <a:extLst>
                 <a:ext uri="{91240B29-F687-4f45-9708-019B960494DF}">
-                  <a14:hiddenLine xmlns="" xmlns:a14="http://schemas.microsoft.com/office/drawing/2010/main" w="9525">
+                  <a14:hiddenLine xmlns:a14="http://schemas.microsoft.com/office/drawing/2010/main" xmlns="" w="9525">
                     <a:solidFill>
                       <a:srgbClr val="000000"/>
                     </a:solidFill>
@@ -13773,7 +13879,7 @@
               </a:ln>
               <a:extLst>
                 <a:ext uri="{91240B29-F687-4f45-9708-019B960494DF}">
-                  <a14:hiddenLine xmlns="" xmlns:a14="http://schemas.microsoft.com/office/drawing/2010/main" w="9525">
+                  <a14:hiddenLine xmlns:a14="http://schemas.microsoft.com/office/drawing/2010/main" xmlns="" w="9525">
                     <a:solidFill>
                       <a:srgbClr val="000000"/>
                     </a:solidFill>
@@ -13863,7 +13969,7 @@
               </a:ln>
               <a:extLst>
                 <a:ext uri="{91240B29-F687-4f45-9708-019B960494DF}">
-                  <a14:hiddenLine xmlns="" xmlns:a14="http://schemas.microsoft.com/office/drawing/2010/main" w="9525">
+                  <a14:hiddenLine xmlns:a14="http://schemas.microsoft.com/office/drawing/2010/main" xmlns="" w="9525">
                     <a:solidFill>
                       <a:srgbClr val="000000"/>
                     </a:solidFill>
@@ -13925,7 +14031,7 @@
               </a:ln>
               <a:extLst>
                 <a:ext uri="{91240B29-F687-4f45-9708-019B960494DF}">
-                  <a14:hiddenLine xmlns="" xmlns:a14="http://schemas.microsoft.com/office/drawing/2010/main" w="9525">
+                  <a14:hiddenLine xmlns:a14="http://schemas.microsoft.com/office/drawing/2010/main" xmlns="" w="9525">
                     <a:solidFill>
                       <a:srgbClr val="000000"/>
                     </a:solidFill>
@@ -14035,7 +14141,7 @@
               </a:ln>
               <a:extLst>
                 <a:ext uri="{91240B29-F687-4f45-9708-019B960494DF}">
-                  <a14:hiddenLine xmlns="" xmlns:a14="http://schemas.microsoft.com/office/drawing/2010/main" w="9525">
+                  <a14:hiddenLine xmlns:a14="http://schemas.microsoft.com/office/drawing/2010/main" xmlns="" w="9525">
                     <a:solidFill>
                       <a:srgbClr val="000000"/>
                     </a:solidFill>
@@ -14119,7 +14225,7 @@
               </a:ln>
               <a:extLst>
                 <a:ext uri="{91240B29-F687-4f45-9708-019B960494DF}">
-                  <a14:hiddenLine xmlns="" xmlns:a14="http://schemas.microsoft.com/office/drawing/2010/main" w="9525">
+                  <a14:hiddenLine xmlns:a14="http://schemas.microsoft.com/office/drawing/2010/main" xmlns="" w="9525">
                     <a:solidFill>
                       <a:srgbClr val="000000"/>
                     </a:solidFill>
@@ -14181,7 +14287,7 @@
               </a:ln>
               <a:extLst>
                 <a:ext uri="{91240B29-F687-4f45-9708-019B960494DF}">
-                  <a14:hiddenLine xmlns="" xmlns:a14="http://schemas.microsoft.com/office/drawing/2010/main" w="9525">
+                  <a14:hiddenLine xmlns:a14="http://schemas.microsoft.com/office/drawing/2010/main" xmlns="" w="9525">
                     <a:solidFill>
                       <a:srgbClr val="000000"/>
                     </a:solidFill>
@@ -14243,7 +14349,7 @@
               </a:ln>
               <a:extLst>
                 <a:ext uri="{91240B29-F687-4f45-9708-019B960494DF}">
-                  <a14:hiddenLine xmlns="" xmlns:a14="http://schemas.microsoft.com/office/drawing/2010/main" w="9525">
+                  <a14:hiddenLine xmlns:a14="http://schemas.microsoft.com/office/drawing/2010/main" xmlns="" w="9525">
                     <a:solidFill>
                       <a:srgbClr val="000000"/>
                     </a:solidFill>
@@ -14333,7 +14439,7 @@
               </a:ln>
               <a:extLst>
                 <a:ext uri="{91240B29-F687-4f45-9708-019B960494DF}">
-                  <a14:hiddenLine xmlns="" xmlns:a14="http://schemas.microsoft.com/office/drawing/2010/main" w="9525">
+                  <a14:hiddenLine xmlns:a14="http://schemas.microsoft.com/office/drawing/2010/main" xmlns="" w="9525">
                     <a:solidFill>
                       <a:srgbClr val="000000"/>
                     </a:solidFill>
@@ -14367,7 +14473,7 @@
               </a:ln>
               <a:extLst>
                 <a:ext uri="{91240B29-F687-4f45-9708-019B960494DF}">
-                  <a14:hiddenLine xmlns="" xmlns:a14="http://schemas.microsoft.com/office/drawing/2010/main" w="9525">
+                  <a14:hiddenLine xmlns:a14="http://schemas.microsoft.com/office/drawing/2010/main" xmlns="" w="9525">
                     <a:solidFill>
                       <a:srgbClr val="000000"/>
                     </a:solidFill>
@@ -14432,7 +14538,7 @@
               </a:ln>
               <a:extLst>
                 <a:ext uri="{91240B29-F687-4f45-9708-019B960494DF}">
-                  <a14:hiddenLine xmlns="" xmlns:a14="http://schemas.microsoft.com/office/drawing/2010/main" w="9525">
+                  <a14:hiddenLine xmlns:a14="http://schemas.microsoft.com/office/drawing/2010/main" xmlns="" w="9525">
                     <a:solidFill>
                       <a:srgbClr val="000000"/>
                     </a:solidFill>
@@ -14522,7 +14628,7 @@
               </a:ln>
               <a:extLst>
                 <a:ext uri="{91240B29-F687-4f45-9708-019B960494DF}">
-                  <a14:hiddenLine xmlns="" xmlns:a14="http://schemas.microsoft.com/office/drawing/2010/main" w="9525">
+                  <a14:hiddenLine xmlns:a14="http://schemas.microsoft.com/office/drawing/2010/main" xmlns="" w="9525">
                     <a:solidFill>
                       <a:srgbClr val="000000"/>
                     </a:solidFill>
@@ -14584,7 +14690,7 @@
               </a:ln>
               <a:extLst>
                 <a:ext uri="{91240B29-F687-4f45-9708-019B960494DF}">
-                  <a14:hiddenLine xmlns="" xmlns:a14="http://schemas.microsoft.com/office/drawing/2010/main" w="9525">
+                  <a14:hiddenLine xmlns:a14="http://schemas.microsoft.com/office/drawing/2010/main" xmlns="" w="9525">
                     <a:solidFill>
                       <a:srgbClr val="000000"/>
                     </a:solidFill>
@@ -14674,7 +14780,7 @@
               </a:ln>
               <a:extLst>
                 <a:ext uri="{91240B29-F687-4f45-9708-019B960494DF}">
-                  <a14:hiddenLine xmlns="" xmlns:a14="http://schemas.microsoft.com/office/drawing/2010/main" w="9525">
+                  <a14:hiddenLine xmlns:a14="http://schemas.microsoft.com/office/drawing/2010/main" xmlns="" w="9525">
                     <a:solidFill>
                       <a:srgbClr val="000000"/>
                     </a:solidFill>
@@ -14739,7 +14845,7 @@
               </a:ln>
               <a:extLst>
                 <a:ext uri="{91240B29-F687-4f45-9708-019B960494DF}">
-                  <a14:hiddenLine xmlns="" xmlns:a14="http://schemas.microsoft.com/office/drawing/2010/main" w="9525">
+                  <a14:hiddenLine xmlns:a14="http://schemas.microsoft.com/office/drawing/2010/main" xmlns="" w="9525">
                     <a:solidFill>
                       <a:srgbClr val="000000"/>
                     </a:solidFill>
@@ -14801,7 +14907,7 @@
               </a:ln>
               <a:extLst>
                 <a:ext uri="{91240B29-F687-4f45-9708-019B960494DF}">
-                  <a14:hiddenLine xmlns="" xmlns:a14="http://schemas.microsoft.com/office/drawing/2010/main" w="9525">
+                  <a14:hiddenLine xmlns:a14="http://schemas.microsoft.com/office/drawing/2010/main" xmlns="" w="9525">
                     <a:solidFill>
                       <a:srgbClr val="000000"/>
                     </a:solidFill>
@@ -14891,7 +14997,7 @@
               </a:ln>
               <a:extLst>
                 <a:ext uri="{91240B29-F687-4f45-9708-019B960494DF}">
-                  <a14:hiddenLine xmlns="" xmlns:a14="http://schemas.microsoft.com/office/drawing/2010/main" w="9525">
+                  <a14:hiddenLine xmlns:a14="http://schemas.microsoft.com/office/drawing/2010/main" xmlns="" w="9525">
                     <a:solidFill>
                       <a:srgbClr val="000000"/>
                     </a:solidFill>
@@ -14981,7 +15087,7 @@
               </a:ln>
               <a:extLst>
                 <a:ext uri="{91240B29-F687-4f45-9708-019B960494DF}">
-                  <a14:hiddenLine xmlns="" xmlns:a14="http://schemas.microsoft.com/office/drawing/2010/main" w="9525">
+                  <a14:hiddenLine xmlns:a14="http://schemas.microsoft.com/office/drawing/2010/main" xmlns="" w="9525">
                     <a:solidFill>
                       <a:srgbClr val="000000"/>
                     </a:solidFill>
@@ -15046,7 +15152,7 @@
               </a:ln>
               <a:extLst>
                 <a:ext uri="{91240B29-F687-4f45-9708-019B960494DF}">
-                  <a14:hiddenLine xmlns="" xmlns:a14="http://schemas.microsoft.com/office/drawing/2010/main" w="9525">
+                  <a14:hiddenLine xmlns:a14="http://schemas.microsoft.com/office/drawing/2010/main" xmlns="" w="9525">
                     <a:solidFill>
                       <a:srgbClr val="000000"/>
                     </a:solidFill>
@@ -15166,7 +15272,7 @@
               </a:ln>
               <a:extLst>
                 <a:ext uri="{91240B29-F687-4f45-9708-019B960494DF}">
-                  <a14:hiddenLine xmlns="" xmlns:a14="http://schemas.microsoft.com/office/drawing/2010/main" w="9525">
+                  <a14:hiddenLine xmlns:a14="http://schemas.microsoft.com/office/drawing/2010/main" xmlns="" w="9525">
                     <a:solidFill>
                       <a:srgbClr val="000000"/>
                     </a:solidFill>
@@ -15247,7 +15353,7 @@
               </a:ln>
               <a:extLst>
                 <a:ext uri="{91240B29-F687-4f45-9708-019B960494DF}">
-                  <a14:hiddenLine xmlns="" xmlns:a14="http://schemas.microsoft.com/office/drawing/2010/main" w="9525">
+                  <a14:hiddenLine xmlns:a14="http://schemas.microsoft.com/office/drawing/2010/main" xmlns="" w="9525">
                     <a:solidFill>
                       <a:srgbClr val="000000"/>
                     </a:solidFill>
@@ -15362,7 +15468,7 @@
               </a:ln>
               <a:extLst>
                 <a:ext uri="{91240B29-F687-4f45-9708-019B960494DF}">
-                  <a14:hiddenLine xmlns="" xmlns:a14="http://schemas.microsoft.com/office/drawing/2010/main" w="9525">
+                  <a14:hiddenLine xmlns:a14="http://schemas.microsoft.com/office/drawing/2010/main" xmlns="" w="9525">
                     <a:solidFill>
                       <a:srgbClr val="000000"/>
                     </a:solidFill>
@@ -15452,7 +15558,7 @@
               </a:ln>
               <a:extLst>
                 <a:ext uri="{91240B29-F687-4f45-9708-019B960494DF}">
-                  <a14:hiddenLine xmlns="" xmlns:a14="http://schemas.microsoft.com/office/drawing/2010/main" w="9525">
+                  <a14:hiddenLine xmlns:a14="http://schemas.microsoft.com/office/drawing/2010/main" xmlns="" w="9525">
                     <a:solidFill>
                       <a:srgbClr val="000000"/>
                     </a:solidFill>
@@ -15517,7 +15623,7 @@
               </a:ln>
               <a:extLst>
                 <a:ext uri="{91240B29-F687-4f45-9708-019B960494DF}">
-                  <a14:hiddenLine xmlns="" xmlns:a14="http://schemas.microsoft.com/office/drawing/2010/main" w="9525">
+                  <a14:hiddenLine xmlns:a14="http://schemas.microsoft.com/office/drawing/2010/main" xmlns="" w="9525">
                     <a:solidFill>
                       <a:srgbClr val="000000"/>
                     </a:solidFill>
@@ -15607,7 +15713,7 @@
               </a:ln>
               <a:extLst>
                 <a:ext uri="{91240B29-F687-4f45-9708-019B960494DF}">
-                  <a14:hiddenLine xmlns="" xmlns:a14="http://schemas.microsoft.com/office/drawing/2010/main" w="9525">
+                  <a14:hiddenLine xmlns:a14="http://schemas.microsoft.com/office/drawing/2010/main" xmlns="" w="9525">
                     <a:solidFill>
                       <a:srgbClr val="000000"/>
                     </a:solidFill>
@@ -15675,7 +15781,7 @@
               </a:ln>
               <a:extLst>
                 <a:ext uri="{91240B29-F687-4f45-9708-019B960494DF}">
-                  <a14:hiddenLine xmlns="" xmlns:a14="http://schemas.microsoft.com/office/drawing/2010/main" w="9525">
+                  <a14:hiddenLine xmlns:a14="http://schemas.microsoft.com/office/drawing/2010/main" xmlns="" w="9525">
                     <a:solidFill>
                       <a:srgbClr val="000000"/>
                     </a:solidFill>
@@ -15765,7 +15871,7 @@
               </a:ln>
               <a:extLst>
                 <a:ext uri="{91240B29-F687-4f45-9708-019B960494DF}">
-                  <a14:hiddenLine xmlns="" xmlns:a14="http://schemas.microsoft.com/office/drawing/2010/main" w="9525">
+                  <a14:hiddenLine xmlns:a14="http://schemas.microsoft.com/office/drawing/2010/main" xmlns="" w="9525">
                     <a:solidFill>
                       <a:srgbClr val="000000"/>
                     </a:solidFill>
@@ -15833,7 +15939,7 @@
               </a:ln>
               <a:extLst>
                 <a:ext uri="{91240B29-F687-4f45-9708-019B960494DF}">
-                  <a14:hiddenLine xmlns="" xmlns:a14="http://schemas.microsoft.com/office/drawing/2010/main" w="9525">
+                  <a14:hiddenLine xmlns:a14="http://schemas.microsoft.com/office/drawing/2010/main" xmlns="" w="9525">
                     <a:solidFill>
                       <a:srgbClr val="000000"/>
                     </a:solidFill>
@@ -15923,7 +16029,7 @@
               </a:ln>
               <a:extLst>
                 <a:ext uri="{91240B29-F687-4f45-9708-019B960494DF}">
-                  <a14:hiddenLine xmlns="" xmlns:a14="http://schemas.microsoft.com/office/drawing/2010/main" w="9525">
+                  <a14:hiddenLine xmlns:a14="http://schemas.microsoft.com/office/drawing/2010/main" xmlns="" w="9525">
                     <a:solidFill>
                       <a:srgbClr val="000000"/>
                     </a:solidFill>
@@ -15957,7 +16063,7 @@
               </a:ln>
               <a:extLst>
                 <a:ext uri="{91240B29-F687-4f45-9708-019B960494DF}">
-                  <a14:hiddenLine xmlns="" xmlns:a14="http://schemas.microsoft.com/office/drawing/2010/main" w="9525">
+                  <a14:hiddenLine xmlns:a14="http://schemas.microsoft.com/office/drawing/2010/main" xmlns="" w="9525">
                     <a:solidFill>
                       <a:srgbClr val="000000"/>
                     </a:solidFill>
@@ -19183,6 +19289,26 @@
           </a:p>
           <a:p>
             <a:r>
+              <a:rPr lang="en-US" dirty="0"/>
+              <a:t>Da P </a:t>
+            </a:r>
+            <a:r>
+              <a:rPr lang="en-US" dirty="0" err="1"/>
+              <a:t>erfüllbar</a:t>
+            </a:r>
+            <a:r>
+              <a:rPr lang="en-US" dirty="0"/>
+              <a:t> </a:t>
+            </a:r>
+            <a:r>
+              <a:rPr lang="en-US" dirty="0" err="1"/>
+              <a:t>ist</a:t>
+            </a:r>
+            <a:r>
+              <a:rPr lang="en-US" dirty="0"/>
+              <a:t> gilt: </a:t>
+            </a:r>
+            <a:r>
               <a:rPr lang="en-US" dirty="0" err="1"/>
               <a:t>Jeder</a:t>
             </a:r>
@@ -19205,14 +19331,6 @@
             <a:r>
               <a:rPr lang="en-US" dirty="0"/>
               <a:t> p(Xi) </a:t>
-            </a:r>
-            <a:r>
-              <a:rPr lang="en-US" dirty="0" err="1"/>
-              <a:t>für</a:t>
-            </a:r>
-            <a:r>
-              <a:rPr lang="en-US" dirty="0"/>
-              <a:t> das Xi </a:t>
             </a:r>
             <a:r>
               <a:rPr lang="en-US" dirty="0" err="1"/>

--- a/src/resources/Hybride systeme_Jörn_seine_Teile.pptx
+++ b/src/resources/Hybride systeme_Jörn_seine_Teile.pptx
@@ -4360,7 +4360,7 @@
           <a:noFill/>
           <a:extLst>
             <a:ext uri="{909E8E84-426E-40dd-AFC4-6F175D3DCCD1}">
-              <a14:hiddenFill xmlns:a14="http://schemas.microsoft.com/office/drawing/2010/main" xmlns="">
+              <a14:hiddenFill xmlns="" xmlns:a14="http://schemas.microsoft.com/office/drawing/2010/main">
                 <a:solidFill>
                   <a:srgbClr val="FFFFFF"/>
                 </a:solidFill>
@@ -4419,7 +4419,7 @@
             </a:ln>
             <a:extLst>
               <a:ext uri="{91240B29-F687-4f45-9708-019B960494DF}">
-                <a14:hiddenLine xmlns:a14="http://schemas.microsoft.com/office/drawing/2010/main" xmlns="" w="9525">
+                <a14:hiddenLine xmlns="" xmlns:a14="http://schemas.microsoft.com/office/drawing/2010/main" w="9525">
                   <a:solidFill>
                     <a:srgbClr val="000000"/>
                   </a:solidFill>
@@ -4509,7 +4509,7 @@
             </a:ln>
             <a:extLst>
               <a:ext uri="{91240B29-F687-4f45-9708-019B960494DF}">
-                <a14:hiddenLine xmlns:a14="http://schemas.microsoft.com/office/drawing/2010/main" xmlns="" w="9525">
+                <a14:hiddenLine xmlns="" xmlns:a14="http://schemas.microsoft.com/office/drawing/2010/main" w="9525">
                   <a:solidFill>
                     <a:srgbClr val="000000"/>
                   </a:solidFill>
@@ -4599,7 +4599,7 @@
             </a:ln>
             <a:extLst>
               <a:ext uri="{91240B29-F687-4f45-9708-019B960494DF}">
-                <a14:hiddenLine xmlns:a14="http://schemas.microsoft.com/office/drawing/2010/main" xmlns="" w="9525">
+                <a14:hiddenLine xmlns="" xmlns:a14="http://schemas.microsoft.com/office/drawing/2010/main" w="9525">
                   <a:solidFill>
                     <a:srgbClr val="000000"/>
                   </a:solidFill>
@@ -4633,7 +4633,7 @@
             </a:ln>
             <a:extLst>
               <a:ext uri="{91240B29-F687-4f45-9708-019B960494DF}">
-                <a14:hiddenLine xmlns:a14="http://schemas.microsoft.com/office/drawing/2010/main" xmlns="" w="9525">
+                <a14:hiddenLine xmlns="" xmlns:a14="http://schemas.microsoft.com/office/drawing/2010/main" w="9525">
                   <a:solidFill>
                     <a:srgbClr val="000000"/>
                   </a:solidFill>
@@ -4723,7 +4723,7 @@
             </a:ln>
             <a:extLst>
               <a:ext uri="{91240B29-F687-4f45-9708-019B960494DF}">
-                <a14:hiddenLine xmlns:a14="http://schemas.microsoft.com/office/drawing/2010/main" xmlns="" w="9525">
+                <a14:hiddenLine xmlns="" xmlns:a14="http://schemas.microsoft.com/office/drawing/2010/main" w="9525">
                   <a:solidFill>
                     <a:srgbClr val="000000"/>
                   </a:solidFill>
@@ -4785,7 +4785,7 @@
             </a:ln>
             <a:extLst>
               <a:ext uri="{91240B29-F687-4f45-9708-019B960494DF}">
-                <a14:hiddenLine xmlns:a14="http://schemas.microsoft.com/office/drawing/2010/main" xmlns="" w="9525">
+                <a14:hiddenLine xmlns="" xmlns:a14="http://schemas.microsoft.com/office/drawing/2010/main" w="9525">
                   <a:solidFill>
                     <a:srgbClr val="000000"/>
                   </a:solidFill>
@@ -4847,7 +4847,7 @@
             </a:ln>
             <a:extLst>
               <a:ext uri="{91240B29-F687-4f45-9708-019B960494DF}">
-                <a14:hiddenLine xmlns:a14="http://schemas.microsoft.com/office/drawing/2010/main" xmlns="" w="9525">
+                <a14:hiddenLine xmlns="" xmlns:a14="http://schemas.microsoft.com/office/drawing/2010/main" w="9525">
                   <a:solidFill>
                     <a:srgbClr val="000000"/>
                   </a:solidFill>
@@ -4937,7 +4937,7 @@
             </a:ln>
             <a:extLst>
               <a:ext uri="{91240B29-F687-4f45-9708-019B960494DF}">
-                <a14:hiddenLine xmlns:a14="http://schemas.microsoft.com/office/drawing/2010/main" xmlns="" w="9525">
+                <a14:hiddenLine xmlns="" xmlns:a14="http://schemas.microsoft.com/office/drawing/2010/main" w="9525">
                   <a:solidFill>
                     <a:srgbClr val="000000"/>
                   </a:solidFill>
@@ -4999,7 +4999,7 @@
             </a:ln>
             <a:extLst>
               <a:ext uri="{91240B29-F687-4f45-9708-019B960494DF}">
-                <a14:hiddenLine xmlns:a14="http://schemas.microsoft.com/office/drawing/2010/main" xmlns="" w="9525">
+                <a14:hiddenLine xmlns="" xmlns:a14="http://schemas.microsoft.com/office/drawing/2010/main" w="9525">
                   <a:solidFill>
                     <a:srgbClr val="000000"/>
                   </a:solidFill>
@@ -5061,7 +5061,7 @@
             </a:ln>
             <a:extLst>
               <a:ext uri="{91240B29-F687-4f45-9708-019B960494DF}">
-                <a14:hiddenLine xmlns:a14="http://schemas.microsoft.com/office/drawing/2010/main" xmlns="" w="9525">
+                <a14:hiddenLine xmlns="" xmlns:a14="http://schemas.microsoft.com/office/drawing/2010/main" w="9525">
                   <a:solidFill>
                     <a:srgbClr val="000000"/>
                   </a:solidFill>
@@ -5151,7 +5151,7 @@
             </a:ln>
             <a:extLst>
               <a:ext uri="{91240B29-F687-4f45-9708-019B960494DF}">
-                <a14:hiddenLine xmlns:a14="http://schemas.microsoft.com/office/drawing/2010/main" xmlns="" w="9525">
+                <a14:hiddenLine xmlns="" xmlns:a14="http://schemas.microsoft.com/office/drawing/2010/main" w="9525">
                   <a:solidFill>
                     <a:srgbClr val="000000"/>
                   </a:solidFill>
@@ -5241,7 +5241,7 @@
             </a:ln>
             <a:extLst>
               <a:ext uri="{91240B29-F687-4f45-9708-019B960494DF}">
-                <a14:hiddenLine xmlns:a14="http://schemas.microsoft.com/office/drawing/2010/main" xmlns="" w="9525">
+                <a14:hiddenLine xmlns="" xmlns:a14="http://schemas.microsoft.com/office/drawing/2010/main" w="9525">
                   <a:solidFill>
                     <a:srgbClr val="000000"/>
                   </a:solidFill>
@@ -5303,7 +5303,7 @@
             </a:ln>
             <a:extLst>
               <a:ext uri="{91240B29-F687-4f45-9708-019B960494DF}">
-                <a14:hiddenLine xmlns:a14="http://schemas.microsoft.com/office/drawing/2010/main" xmlns="" w="9525">
+                <a14:hiddenLine xmlns="" xmlns:a14="http://schemas.microsoft.com/office/drawing/2010/main" w="9525">
                   <a:solidFill>
                     <a:srgbClr val="000000"/>
                   </a:solidFill>
@@ -5413,7 +5413,7 @@
             </a:ln>
             <a:extLst>
               <a:ext uri="{91240B29-F687-4f45-9708-019B960494DF}">
-                <a14:hiddenLine xmlns:a14="http://schemas.microsoft.com/office/drawing/2010/main" xmlns="" w="9525">
+                <a14:hiddenLine xmlns="" xmlns:a14="http://schemas.microsoft.com/office/drawing/2010/main" w="9525">
                   <a:solidFill>
                     <a:srgbClr val="000000"/>
                   </a:solidFill>
@@ -5475,7 +5475,7 @@
             </a:ln>
             <a:extLst>
               <a:ext uri="{91240B29-F687-4f45-9708-019B960494DF}">
-                <a14:hiddenLine xmlns:a14="http://schemas.microsoft.com/office/drawing/2010/main" xmlns="" w="9525">
+                <a14:hiddenLine xmlns="" xmlns:a14="http://schemas.microsoft.com/office/drawing/2010/main" w="9525">
                   <a:solidFill>
                     <a:srgbClr val="000000"/>
                   </a:solidFill>
@@ -5565,7 +5565,7 @@
             </a:ln>
             <a:extLst>
               <a:ext uri="{91240B29-F687-4f45-9708-019B960494DF}">
-                <a14:hiddenLine xmlns:a14="http://schemas.microsoft.com/office/drawing/2010/main" xmlns="" w="9525">
+                <a14:hiddenLine xmlns="" xmlns:a14="http://schemas.microsoft.com/office/drawing/2010/main" w="9525">
                   <a:solidFill>
                     <a:srgbClr val="000000"/>
                   </a:solidFill>
@@ -5655,7 +5655,7 @@
             </a:ln>
             <a:extLst>
               <a:ext uri="{91240B29-F687-4f45-9708-019B960494DF}">
-                <a14:hiddenLine xmlns:a14="http://schemas.microsoft.com/office/drawing/2010/main" xmlns="" w="9525">
+                <a14:hiddenLine xmlns="" xmlns:a14="http://schemas.microsoft.com/office/drawing/2010/main" w="9525">
                   <a:solidFill>
                     <a:srgbClr val="000000"/>
                   </a:solidFill>
@@ -5717,7 +5717,7 @@
             </a:ln>
             <a:extLst>
               <a:ext uri="{91240B29-F687-4f45-9708-019B960494DF}">
-                <a14:hiddenLine xmlns:a14="http://schemas.microsoft.com/office/drawing/2010/main" xmlns="" w="9525">
+                <a14:hiddenLine xmlns="" xmlns:a14="http://schemas.microsoft.com/office/drawing/2010/main" w="9525">
                   <a:solidFill>
                     <a:srgbClr val="000000"/>
                   </a:solidFill>
@@ -5807,7 +5807,7 @@
             </a:ln>
             <a:extLst>
               <a:ext uri="{91240B29-F687-4f45-9708-019B960494DF}">
-                <a14:hiddenLine xmlns:a14="http://schemas.microsoft.com/office/drawing/2010/main" xmlns="" w="9525">
+                <a14:hiddenLine xmlns="" xmlns:a14="http://schemas.microsoft.com/office/drawing/2010/main" w="9525">
                   <a:solidFill>
                     <a:srgbClr val="000000"/>
                   </a:solidFill>
@@ -5897,7 +5897,7 @@
             </a:ln>
             <a:extLst>
               <a:ext uri="{91240B29-F687-4f45-9708-019B960494DF}">
-                <a14:hiddenLine xmlns:a14="http://schemas.microsoft.com/office/drawing/2010/main" xmlns="" w="9525">
+                <a14:hiddenLine xmlns="" xmlns:a14="http://schemas.microsoft.com/office/drawing/2010/main" w="9525">
                   <a:solidFill>
                     <a:srgbClr val="000000"/>
                   </a:solidFill>
@@ -5953,7 +5953,7 @@
             </a:ln>
             <a:extLst>
               <a:ext uri="{91240B29-F687-4f45-9708-019B960494DF}">
-                <a14:hiddenLine xmlns:a14="http://schemas.microsoft.com/office/drawing/2010/main" xmlns="" w="9525">
+                <a14:hiddenLine xmlns="" xmlns:a14="http://schemas.microsoft.com/office/drawing/2010/main" w="9525">
                   <a:solidFill>
                     <a:srgbClr val="000000"/>
                   </a:solidFill>
@@ -6043,7 +6043,7 @@
             </a:ln>
             <a:extLst>
               <a:ext uri="{91240B29-F687-4f45-9708-019B960494DF}">
-                <a14:hiddenLine xmlns:a14="http://schemas.microsoft.com/office/drawing/2010/main" xmlns="" w="9525">
+                <a14:hiddenLine xmlns="" xmlns:a14="http://schemas.microsoft.com/office/drawing/2010/main" w="9525">
                   <a:solidFill>
                     <a:srgbClr val="000000"/>
                   </a:solidFill>
@@ -6099,7 +6099,7 @@
             </a:ln>
             <a:extLst>
               <a:ext uri="{91240B29-F687-4f45-9708-019B960494DF}">
-                <a14:hiddenLine xmlns:a14="http://schemas.microsoft.com/office/drawing/2010/main" xmlns="" w="9525">
+                <a14:hiddenLine xmlns="" xmlns:a14="http://schemas.microsoft.com/office/drawing/2010/main" w="9525">
                   <a:solidFill>
                     <a:srgbClr val="000000"/>
                   </a:solidFill>
@@ -6189,7 +6189,7 @@
             </a:ln>
             <a:extLst>
               <a:ext uri="{91240B29-F687-4f45-9708-019B960494DF}">
-                <a14:hiddenLine xmlns:a14="http://schemas.microsoft.com/office/drawing/2010/main" xmlns="" w="9525">
+                <a14:hiddenLine xmlns="" xmlns:a14="http://schemas.microsoft.com/office/drawing/2010/main" w="9525">
                   <a:solidFill>
                     <a:srgbClr val="000000"/>
                   </a:solidFill>
@@ -6257,7 +6257,7 @@
             </a:ln>
             <a:extLst>
               <a:ext uri="{91240B29-F687-4f45-9708-019B960494DF}">
-                <a14:hiddenLine xmlns:a14="http://schemas.microsoft.com/office/drawing/2010/main" xmlns="" w="9525">
+                <a14:hiddenLine xmlns="" xmlns:a14="http://schemas.microsoft.com/office/drawing/2010/main" w="9525">
                   <a:solidFill>
                     <a:srgbClr val="000000"/>
                   </a:solidFill>
@@ -6347,7 +6347,7 @@
             </a:ln>
             <a:extLst>
               <a:ext uri="{91240B29-F687-4f45-9708-019B960494DF}">
-                <a14:hiddenLine xmlns:a14="http://schemas.microsoft.com/office/drawing/2010/main" xmlns="" w="9525">
+                <a14:hiddenLine xmlns="" xmlns:a14="http://schemas.microsoft.com/office/drawing/2010/main" w="9525">
                   <a:solidFill>
                     <a:srgbClr val="000000"/>
                   </a:solidFill>
@@ -6415,7 +6415,7 @@
             </a:ln>
             <a:extLst>
               <a:ext uri="{91240B29-F687-4f45-9708-019B960494DF}">
-                <a14:hiddenLine xmlns:a14="http://schemas.microsoft.com/office/drawing/2010/main" xmlns="" w="9525">
+                <a14:hiddenLine xmlns="" xmlns:a14="http://schemas.microsoft.com/office/drawing/2010/main" w="9525">
                   <a:solidFill>
                     <a:srgbClr val="000000"/>
                   </a:solidFill>
@@ -6505,7 +6505,7 @@
             </a:ln>
             <a:extLst>
               <a:ext uri="{91240B29-F687-4f45-9708-019B960494DF}">
-                <a14:hiddenLine xmlns:a14="http://schemas.microsoft.com/office/drawing/2010/main" xmlns="" w="9525">
+                <a14:hiddenLine xmlns="" xmlns:a14="http://schemas.microsoft.com/office/drawing/2010/main" w="9525">
                   <a:solidFill>
                     <a:srgbClr val="000000"/>
                   </a:solidFill>
@@ -6539,7 +6539,7 @@
             </a:ln>
             <a:extLst>
               <a:ext uri="{91240B29-F687-4f45-9708-019B960494DF}">
-                <a14:hiddenLine xmlns:a14="http://schemas.microsoft.com/office/drawing/2010/main" xmlns="" w="9525">
+                <a14:hiddenLine xmlns="" xmlns:a14="http://schemas.microsoft.com/office/drawing/2010/main" w="9525">
                   <a:solidFill>
                     <a:srgbClr val="000000"/>
                   </a:solidFill>
@@ -6629,7 +6629,7 @@
             </a:ln>
             <a:extLst>
               <a:ext uri="{91240B29-F687-4f45-9708-019B960494DF}">
-                <a14:hiddenLine xmlns:a14="http://schemas.microsoft.com/office/drawing/2010/main" xmlns="" w="9525">
+                <a14:hiddenLine xmlns="" xmlns:a14="http://schemas.microsoft.com/office/drawing/2010/main" w="9525">
                   <a:solidFill>
                     <a:srgbClr val="000000"/>
                   </a:solidFill>
@@ -6691,7 +6691,7 @@
             </a:ln>
             <a:extLst>
               <a:ext uri="{91240B29-F687-4f45-9708-019B960494DF}">
-                <a14:hiddenLine xmlns:a14="http://schemas.microsoft.com/office/drawing/2010/main" xmlns="" w="9525">
+                <a14:hiddenLine xmlns="" xmlns:a14="http://schemas.microsoft.com/office/drawing/2010/main" w="9525">
                   <a:solidFill>
                     <a:srgbClr val="000000"/>
                   </a:solidFill>
@@ -6753,7 +6753,7 @@
             </a:ln>
             <a:extLst>
               <a:ext uri="{91240B29-F687-4f45-9708-019B960494DF}">
-                <a14:hiddenLine xmlns:a14="http://schemas.microsoft.com/office/drawing/2010/main" xmlns="" w="9525">
+                <a14:hiddenLine xmlns="" xmlns:a14="http://schemas.microsoft.com/office/drawing/2010/main" w="9525">
                   <a:solidFill>
                     <a:srgbClr val="000000"/>
                   </a:solidFill>
@@ -6843,7 +6843,7 @@
             </a:ln>
             <a:extLst>
               <a:ext uri="{91240B29-F687-4f45-9708-019B960494DF}">
-                <a14:hiddenLine xmlns:a14="http://schemas.microsoft.com/office/drawing/2010/main" xmlns="" w="9525">
+                <a14:hiddenLine xmlns="" xmlns:a14="http://schemas.microsoft.com/office/drawing/2010/main" w="9525">
                   <a:solidFill>
                     <a:srgbClr val="000000"/>
                   </a:solidFill>
@@ -6911,7 +6911,7 @@
             </a:ln>
             <a:extLst>
               <a:ext uri="{91240B29-F687-4f45-9708-019B960494DF}">
-                <a14:hiddenLine xmlns:a14="http://schemas.microsoft.com/office/drawing/2010/main" xmlns="" w="9525">
+                <a14:hiddenLine xmlns="" xmlns:a14="http://schemas.microsoft.com/office/drawing/2010/main" w="9525">
                   <a:solidFill>
                     <a:srgbClr val="000000"/>
                   </a:solidFill>
@@ -6973,7 +6973,7 @@
             </a:ln>
             <a:extLst>
               <a:ext uri="{91240B29-F687-4f45-9708-019B960494DF}">
-                <a14:hiddenLine xmlns:a14="http://schemas.microsoft.com/office/drawing/2010/main" xmlns="" w="9525">
+                <a14:hiddenLine xmlns="" xmlns:a14="http://schemas.microsoft.com/office/drawing/2010/main" w="9525">
                   <a:solidFill>
                     <a:srgbClr val="000000"/>
                   </a:solidFill>
@@ -7063,7 +7063,7 @@
             </a:ln>
             <a:extLst>
               <a:ext uri="{91240B29-F687-4f45-9708-019B960494DF}">
-                <a14:hiddenLine xmlns:a14="http://schemas.microsoft.com/office/drawing/2010/main" xmlns="" w="9525">
+                <a14:hiddenLine xmlns="" xmlns:a14="http://schemas.microsoft.com/office/drawing/2010/main" w="9525">
                   <a:solidFill>
                     <a:srgbClr val="000000"/>
                   </a:solidFill>
@@ -7125,7 +7125,7 @@
             </a:ln>
             <a:extLst>
               <a:ext uri="{91240B29-F687-4f45-9708-019B960494DF}">
-                <a14:hiddenLine xmlns:a14="http://schemas.microsoft.com/office/drawing/2010/main" xmlns="" w="9525">
+                <a14:hiddenLine xmlns="" xmlns:a14="http://schemas.microsoft.com/office/drawing/2010/main" w="9525">
                   <a:solidFill>
                     <a:srgbClr val="000000"/>
                   </a:solidFill>
@@ -7215,7 +7215,7 @@
             </a:ln>
             <a:extLst>
               <a:ext uri="{91240B29-F687-4f45-9708-019B960494DF}">
-                <a14:hiddenLine xmlns:a14="http://schemas.microsoft.com/office/drawing/2010/main" xmlns="" w="9525">
+                <a14:hiddenLine xmlns="" xmlns:a14="http://schemas.microsoft.com/office/drawing/2010/main" w="9525">
                   <a:solidFill>
                     <a:srgbClr val="000000"/>
                   </a:solidFill>
@@ -7277,7 +7277,7 @@
             </a:ln>
             <a:extLst>
               <a:ext uri="{91240B29-F687-4f45-9708-019B960494DF}">
-                <a14:hiddenLine xmlns:a14="http://schemas.microsoft.com/office/drawing/2010/main" xmlns="" w="9525">
+                <a14:hiddenLine xmlns="" xmlns:a14="http://schemas.microsoft.com/office/drawing/2010/main" w="9525">
                   <a:solidFill>
                     <a:srgbClr val="000000"/>
                   </a:solidFill>
@@ -7367,7 +7367,7 @@
             </a:ln>
             <a:extLst>
               <a:ext uri="{91240B29-F687-4f45-9708-019B960494DF}">
-                <a14:hiddenLine xmlns:a14="http://schemas.microsoft.com/office/drawing/2010/main" xmlns="" w="9525">
+                <a14:hiddenLine xmlns="" xmlns:a14="http://schemas.microsoft.com/office/drawing/2010/main" w="9525">
                   <a:solidFill>
                     <a:srgbClr val="000000"/>
                   </a:solidFill>
@@ -7401,7 +7401,7 @@
             </a:ln>
             <a:extLst>
               <a:ext uri="{91240B29-F687-4f45-9708-019B960494DF}">
-                <a14:hiddenLine xmlns:a14="http://schemas.microsoft.com/office/drawing/2010/main" xmlns="" w="9525">
+                <a14:hiddenLine xmlns="" xmlns:a14="http://schemas.microsoft.com/office/drawing/2010/main" w="9525">
                   <a:solidFill>
                     <a:srgbClr val="000000"/>
                   </a:solidFill>
@@ -7466,7 +7466,7 @@
             </a:ln>
             <a:extLst>
               <a:ext uri="{91240B29-F687-4f45-9708-019B960494DF}">
-                <a14:hiddenLine xmlns:a14="http://schemas.microsoft.com/office/drawing/2010/main" xmlns="" w="9525">
+                <a14:hiddenLine xmlns="" xmlns:a14="http://schemas.microsoft.com/office/drawing/2010/main" w="9525">
                   <a:solidFill>
                     <a:srgbClr val="000000"/>
                   </a:solidFill>
@@ -7556,7 +7556,7 @@
             </a:ln>
             <a:extLst>
               <a:ext uri="{91240B29-F687-4f45-9708-019B960494DF}">
-                <a14:hiddenLine xmlns:a14="http://schemas.microsoft.com/office/drawing/2010/main" xmlns="" w="9525">
+                <a14:hiddenLine xmlns="" xmlns:a14="http://schemas.microsoft.com/office/drawing/2010/main" w="9525">
                   <a:solidFill>
                     <a:srgbClr val="000000"/>
                   </a:solidFill>
@@ -7618,7 +7618,7 @@
             </a:ln>
             <a:extLst>
               <a:ext uri="{91240B29-F687-4f45-9708-019B960494DF}">
-                <a14:hiddenLine xmlns:a14="http://schemas.microsoft.com/office/drawing/2010/main" xmlns="" w="9525">
+                <a14:hiddenLine xmlns="" xmlns:a14="http://schemas.microsoft.com/office/drawing/2010/main" w="9525">
                   <a:solidFill>
                     <a:srgbClr val="000000"/>
                   </a:solidFill>
@@ -7708,7 +7708,7 @@
             </a:ln>
             <a:extLst>
               <a:ext uri="{91240B29-F687-4f45-9708-019B960494DF}">
-                <a14:hiddenLine xmlns:a14="http://schemas.microsoft.com/office/drawing/2010/main" xmlns="" w="9525">
+                <a14:hiddenLine xmlns="" xmlns:a14="http://schemas.microsoft.com/office/drawing/2010/main" w="9525">
                   <a:solidFill>
                     <a:srgbClr val="000000"/>
                   </a:solidFill>
@@ -7798,7 +7798,7 @@
             </a:ln>
             <a:extLst>
               <a:ext uri="{91240B29-F687-4f45-9708-019B960494DF}">
-                <a14:hiddenLine xmlns:a14="http://schemas.microsoft.com/office/drawing/2010/main" xmlns="" w="9525">
+                <a14:hiddenLine xmlns="" xmlns:a14="http://schemas.microsoft.com/office/drawing/2010/main" w="9525">
                   <a:solidFill>
                     <a:srgbClr val="000000"/>
                   </a:solidFill>
@@ -7863,7 +7863,7 @@
             </a:ln>
             <a:extLst>
               <a:ext uri="{91240B29-F687-4f45-9708-019B960494DF}">
-                <a14:hiddenLine xmlns:a14="http://schemas.microsoft.com/office/drawing/2010/main" xmlns="" w="9525">
+                <a14:hiddenLine xmlns="" xmlns:a14="http://schemas.microsoft.com/office/drawing/2010/main" w="9525">
                   <a:solidFill>
                     <a:srgbClr val="000000"/>
                   </a:solidFill>
@@ -7925,7 +7925,7 @@
             </a:ln>
             <a:extLst>
               <a:ext uri="{91240B29-F687-4f45-9708-019B960494DF}">
-                <a14:hiddenLine xmlns:a14="http://schemas.microsoft.com/office/drawing/2010/main" xmlns="" w="9525">
+                <a14:hiddenLine xmlns="" xmlns:a14="http://schemas.microsoft.com/office/drawing/2010/main" w="9525">
                   <a:solidFill>
                     <a:srgbClr val="000000"/>
                   </a:solidFill>
@@ -8015,7 +8015,7 @@
             </a:ln>
             <a:extLst>
               <a:ext uri="{91240B29-F687-4f45-9708-019B960494DF}">
-                <a14:hiddenLine xmlns:a14="http://schemas.microsoft.com/office/drawing/2010/main" xmlns="" w="9525">
+                <a14:hiddenLine xmlns="" xmlns:a14="http://schemas.microsoft.com/office/drawing/2010/main" w="9525">
                   <a:solidFill>
                     <a:srgbClr val="000000"/>
                   </a:solidFill>
@@ -8105,7 +8105,7 @@
             </a:ln>
             <a:extLst>
               <a:ext uri="{91240B29-F687-4f45-9708-019B960494DF}">
-                <a14:hiddenLine xmlns:a14="http://schemas.microsoft.com/office/drawing/2010/main" xmlns="" w="9525">
+                <a14:hiddenLine xmlns="" xmlns:a14="http://schemas.microsoft.com/office/drawing/2010/main" w="9525">
                   <a:solidFill>
                     <a:srgbClr val="000000"/>
                   </a:solidFill>
@@ -8167,7 +8167,7 @@
             </a:ln>
             <a:extLst>
               <a:ext uri="{91240B29-F687-4f45-9708-019B960494DF}">
-                <a14:hiddenLine xmlns:a14="http://schemas.microsoft.com/office/drawing/2010/main" xmlns="" w="9525">
+                <a14:hiddenLine xmlns="" xmlns:a14="http://schemas.microsoft.com/office/drawing/2010/main" w="9525">
                   <a:solidFill>
                     <a:srgbClr val="000000"/>
                   </a:solidFill>
@@ -8287,7 +8287,7 @@
             </a:ln>
             <a:extLst>
               <a:ext uri="{91240B29-F687-4f45-9708-019B960494DF}">
-                <a14:hiddenLine xmlns:a14="http://schemas.microsoft.com/office/drawing/2010/main" xmlns="" w="9525">
+                <a14:hiddenLine xmlns="" xmlns:a14="http://schemas.microsoft.com/office/drawing/2010/main" w="9525">
                   <a:solidFill>
                     <a:srgbClr val="000000"/>
                   </a:solidFill>
@@ -8355,7 +8355,7 @@
             </a:ln>
             <a:extLst>
               <a:ext uri="{91240B29-F687-4f45-9708-019B960494DF}">
-                <a14:hiddenLine xmlns:a14="http://schemas.microsoft.com/office/drawing/2010/main" xmlns="" w="9525">
+                <a14:hiddenLine xmlns="" xmlns:a14="http://schemas.microsoft.com/office/drawing/2010/main" w="9525">
                   <a:solidFill>
                     <a:srgbClr val="000000"/>
                   </a:solidFill>
@@ -8445,7 +8445,7 @@
             </a:ln>
             <a:extLst>
               <a:ext uri="{91240B29-F687-4f45-9708-019B960494DF}">
-                <a14:hiddenLine xmlns:a14="http://schemas.microsoft.com/office/drawing/2010/main" xmlns="" w="9525">
+                <a14:hiddenLine xmlns="" xmlns:a14="http://schemas.microsoft.com/office/drawing/2010/main" w="9525">
                   <a:solidFill>
                     <a:srgbClr val="000000"/>
                   </a:solidFill>
@@ -13259,7 +13259,7 @@
           <a:noFill/>
           <a:extLst>
             <a:ext uri="{909E8E84-426E-40dd-AFC4-6F175D3DCCD1}">
-              <a14:hiddenFill xmlns:a14="http://schemas.microsoft.com/office/drawing/2010/main" xmlns="">
+              <a14:hiddenFill xmlns="" xmlns:a14="http://schemas.microsoft.com/office/drawing/2010/main">
                 <a:solidFill>
                   <a:srgbClr val="FFFFFF"/>
                 </a:solidFill>
@@ -13333,7 +13333,7 @@
               </a:ln>
               <a:extLst>
                 <a:ext uri="{91240B29-F687-4f45-9708-019B960494DF}">
-                  <a14:hiddenLine xmlns:a14="http://schemas.microsoft.com/office/drawing/2010/main" xmlns="" w="9525">
+                  <a14:hiddenLine xmlns="" xmlns:a14="http://schemas.microsoft.com/office/drawing/2010/main" w="9525">
                     <a:solidFill>
                       <a:srgbClr val="000000"/>
                     </a:solidFill>
@@ -13423,7 +13423,7 @@
               </a:ln>
               <a:extLst>
                 <a:ext uri="{91240B29-F687-4f45-9708-019B960494DF}">
-                  <a14:hiddenLine xmlns:a14="http://schemas.microsoft.com/office/drawing/2010/main" xmlns="" w="9525">
+                  <a14:hiddenLine xmlns="" xmlns:a14="http://schemas.microsoft.com/office/drawing/2010/main" w="9525">
                     <a:solidFill>
                       <a:srgbClr val="000000"/>
                     </a:solidFill>
@@ -13513,7 +13513,7 @@
               </a:ln>
               <a:extLst>
                 <a:ext uri="{91240B29-F687-4f45-9708-019B960494DF}">
-                  <a14:hiddenLine xmlns:a14="http://schemas.microsoft.com/office/drawing/2010/main" xmlns="" w="9525">
+                  <a14:hiddenLine xmlns="" xmlns:a14="http://schemas.microsoft.com/office/drawing/2010/main" w="9525">
                     <a:solidFill>
                       <a:srgbClr val="000000"/>
                     </a:solidFill>
@@ -13575,7 +13575,7 @@
               </a:ln>
               <a:extLst>
                 <a:ext uri="{91240B29-F687-4f45-9708-019B960494DF}">
-                  <a14:hiddenLine xmlns:a14="http://schemas.microsoft.com/office/drawing/2010/main" xmlns="" w="9525">
+                  <a14:hiddenLine xmlns="" xmlns:a14="http://schemas.microsoft.com/office/drawing/2010/main" w="9525">
                     <a:solidFill>
                       <a:srgbClr val="000000"/>
                     </a:solidFill>
@@ -13665,7 +13665,7 @@
               </a:ln>
               <a:extLst>
                 <a:ext uri="{91240B29-F687-4f45-9708-019B960494DF}">
-                  <a14:hiddenLine xmlns:a14="http://schemas.microsoft.com/office/drawing/2010/main" xmlns="" w="9525">
+                  <a14:hiddenLine xmlns="" xmlns:a14="http://schemas.microsoft.com/office/drawing/2010/main" w="9525">
                     <a:solidFill>
                       <a:srgbClr val="000000"/>
                     </a:solidFill>
@@ -13727,7 +13727,7 @@
               </a:ln>
               <a:extLst>
                 <a:ext uri="{91240B29-F687-4f45-9708-019B960494DF}">
-                  <a14:hiddenLine xmlns:a14="http://schemas.microsoft.com/office/drawing/2010/main" xmlns="" w="9525">
+                  <a14:hiddenLine xmlns="" xmlns:a14="http://schemas.microsoft.com/office/drawing/2010/main" w="9525">
                     <a:solidFill>
                       <a:srgbClr val="000000"/>
                     </a:solidFill>
@@ -13789,7 +13789,7 @@
               </a:ln>
               <a:extLst>
                 <a:ext uri="{91240B29-F687-4f45-9708-019B960494DF}">
-                  <a14:hiddenLine xmlns:a14="http://schemas.microsoft.com/office/drawing/2010/main" xmlns="" w="9525">
+                  <a14:hiddenLine xmlns="" xmlns:a14="http://schemas.microsoft.com/office/drawing/2010/main" w="9525">
                     <a:solidFill>
                       <a:srgbClr val="000000"/>
                     </a:solidFill>
@@ -13879,7 +13879,7 @@
               </a:ln>
               <a:extLst>
                 <a:ext uri="{91240B29-F687-4f45-9708-019B960494DF}">
-                  <a14:hiddenLine xmlns:a14="http://schemas.microsoft.com/office/drawing/2010/main" xmlns="" w="9525">
+                  <a14:hiddenLine xmlns="" xmlns:a14="http://schemas.microsoft.com/office/drawing/2010/main" w="9525">
                     <a:solidFill>
                       <a:srgbClr val="000000"/>
                     </a:solidFill>
@@ -13969,7 +13969,7 @@
               </a:ln>
               <a:extLst>
                 <a:ext uri="{91240B29-F687-4f45-9708-019B960494DF}">
-                  <a14:hiddenLine xmlns:a14="http://schemas.microsoft.com/office/drawing/2010/main" xmlns="" w="9525">
+                  <a14:hiddenLine xmlns="" xmlns:a14="http://schemas.microsoft.com/office/drawing/2010/main" w="9525">
                     <a:solidFill>
                       <a:srgbClr val="000000"/>
                     </a:solidFill>
@@ -14031,7 +14031,7 @@
               </a:ln>
               <a:extLst>
                 <a:ext uri="{91240B29-F687-4f45-9708-019B960494DF}">
-                  <a14:hiddenLine xmlns:a14="http://schemas.microsoft.com/office/drawing/2010/main" xmlns="" w="9525">
+                  <a14:hiddenLine xmlns="" xmlns:a14="http://schemas.microsoft.com/office/drawing/2010/main" w="9525">
                     <a:solidFill>
                       <a:srgbClr val="000000"/>
                     </a:solidFill>
@@ -14141,7 +14141,7 @@
               </a:ln>
               <a:extLst>
                 <a:ext uri="{91240B29-F687-4f45-9708-019B960494DF}">
-                  <a14:hiddenLine xmlns:a14="http://schemas.microsoft.com/office/drawing/2010/main" xmlns="" w="9525">
+                  <a14:hiddenLine xmlns="" xmlns:a14="http://schemas.microsoft.com/office/drawing/2010/main" w="9525">
                     <a:solidFill>
                       <a:srgbClr val="000000"/>
                     </a:solidFill>
@@ -14225,7 +14225,7 @@
               </a:ln>
               <a:extLst>
                 <a:ext uri="{91240B29-F687-4f45-9708-019B960494DF}">
-                  <a14:hiddenLine xmlns:a14="http://schemas.microsoft.com/office/drawing/2010/main" xmlns="" w="9525">
+                  <a14:hiddenLine xmlns="" xmlns:a14="http://schemas.microsoft.com/office/drawing/2010/main" w="9525">
                     <a:solidFill>
                       <a:srgbClr val="000000"/>
                     </a:solidFill>
@@ -14287,7 +14287,7 @@
               </a:ln>
               <a:extLst>
                 <a:ext uri="{91240B29-F687-4f45-9708-019B960494DF}">
-                  <a14:hiddenLine xmlns:a14="http://schemas.microsoft.com/office/drawing/2010/main" xmlns="" w="9525">
+                  <a14:hiddenLine xmlns="" xmlns:a14="http://schemas.microsoft.com/office/drawing/2010/main" w="9525">
                     <a:solidFill>
                       <a:srgbClr val="000000"/>
                     </a:solidFill>
@@ -14349,7 +14349,7 @@
               </a:ln>
               <a:extLst>
                 <a:ext uri="{91240B29-F687-4f45-9708-019B960494DF}">
-                  <a14:hiddenLine xmlns:a14="http://schemas.microsoft.com/office/drawing/2010/main" xmlns="" w="9525">
+                  <a14:hiddenLine xmlns="" xmlns:a14="http://schemas.microsoft.com/office/drawing/2010/main" w="9525">
                     <a:solidFill>
                       <a:srgbClr val="000000"/>
                     </a:solidFill>
@@ -14439,7 +14439,7 @@
               </a:ln>
               <a:extLst>
                 <a:ext uri="{91240B29-F687-4f45-9708-019B960494DF}">
-                  <a14:hiddenLine xmlns:a14="http://schemas.microsoft.com/office/drawing/2010/main" xmlns="" w="9525">
+                  <a14:hiddenLine xmlns="" xmlns:a14="http://schemas.microsoft.com/office/drawing/2010/main" w="9525">
                     <a:solidFill>
                       <a:srgbClr val="000000"/>
                     </a:solidFill>
@@ -14473,7 +14473,7 @@
               </a:ln>
               <a:extLst>
                 <a:ext uri="{91240B29-F687-4f45-9708-019B960494DF}">
-                  <a14:hiddenLine xmlns:a14="http://schemas.microsoft.com/office/drawing/2010/main" xmlns="" w="9525">
+                  <a14:hiddenLine xmlns="" xmlns:a14="http://schemas.microsoft.com/office/drawing/2010/main" w="9525">
                     <a:solidFill>
                       <a:srgbClr val="000000"/>
                     </a:solidFill>
@@ -14538,7 +14538,7 @@
               </a:ln>
               <a:extLst>
                 <a:ext uri="{91240B29-F687-4f45-9708-019B960494DF}">
-                  <a14:hiddenLine xmlns:a14="http://schemas.microsoft.com/office/drawing/2010/main" xmlns="" w="9525">
+                  <a14:hiddenLine xmlns="" xmlns:a14="http://schemas.microsoft.com/office/drawing/2010/main" w="9525">
                     <a:solidFill>
                       <a:srgbClr val="000000"/>
                     </a:solidFill>
@@ -14628,7 +14628,7 @@
               </a:ln>
               <a:extLst>
                 <a:ext uri="{91240B29-F687-4f45-9708-019B960494DF}">
-                  <a14:hiddenLine xmlns:a14="http://schemas.microsoft.com/office/drawing/2010/main" xmlns="" w="9525">
+                  <a14:hiddenLine xmlns="" xmlns:a14="http://schemas.microsoft.com/office/drawing/2010/main" w="9525">
                     <a:solidFill>
                       <a:srgbClr val="000000"/>
                     </a:solidFill>
@@ -14690,7 +14690,7 @@
               </a:ln>
               <a:extLst>
                 <a:ext uri="{91240B29-F687-4f45-9708-019B960494DF}">
-                  <a14:hiddenLine xmlns:a14="http://schemas.microsoft.com/office/drawing/2010/main" xmlns="" w="9525">
+                  <a14:hiddenLine xmlns="" xmlns:a14="http://schemas.microsoft.com/office/drawing/2010/main" w="9525">
                     <a:solidFill>
                       <a:srgbClr val="000000"/>
                     </a:solidFill>
@@ -14780,7 +14780,7 @@
               </a:ln>
               <a:extLst>
                 <a:ext uri="{91240B29-F687-4f45-9708-019B960494DF}">
-                  <a14:hiddenLine xmlns:a14="http://schemas.microsoft.com/office/drawing/2010/main" xmlns="" w="9525">
+                  <a14:hiddenLine xmlns="" xmlns:a14="http://schemas.microsoft.com/office/drawing/2010/main" w="9525">
                     <a:solidFill>
                       <a:srgbClr val="000000"/>
                     </a:solidFill>
@@ -14845,7 +14845,7 @@
               </a:ln>
               <a:extLst>
                 <a:ext uri="{91240B29-F687-4f45-9708-019B960494DF}">
-                  <a14:hiddenLine xmlns:a14="http://schemas.microsoft.com/office/drawing/2010/main" xmlns="" w="9525">
+                  <a14:hiddenLine xmlns="" xmlns:a14="http://schemas.microsoft.com/office/drawing/2010/main" w="9525">
                     <a:solidFill>
                       <a:srgbClr val="000000"/>
                     </a:solidFill>
@@ -14907,7 +14907,7 @@
               </a:ln>
               <a:extLst>
                 <a:ext uri="{91240B29-F687-4f45-9708-019B960494DF}">
-                  <a14:hiddenLine xmlns:a14="http://schemas.microsoft.com/office/drawing/2010/main" xmlns="" w="9525">
+                  <a14:hiddenLine xmlns="" xmlns:a14="http://schemas.microsoft.com/office/drawing/2010/main" w="9525">
                     <a:solidFill>
                       <a:srgbClr val="000000"/>
                     </a:solidFill>
@@ -14997,7 +14997,7 @@
               </a:ln>
               <a:extLst>
                 <a:ext uri="{91240B29-F687-4f45-9708-019B960494DF}">
-                  <a14:hiddenLine xmlns:a14="http://schemas.microsoft.com/office/drawing/2010/main" xmlns="" w="9525">
+                  <a14:hiddenLine xmlns="" xmlns:a14="http://schemas.microsoft.com/office/drawing/2010/main" w="9525">
                     <a:solidFill>
                       <a:srgbClr val="000000"/>
                     </a:solidFill>
@@ -15087,7 +15087,7 @@
               </a:ln>
               <a:extLst>
                 <a:ext uri="{91240B29-F687-4f45-9708-019B960494DF}">
-                  <a14:hiddenLine xmlns:a14="http://schemas.microsoft.com/office/drawing/2010/main" xmlns="" w="9525">
+                  <a14:hiddenLine xmlns="" xmlns:a14="http://schemas.microsoft.com/office/drawing/2010/main" w="9525">
                     <a:solidFill>
                       <a:srgbClr val="000000"/>
                     </a:solidFill>
@@ -15152,7 +15152,7 @@
               </a:ln>
               <a:extLst>
                 <a:ext uri="{91240B29-F687-4f45-9708-019B960494DF}">
-                  <a14:hiddenLine xmlns:a14="http://schemas.microsoft.com/office/drawing/2010/main" xmlns="" w="9525">
+                  <a14:hiddenLine xmlns="" xmlns:a14="http://schemas.microsoft.com/office/drawing/2010/main" w="9525">
                     <a:solidFill>
                       <a:srgbClr val="000000"/>
                     </a:solidFill>
@@ -15272,7 +15272,7 @@
               </a:ln>
               <a:extLst>
                 <a:ext uri="{91240B29-F687-4f45-9708-019B960494DF}">
-                  <a14:hiddenLine xmlns:a14="http://schemas.microsoft.com/office/drawing/2010/main" xmlns="" w="9525">
+                  <a14:hiddenLine xmlns="" xmlns:a14="http://schemas.microsoft.com/office/drawing/2010/main" w="9525">
                     <a:solidFill>
                       <a:srgbClr val="000000"/>
                     </a:solidFill>
@@ -15353,7 +15353,7 @@
               </a:ln>
               <a:extLst>
                 <a:ext uri="{91240B29-F687-4f45-9708-019B960494DF}">
-                  <a14:hiddenLine xmlns:a14="http://schemas.microsoft.com/office/drawing/2010/main" xmlns="" w="9525">
+                  <a14:hiddenLine xmlns="" xmlns:a14="http://schemas.microsoft.com/office/drawing/2010/main" w="9525">
                     <a:solidFill>
                       <a:srgbClr val="000000"/>
                     </a:solidFill>
@@ -15468,7 +15468,7 @@
               </a:ln>
               <a:extLst>
                 <a:ext uri="{91240B29-F687-4f45-9708-019B960494DF}">
-                  <a14:hiddenLine xmlns:a14="http://schemas.microsoft.com/office/drawing/2010/main" xmlns="" w="9525">
+                  <a14:hiddenLine xmlns="" xmlns:a14="http://schemas.microsoft.com/office/drawing/2010/main" w="9525">
                     <a:solidFill>
                       <a:srgbClr val="000000"/>
                     </a:solidFill>
@@ -15558,7 +15558,7 @@
               </a:ln>
               <a:extLst>
                 <a:ext uri="{91240B29-F687-4f45-9708-019B960494DF}">
-                  <a14:hiddenLine xmlns:a14="http://schemas.microsoft.com/office/drawing/2010/main" xmlns="" w="9525">
+                  <a14:hiddenLine xmlns="" xmlns:a14="http://schemas.microsoft.com/office/drawing/2010/main" w="9525">
                     <a:solidFill>
                       <a:srgbClr val="000000"/>
                     </a:solidFill>
@@ -15623,7 +15623,7 @@
               </a:ln>
               <a:extLst>
                 <a:ext uri="{91240B29-F687-4f45-9708-019B960494DF}">
-                  <a14:hiddenLine xmlns:a14="http://schemas.microsoft.com/office/drawing/2010/main" xmlns="" w="9525">
+                  <a14:hiddenLine xmlns="" xmlns:a14="http://schemas.microsoft.com/office/drawing/2010/main" w="9525">
                     <a:solidFill>
                       <a:srgbClr val="000000"/>
                     </a:solidFill>
@@ -15713,7 +15713,7 @@
               </a:ln>
               <a:extLst>
                 <a:ext uri="{91240B29-F687-4f45-9708-019B960494DF}">
-                  <a14:hiddenLine xmlns:a14="http://schemas.microsoft.com/office/drawing/2010/main" xmlns="" w="9525">
+                  <a14:hiddenLine xmlns="" xmlns:a14="http://schemas.microsoft.com/office/drawing/2010/main" w="9525">
                     <a:solidFill>
                       <a:srgbClr val="000000"/>
                     </a:solidFill>
@@ -15781,7 +15781,7 @@
               </a:ln>
               <a:extLst>
                 <a:ext uri="{91240B29-F687-4f45-9708-019B960494DF}">
-                  <a14:hiddenLine xmlns:a14="http://schemas.microsoft.com/office/drawing/2010/main" xmlns="" w="9525">
+                  <a14:hiddenLine xmlns="" xmlns:a14="http://schemas.microsoft.com/office/drawing/2010/main" w="9525">
                     <a:solidFill>
                       <a:srgbClr val="000000"/>
                     </a:solidFill>
@@ -15871,7 +15871,7 @@
               </a:ln>
               <a:extLst>
                 <a:ext uri="{91240B29-F687-4f45-9708-019B960494DF}">
-                  <a14:hiddenLine xmlns:a14="http://schemas.microsoft.com/office/drawing/2010/main" xmlns="" w="9525">
+                  <a14:hiddenLine xmlns="" xmlns:a14="http://schemas.microsoft.com/office/drawing/2010/main" w="9525">
                     <a:solidFill>
                       <a:srgbClr val="000000"/>
                     </a:solidFill>
@@ -15939,7 +15939,7 @@
               </a:ln>
               <a:extLst>
                 <a:ext uri="{91240B29-F687-4f45-9708-019B960494DF}">
-                  <a14:hiddenLine xmlns:a14="http://schemas.microsoft.com/office/drawing/2010/main" xmlns="" w="9525">
+                  <a14:hiddenLine xmlns="" xmlns:a14="http://schemas.microsoft.com/office/drawing/2010/main" w="9525">
                     <a:solidFill>
                       <a:srgbClr val="000000"/>
                     </a:solidFill>
@@ -16029,7 +16029,7 @@
               </a:ln>
               <a:extLst>
                 <a:ext uri="{91240B29-F687-4f45-9708-019B960494DF}">
-                  <a14:hiddenLine xmlns:a14="http://schemas.microsoft.com/office/drawing/2010/main" xmlns="" w="9525">
+                  <a14:hiddenLine xmlns="" xmlns:a14="http://schemas.microsoft.com/office/drawing/2010/main" w="9525">
                     <a:solidFill>
                       <a:srgbClr val="000000"/>
                     </a:solidFill>
@@ -16063,7 +16063,7 @@
               </a:ln>
               <a:extLst>
                 <a:ext uri="{91240B29-F687-4f45-9708-019B960494DF}">
-                  <a14:hiddenLine xmlns:a14="http://schemas.microsoft.com/office/drawing/2010/main" xmlns="" w="9525">
+                  <a14:hiddenLine xmlns="" xmlns:a14="http://schemas.microsoft.com/office/drawing/2010/main" w="9525">
                     <a:solidFill>
                       <a:srgbClr val="000000"/>
                     </a:solidFill>
@@ -17509,10 +17509,10 @@
       </p:sp>
       <p:pic>
         <p:nvPicPr>
-          <p:cNvPr id="8" name="Inhaltsplatzhalter 7" descr="Ein Bild, das Screenshot, Parkplatz, draußen, Gebäude enthält.&#10;&#10;Automatisch generierte Beschreibung">
+          <p:cNvPr id="6" name="Inhaltsplatzhalter 5">
             <a:extLst>
               <a:ext uri="{FF2B5EF4-FFF2-40B4-BE49-F238E27FC236}">
-                <a16:creationId xmlns:a16="http://schemas.microsoft.com/office/drawing/2014/main" id="{A79286BE-CCC1-4772-92F6-C72F88009902}"/>
+                <a16:creationId xmlns:a16="http://schemas.microsoft.com/office/drawing/2014/main" id="{A8E7AE40-D02C-4986-9C5B-4ED698120DE6}"/>
               </a:ext>
             </a:extLst>
           </p:cNvPr>
@@ -17528,6 +17528,9 @@
             <a:extLst>
               <a:ext uri="{28A0092B-C50C-407E-A947-70E740481C1C}">
                 <a14:useLocalDpi xmlns:a14="http://schemas.microsoft.com/office/drawing/2010/main" val="0"/>
+              </a:ext>
+              <a:ext uri="{96DAC541-7B7A-43D3-8B79-37D633B846F1}">
+                <asvg:svgBlip xmlns:asvg="http://schemas.microsoft.com/office/drawing/2016/SVG/main" r:embed="rId4"/>
               </a:ext>
             </a:extLst>
           </a:blip>
@@ -17537,8 +17540,8 @@
         </p:blipFill>
         <p:spPr>
           <a:xfrm>
-            <a:off x="3238103" y="2097088"/>
-            <a:ext cx="5712618" cy="3831771"/>
+            <a:off x="1665288" y="2305844"/>
+            <a:ext cx="8858250" cy="3429000"/>
           </a:xfrm>
         </p:spPr>
       </p:pic>
